--- a/docs/Presentation version 2.pptx
+++ b/docs/Presentation version 2.pptx
@@ -22,7 +22,8 @@
     <p:sldId id="267" r:id="rId16"/>
     <p:sldId id="268" r:id="rId17"/>
     <p:sldId id="269" r:id="rId18"/>
-    <p:sldId id="270" r:id="rId19"/>
+    <p:sldId id="275" r:id="rId19"/>
+    <p:sldId id="270" r:id="rId20"/>
   </p:sldIdLst>
   <p:sldSz cx="9144000" cy="6858000" type="screen4x3"/>
   <p:notesSz cx="6858000" cy="9144000"/>
@@ -2380,17 +2381,17 @@
       </dgm:t>
     </dgm:pt>
     <dgm:pt modelId="{4B643C84-8A54-4740-A100-FD510DC37B63}">
-      <dgm:prSet phldrT="[Text]"/>
+      <dgm:prSet phldrT="[Text]" custT="1"/>
       <dgm:spPr/>
       <dgm:t>
         <a:bodyPr/>
         <a:lstStyle/>
         <a:p>
           <a:r>
-            <a:rPr lang="en-US" dirty="0" smtClean="0"/>
+            <a:rPr lang="en-US" sz="3600" dirty="0" smtClean="0"/>
             <a:t>Job attractiveness</a:t>
           </a:r>
-          <a:endParaRPr lang="en-US" dirty="0"/>
+          <a:endParaRPr lang="en-US" sz="3600" dirty="0"/>
         </a:p>
       </dgm:t>
     </dgm:pt>
@@ -2424,16 +2425,16 @@
         <a:lstStyle/>
         <a:p>
           <a:r>
-            <a:rPr lang="en-US" sz="2400" dirty="0" smtClean="0"/>
+            <a:rPr lang="en-US" sz="2000" dirty="0" smtClean="0"/>
             <a:t>Primary </a:t>
           </a:r>
         </a:p>
         <a:p>
           <a:r>
-            <a:rPr lang="en-US" sz="2400" dirty="0" smtClean="0"/>
+            <a:rPr lang="en-US" sz="2000" dirty="0" smtClean="0"/>
             <a:t>sector jobs</a:t>
           </a:r>
-          <a:endParaRPr lang="en-US" sz="2400" dirty="0"/>
+          <a:endParaRPr lang="en-US" sz="2000" dirty="0"/>
         </a:p>
       </dgm:t>
     </dgm:pt>
@@ -2916,17 +2917,17 @@
       </dgm:t>
     </dgm:pt>
     <dgm:pt modelId="{4B643C84-8A54-4740-A100-FD510DC37B63}">
-      <dgm:prSet phldrT="[Text]"/>
+      <dgm:prSet phldrT="[Text]" custT="1"/>
       <dgm:spPr/>
       <dgm:t>
         <a:bodyPr/>
         <a:lstStyle/>
         <a:p>
           <a:r>
-            <a:rPr lang="en-US" dirty="0" smtClean="0"/>
+            <a:rPr lang="en-US" sz="3600" dirty="0" smtClean="0"/>
             <a:t>Job attractiveness</a:t>
           </a:r>
-          <a:endParaRPr lang="en-US" dirty="0"/>
+          <a:endParaRPr lang="en-US" sz="3600" dirty="0"/>
         </a:p>
       </dgm:t>
     </dgm:pt>
@@ -3015,7 +3016,7 @@
         <a:lstStyle/>
         <a:p>
           <a:r>
-            <a:rPr lang="en-US" sz="2400" dirty="0" smtClean="0">
+            <a:rPr lang="en-US" sz="2000" dirty="0" smtClean="0">
               <a:solidFill>
                 <a:schemeClr val="bg1"/>
               </a:solidFill>
@@ -3025,14 +3026,14 @@
         </a:p>
         <a:p>
           <a:r>
-            <a:rPr lang="en-US" sz="2400" dirty="0" smtClean="0">
+            <a:rPr lang="en-US" sz="2000" dirty="0" smtClean="0">
               <a:solidFill>
                 <a:schemeClr val="bg1"/>
               </a:solidFill>
             </a:rPr>
             <a:t>sector jobs</a:t>
           </a:r>
-          <a:endParaRPr lang="en-US" sz="2400" dirty="0">
+          <a:endParaRPr lang="en-US" sz="2000" dirty="0">
             <a:solidFill>
               <a:schemeClr val="bg1"/>
             </a:solidFill>
@@ -3125,7 +3126,7 @@
         <a:lstStyle/>
         <a:p>
           <a:r>
-            <a:rPr lang="en-US" sz="2400" dirty="0" smtClean="0">
+            <a:rPr lang="en-US" sz="2000" dirty="0" smtClean="0">
               <a:solidFill>
                 <a:schemeClr val="bg1"/>
               </a:solidFill>
@@ -3135,14 +3136,14 @@
         </a:p>
         <a:p>
           <a:r>
-            <a:rPr lang="en-US" sz="2400" dirty="0" smtClean="0">
+            <a:rPr lang="en-US" sz="2000" dirty="0" smtClean="0">
               <a:solidFill>
                 <a:schemeClr val="bg1"/>
               </a:solidFill>
             </a:rPr>
             <a:t>sector jobs</a:t>
           </a:r>
-          <a:endParaRPr lang="en-US" sz="2400" dirty="0">
+          <a:endParaRPr lang="en-US" sz="2000" dirty="0">
             <a:solidFill>
               <a:schemeClr val="bg1"/>
             </a:solidFill>
@@ -3464,17 +3465,17 @@
       </dgm:t>
     </dgm:pt>
     <dgm:pt modelId="{4B643C84-8A54-4740-A100-FD510DC37B63}">
-      <dgm:prSet phldrT="[Text]"/>
+      <dgm:prSet phldrT="[Text]" custT="1"/>
       <dgm:spPr/>
       <dgm:t>
         <a:bodyPr/>
         <a:lstStyle/>
         <a:p>
           <a:r>
-            <a:rPr lang="en-US" dirty="0" smtClean="0"/>
+            <a:rPr lang="en-US" sz="3600" dirty="0" smtClean="0"/>
             <a:t>Job attractiveness</a:t>
           </a:r>
-          <a:endParaRPr lang="en-US" dirty="0"/>
+          <a:endParaRPr lang="en-US" sz="3600" dirty="0"/>
         </a:p>
       </dgm:t>
     </dgm:pt>
@@ -3618,7 +3619,7 @@
         <a:lstStyle/>
         <a:p>
           <a:r>
-            <a:rPr lang="en-US" sz="2400" dirty="0" smtClean="0">
+            <a:rPr lang="en-US" sz="2000" dirty="0" smtClean="0">
               <a:solidFill>
                 <a:schemeClr val="bg1"/>
               </a:solidFill>
@@ -3628,14 +3629,14 @@
         </a:p>
         <a:p>
           <a:r>
-            <a:rPr lang="en-US" sz="2400" dirty="0" smtClean="0">
+            <a:rPr lang="en-US" sz="2000" dirty="0" smtClean="0">
               <a:solidFill>
                 <a:schemeClr val="bg1"/>
               </a:solidFill>
             </a:rPr>
             <a:t>sector jobs</a:t>
           </a:r>
-          <a:endParaRPr lang="en-US" sz="2400" dirty="0">
+          <a:endParaRPr lang="en-US" sz="2000" dirty="0">
             <a:solidFill>
               <a:schemeClr val="bg1"/>
             </a:solidFill>
@@ -4394,12 +4395,12 @@
         </a:fontRef>
       </dsp:style>
       <dsp:txBody>
-        <a:bodyPr spcFirstLastPara="0" vert="horz" wrap="square" lIns="26670" tIns="26670" rIns="26670" bIns="26670" numCol="1" spcCol="1270" anchor="ctr" anchorCtr="0">
+        <a:bodyPr spcFirstLastPara="0" vert="horz" wrap="square" lIns="22860" tIns="22860" rIns="22860" bIns="22860" numCol="1" spcCol="1270" anchor="ctr" anchorCtr="0">
           <a:noAutofit/>
         </a:bodyPr>
         <a:lstStyle/>
         <a:p>
-          <a:pPr lvl="0" algn="ctr" defTabSz="1866900">
+          <a:pPr lvl="0" algn="ctr" defTabSz="1600200">
             <a:lnSpc>
               <a:spcPct val="90000"/>
             </a:lnSpc>
@@ -4411,10 +4412,10 @@
             </a:spcAft>
           </a:pPr>
           <a:r>
-            <a:rPr lang="en-US" sz="4200" kern="1200" dirty="0" smtClean="0"/>
+            <a:rPr lang="en-US" sz="3600" kern="1200" dirty="0" smtClean="0"/>
             <a:t>Job attractiveness</a:t>
           </a:r>
-          <a:endParaRPr lang="en-US" sz="4200" kern="1200" dirty="0"/>
+          <a:endParaRPr lang="en-US" sz="3600" kern="1200" dirty="0"/>
         </a:p>
       </dsp:txBody>
       <dsp:txXfrm>
@@ -4471,12 +4472,12 @@
         </a:fontRef>
       </dsp:style>
       <dsp:txBody>
-        <a:bodyPr spcFirstLastPara="0" vert="horz" wrap="square" lIns="15240" tIns="15240" rIns="15240" bIns="15240" numCol="1" spcCol="1270" anchor="ctr" anchorCtr="0">
+        <a:bodyPr spcFirstLastPara="0" vert="horz" wrap="square" lIns="12700" tIns="12700" rIns="12700" bIns="12700" numCol="1" spcCol="1270" anchor="ctr" anchorCtr="0">
           <a:noAutofit/>
         </a:bodyPr>
         <a:lstStyle/>
         <a:p>
-          <a:pPr lvl="0" algn="ctr" defTabSz="1066800">
+          <a:pPr lvl="0" algn="ctr" defTabSz="889000">
             <a:lnSpc>
               <a:spcPct val="90000"/>
             </a:lnSpc>
@@ -4488,12 +4489,12 @@
             </a:spcAft>
           </a:pPr>
           <a:r>
-            <a:rPr lang="en-US" sz="2400" kern="1200" dirty="0" smtClean="0"/>
+            <a:rPr lang="en-US" sz="2000" kern="1200" dirty="0" smtClean="0"/>
             <a:t>Primary </a:t>
           </a:r>
         </a:p>
         <a:p>
-          <a:pPr lvl="0" algn="ctr" defTabSz="1066800">
+          <a:pPr lvl="0" algn="ctr" defTabSz="889000">
             <a:lnSpc>
               <a:spcPct val="90000"/>
             </a:lnSpc>
@@ -4505,10 +4506,10 @@
             </a:spcAft>
           </a:pPr>
           <a:r>
-            <a:rPr lang="en-US" sz="2400" kern="1200" dirty="0" smtClean="0"/>
+            <a:rPr lang="en-US" sz="2000" kern="1200" dirty="0" smtClean="0"/>
             <a:t>sector jobs</a:t>
           </a:r>
-          <a:endParaRPr lang="en-US" sz="2400" kern="1200" dirty="0"/>
+          <a:endParaRPr lang="en-US" sz="2000" kern="1200" dirty="0"/>
         </a:p>
       </dsp:txBody>
       <dsp:txXfrm>
@@ -5235,12 +5236,12 @@
         </a:fontRef>
       </dsp:style>
       <dsp:txBody>
-        <a:bodyPr spcFirstLastPara="0" vert="horz" wrap="square" lIns="26670" tIns="26670" rIns="26670" bIns="26670" numCol="1" spcCol="1270" anchor="ctr" anchorCtr="0">
+        <a:bodyPr spcFirstLastPara="0" vert="horz" wrap="square" lIns="22860" tIns="22860" rIns="22860" bIns="22860" numCol="1" spcCol="1270" anchor="ctr" anchorCtr="0">
           <a:noAutofit/>
         </a:bodyPr>
         <a:lstStyle/>
         <a:p>
-          <a:pPr lvl="0" algn="ctr" defTabSz="1866900">
+          <a:pPr lvl="0" algn="ctr" defTabSz="1600200">
             <a:lnSpc>
               <a:spcPct val="90000"/>
             </a:lnSpc>
@@ -5252,10 +5253,10 @@
             </a:spcAft>
           </a:pPr>
           <a:r>
-            <a:rPr lang="en-US" sz="4200" kern="1200" dirty="0" smtClean="0"/>
+            <a:rPr lang="en-US" sz="3600" kern="1200" dirty="0" smtClean="0"/>
             <a:t>Job attractiveness</a:t>
           </a:r>
-          <a:endParaRPr lang="en-US" sz="4200" kern="1200" dirty="0"/>
+          <a:endParaRPr lang="en-US" sz="3600" kern="1200" dirty="0"/>
         </a:p>
       </dsp:txBody>
       <dsp:txXfrm>
@@ -5418,12 +5419,12 @@
         </a:fontRef>
       </dsp:style>
       <dsp:txBody>
-        <a:bodyPr spcFirstLastPara="0" vert="horz" wrap="square" lIns="15240" tIns="15240" rIns="15240" bIns="15240" numCol="1" spcCol="1270" anchor="ctr" anchorCtr="0">
+        <a:bodyPr spcFirstLastPara="0" vert="horz" wrap="square" lIns="12700" tIns="12700" rIns="12700" bIns="12700" numCol="1" spcCol="1270" anchor="ctr" anchorCtr="0">
           <a:noAutofit/>
         </a:bodyPr>
         <a:lstStyle/>
         <a:p>
-          <a:pPr lvl="0" algn="ctr" defTabSz="1066800">
+          <a:pPr lvl="0" algn="ctr" defTabSz="889000">
             <a:lnSpc>
               <a:spcPct val="90000"/>
             </a:lnSpc>
@@ -5435,7 +5436,7 @@
             </a:spcAft>
           </a:pPr>
           <a:r>
-            <a:rPr lang="en-US" sz="2400" kern="1200" dirty="0" smtClean="0">
+            <a:rPr lang="en-US" sz="2000" kern="1200" dirty="0" smtClean="0">
               <a:solidFill>
                 <a:schemeClr val="bg1"/>
               </a:solidFill>
@@ -5444,7 +5445,7 @@
           </a:r>
         </a:p>
         <a:p>
-          <a:pPr lvl="0" algn="ctr" defTabSz="1066800">
+          <a:pPr lvl="0" algn="ctr" defTabSz="889000">
             <a:lnSpc>
               <a:spcPct val="90000"/>
             </a:lnSpc>
@@ -5456,14 +5457,14 @@
             </a:spcAft>
           </a:pPr>
           <a:r>
-            <a:rPr lang="en-US" sz="2400" kern="1200" dirty="0" smtClean="0">
+            <a:rPr lang="en-US" sz="2000" kern="1200" dirty="0" smtClean="0">
               <a:solidFill>
                 <a:schemeClr val="bg1"/>
               </a:solidFill>
             </a:rPr>
             <a:t>sector jobs</a:t>
           </a:r>
-          <a:endParaRPr lang="en-US" sz="2400" kern="1200" dirty="0">
+          <a:endParaRPr lang="en-US" sz="2000" kern="1200" dirty="0">
             <a:solidFill>
               <a:schemeClr val="bg1"/>
             </a:solidFill>
@@ -5630,12 +5631,12 @@
         </a:fontRef>
       </dsp:style>
       <dsp:txBody>
-        <a:bodyPr spcFirstLastPara="0" vert="horz" wrap="square" lIns="15240" tIns="15240" rIns="15240" bIns="15240" numCol="1" spcCol="1270" anchor="ctr" anchorCtr="0">
+        <a:bodyPr spcFirstLastPara="0" vert="horz" wrap="square" lIns="12700" tIns="12700" rIns="12700" bIns="12700" numCol="1" spcCol="1270" anchor="ctr" anchorCtr="0">
           <a:noAutofit/>
         </a:bodyPr>
         <a:lstStyle/>
         <a:p>
-          <a:pPr lvl="0" algn="ctr" defTabSz="1066800">
+          <a:pPr lvl="0" algn="ctr" defTabSz="889000">
             <a:lnSpc>
               <a:spcPct val="90000"/>
             </a:lnSpc>
@@ -5647,7 +5648,7 @@
             </a:spcAft>
           </a:pPr>
           <a:r>
-            <a:rPr lang="en-US" sz="2400" kern="1200" dirty="0" smtClean="0">
+            <a:rPr lang="en-US" sz="2000" kern="1200" dirty="0" smtClean="0">
               <a:solidFill>
                 <a:schemeClr val="bg1"/>
               </a:solidFill>
@@ -5656,7 +5657,7 @@
           </a:r>
         </a:p>
         <a:p>
-          <a:pPr lvl="0" algn="ctr" defTabSz="1066800">
+          <a:pPr lvl="0" algn="ctr" defTabSz="889000">
             <a:lnSpc>
               <a:spcPct val="90000"/>
             </a:lnSpc>
@@ -5668,14 +5669,14 @@
             </a:spcAft>
           </a:pPr>
           <a:r>
-            <a:rPr lang="en-US" sz="2400" kern="1200" dirty="0" smtClean="0">
+            <a:rPr lang="en-US" sz="2000" kern="1200" dirty="0" smtClean="0">
               <a:solidFill>
                 <a:schemeClr val="bg1"/>
               </a:solidFill>
             </a:rPr>
             <a:t>sector jobs</a:t>
           </a:r>
-          <a:endParaRPr lang="en-US" sz="2400" kern="1200" dirty="0">
+          <a:endParaRPr lang="en-US" sz="2000" kern="1200" dirty="0">
             <a:solidFill>
               <a:schemeClr val="bg1"/>
             </a:solidFill>
@@ -6088,12 +6089,12 @@
         </a:fontRef>
       </dsp:style>
       <dsp:txBody>
-        <a:bodyPr spcFirstLastPara="0" vert="horz" wrap="square" lIns="26670" tIns="26670" rIns="26670" bIns="26670" numCol="1" spcCol="1270" anchor="ctr" anchorCtr="0">
+        <a:bodyPr spcFirstLastPara="0" vert="horz" wrap="square" lIns="22860" tIns="22860" rIns="22860" bIns="22860" numCol="1" spcCol="1270" anchor="ctr" anchorCtr="0">
           <a:noAutofit/>
         </a:bodyPr>
         <a:lstStyle/>
         <a:p>
-          <a:pPr lvl="0" algn="ctr" defTabSz="1866900">
+          <a:pPr lvl="0" algn="ctr" defTabSz="1600200">
             <a:lnSpc>
               <a:spcPct val="90000"/>
             </a:lnSpc>
@@ -6105,10 +6106,10 @@
             </a:spcAft>
           </a:pPr>
           <a:r>
-            <a:rPr lang="en-US" sz="4200" kern="1200" dirty="0" smtClean="0"/>
+            <a:rPr lang="en-US" sz="3600" kern="1200" dirty="0" smtClean="0"/>
             <a:t>Job attractiveness</a:t>
           </a:r>
-          <a:endParaRPr lang="en-US" sz="4200" kern="1200" dirty="0"/>
+          <a:endParaRPr lang="en-US" sz="3600" kern="1200" dirty="0"/>
         </a:p>
       </dsp:txBody>
       <dsp:txXfrm>
@@ -6377,12 +6378,12 @@
         </a:fontRef>
       </dsp:style>
       <dsp:txBody>
-        <a:bodyPr spcFirstLastPara="0" vert="horz" wrap="square" lIns="15240" tIns="15240" rIns="15240" bIns="15240" numCol="1" spcCol="1270" anchor="ctr" anchorCtr="0">
+        <a:bodyPr spcFirstLastPara="0" vert="horz" wrap="square" lIns="12700" tIns="12700" rIns="12700" bIns="12700" numCol="1" spcCol="1270" anchor="ctr" anchorCtr="0">
           <a:noAutofit/>
         </a:bodyPr>
         <a:lstStyle/>
         <a:p>
-          <a:pPr lvl="0" algn="ctr" defTabSz="1066800">
+          <a:pPr lvl="0" algn="ctr" defTabSz="889000">
             <a:lnSpc>
               <a:spcPct val="90000"/>
             </a:lnSpc>
@@ -6394,7 +6395,7 @@
             </a:spcAft>
           </a:pPr>
           <a:r>
-            <a:rPr lang="en-US" sz="2400" kern="1200" dirty="0" smtClean="0">
+            <a:rPr lang="en-US" sz="2000" kern="1200" dirty="0" smtClean="0">
               <a:solidFill>
                 <a:schemeClr val="bg1"/>
               </a:solidFill>
@@ -6403,7 +6404,7 @@
           </a:r>
         </a:p>
         <a:p>
-          <a:pPr lvl="0" algn="ctr" defTabSz="1066800">
+          <a:pPr lvl="0" algn="ctr" defTabSz="889000">
             <a:lnSpc>
               <a:spcPct val="90000"/>
             </a:lnSpc>
@@ -6415,14 +6416,14 @@
             </a:spcAft>
           </a:pPr>
           <a:r>
-            <a:rPr lang="en-US" sz="2400" kern="1200" dirty="0" smtClean="0">
+            <a:rPr lang="en-US" sz="2000" kern="1200" dirty="0" smtClean="0">
               <a:solidFill>
                 <a:schemeClr val="bg1"/>
               </a:solidFill>
             </a:rPr>
             <a:t>sector jobs</a:t>
           </a:r>
-          <a:endParaRPr lang="en-US" sz="2400" kern="1200" dirty="0">
+          <a:endParaRPr lang="en-US" sz="2000" kern="1200" dirty="0">
             <a:solidFill>
               <a:schemeClr val="bg1"/>
             </a:solidFill>
@@ -15646,13 +15647,13 @@
   <p:clrMapOvr>
     <a:masterClrMapping/>
   </p:clrMapOvr>
-  <mc:AlternateContent xmlns:mc="http://schemas.openxmlformats.org/markup-compatibility/2006" xmlns:p14="http://schemas.microsoft.com/office/powerpoint/2010/main">
-    <mc:Choice Requires="p14">
+  <mc:AlternateContent xmlns:mc="http://schemas.openxmlformats.org/markup-compatibility/2006">
+    <mc:Choice xmlns:p14="http://schemas.microsoft.com/office/powerpoint/2010/main" Requires="p14">
       <p:transition spd="med" p14:dur="700">
         <p:fade/>
       </p:transition>
     </mc:Choice>
-    <mc:Fallback xmlns="">
+    <mc:Fallback>
       <p:transition spd="med">
         <p:fade/>
       </p:transition>
@@ -15717,7 +15718,7 @@
           <p:nvPr>
             <p:extLst>
               <p:ext uri="{D42A27DB-BD31-4B8C-83A1-F6EECF244321}">
-                <p14:modId xmlns:p14="http://schemas.microsoft.com/office/powerpoint/2010/main" val="3479975350"/>
+                <p14:modId xmlns:p14="http://schemas.microsoft.com/office/powerpoint/2010/main" val="2609375942"/>
               </p:ext>
             </p:extLst>
           </p:nvPr>
@@ -15753,8 +15754,8 @@
         </p:blipFill>
         <p:spPr>
           <a:xfrm>
-            <a:off x="3886200" y="1954129"/>
-            <a:ext cx="4650259" cy="2998871"/>
+            <a:off x="4267200" y="1954129"/>
+            <a:ext cx="4269259" cy="2998871"/>
           </a:xfrm>
           <a:prstGeom prst="rect">
             <a:avLst/>
@@ -15793,14 +15794,14 @@
       </p:pic>
       <p:sp>
         <p:nvSpPr>
-          <p:cNvPr id="11" name="TextBox 10"/>
+          <p:cNvPr id="8" name="TextBox 7"/>
           <p:cNvSpPr txBox="1"/>
           <p:nvPr/>
         </p:nvSpPr>
         <p:spPr>
           <a:xfrm>
-            <a:off x="4114800" y="5029200"/>
-            <a:ext cx="4419600" cy="369332"/>
+            <a:off x="5867400" y="4977825"/>
+            <a:ext cx="2895600" cy="584775"/>
           </a:xfrm>
           <a:prstGeom prst="rect">
             <a:avLst/>
@@ -15814,13 +15815,131 @@
           <a:lstStyle/>
           <a:p>
             <a:r>
-              <a:rPr lang="en-US" dirty="0" smtClean="0"/>
-              <a:t>Fraction people in service / non-profit</a:t>
-            </a:r>
-            <a:endParaRPr lang="en-US" dirty="0"/>
+              <a:rPr lang="en-US" sz="1600" dirty="0" smtClean="0"/>
+              <a:t>Fraction people in 2</a:t>
+            </a:r>
+            <a:r>
+              <a:rPr lang="en-US" sz="1600" baseline="30000" dirty="0" smtClean="0"/>
+              <a:t>nd</a:t>
+            </a:r>
+            <a:r>
+              <a:rPr lang="en-US" sz="1600" dirty="0" smtClean="0"/>
+              <a:t> or 4</a:t>
+            </a:r>
+            <a:r>
+              <a:rPr lang="en-US" sz="1600" baseline="30000" dirty="0" smtClean="0"/>
+              <a:t>th</a:t>
+            </a:r>
+            <a:r>
+              <a:rPr lang="en-US" sz="1600" dirty="0" smtClean="0"/>
+              <a:t> sector jobs</a:t>
+            </a:r>
+            <a:endParaRPr lang="en-US" sz="1600" dirty="0"/>
           </a:p>
         </p:txBody>
       </p:sp>
+      <p:cxnSp>
+        <p:nvCxnSpPr>
+          <p:cNvPr id="9" name="Straight Arrow Connector 8"/>
+          <p:cNvCxnSpPr/>
+          <p:nvPr/>
+        </p:nvCxnSpPr>
+        <p:spPr>
+          <a:xfrm>
+            <a:off x="5257800" y="5181600"/>
+            <a:ext cx="609600" cy="0"/>
+          </a:xfrm>
+          <a:prstGeom prst="straightConnector1">
+            <a:avLst/>
+          </a:prstGeom>
+          <a:ln w="15875">
+            <a:solidFill>
+              <a:schemeClr val="tx1"/>
+            </a:solidFill>
+            <a:tailEnd type="arrow"/>
+          </a:ln>
+        </p:spPr>
+        <p:style>
+          <a:lnRef idx="1">
+            <a:schemeClr val="accent1"/>
+          </a:lnRef>
+          <a:fillRef idx="0">
+            <a:schemeClr val="accent1"/>
+          </a:fillRef>
+          <a:effectRef idx="0">
+            <a:schemeClr val="accent1"/>
+          </a:effectRef>
+          <a:fontRef idx="minor">
+            <a:schemeClr val="tx1"/>
+          </a:fontRef>
+        </p:style>
+      </p:cxnSp>
+      <p:sp>
+        <p:nvSpPr>
+          <p:cNvPr id="10" name="TextBox 9"/>
+          <p:cNvSpPr txBox="1"/>
+          <p:nvPr/>
+        </p:nvSpPr>
+        <p:spPr>
+          <a:xfrm rot="16200000">
+            <a:off x="3188885" y="2449916"/>
+            <a:ext cx="1580784" cy="338554"/>
+          </a:xfrm>
+          <a:prstGeom prst="rect">
+            <a:avLst/>
+          </a:prstGeom>
+          <a:noFill/>
+        </p:spPr>
+        <p:txBody>
+          <a:bodyPr wrap="square" rtlCol="0">
+            <a:spAutoFit/>
+          </a:bodyPr>
+          <a:lstStyle/>
+          <a:p>
+            <a:r>
+              <a:rPr lang="en-US" sz="1600" dirty="0" smtClean="0"/>
+              <a:t>Attractiveness</a:t>
+            </a:r>
+            <a:endParaRPr lang="en-US" sz="1600" dirty="0"/>
+          </a:p>
+        </p:txBody>
+      </p:sp>
+      <p:cxnSp>
+        <p:nvCxnSpPr>
+          <p:cNvPr id="12" name="Straight Arrow Connector 11"/>
+          <p:cNvCxnSpPr/>
+          <p:nvPr/>
+        </p:nvCxnSpPr>
+        <p:spPr>
+          <a:xfrm rot="16200000">
+            <a:off x="3688720" y="3714385"/>
+            <a:ext cx="609600" cy="0"/>
+          </a:xfrm>
+          <a:prstGeom prst="straightConnector1">
+            <a:avLst/>
+          </a:prstGeom>
+          <a:ln w="15875">
+            <a:solidFill>
+              <a:schemeClr val="tx1"/>
+            </a:solidFill>
+            <a:tailEnd type="arrow"/>
+          </a:ln>
+        </p:spPr>
+        <p:style>
+          <a:lnRef idx="1">
+            <a:schemeClr val="accent1"/>
+          </a:lnRef>
+          <a:fillRef idx="0">
+            <a:schemeClr val="accent1"/>
+          </a:fillRef>
+          <a:effectRef idx="0">
+            <a:schemeClr val="accent1"/>
+          </a:effectRef>
+          <a:fontRef idx="minor">
+            <a:schemeClr val="tx1"/>
+          </a:fontRef>
+        </p:style>
+      </p:cxnSp>
     </p:spTree>
     <p:extLst>
       <p:ext uri="{BB962C8B-B14F-4D97-AF65-F5344CB8AC3E}">
@@ -15831,13 +15950,13 @@
   <p:clrMapOvr>
     <a:masterClrMapping/>
   </p:clrMapOvr>
-  <mc:AlternateContent xmlns:mc="http://schemas.openxmlformats.org/markup-compatibility/2006" xmlns:p14="http://schemas.microsoft.com/office/powerpoint/2010/main">
-    <mc:Choice Requires="p14">
+  <mc:AlternateContent xmlns:mc="http://schemas.openxmlformats.org/markup-compatibility/2006">
+    <mc:Choice xmlns:p14="http://schemas.microsoft.com/office/powerpoint/2010/main" Requires="p14">
       <p:transition spd="med" p14:dur="700">
         <p:fade/>
       </p:transition>
     </mc:Choice>
-    <mc:Fallback xmlns="">
+    <mc:Fallback>
       <p:transition spd="med">
         <p:fade/>
       </p:transition>
@@ -15902,7 +16021,7 @@
           <p:nvPr>
             <p:extLst>
               <p:ext uri="{D42A27DB-BD31-4B8C-83A1-F6EECF244321}">
-                <p14:modId xmlns:p14="http://schemas.microsoft.com/office/powerpoint/2010/main" val="4200093733"/>
+                <p14:modId xmlns:p14="http://schemas.microsoft.com/office/powerpoint/2010/main" val="830140813"/>
               </p:ext>
             </p:extLst>
           </p:nvPr>
@@ -15938,8 +16057,8 @@
         </p:blipFill>
         <p:spPr>
           <a:xfrm>
-            <a:off x="3886200" y="1957136"/>
-            <a:ext cx="4648200" cy="2999037"/>
+            <a:off x="4267200" y="1957136"/>
+            <a:ext cx="4267200" cy="2999037"/>
           </a:xfrm>
           <a:prstGeom prst="rect">
             <a:avLst/>
@@ -15978,43 +16097,13 @@
       </p:pic>
       <p:sp>
         <p:nvSpPr>
-          <p:cNvPr id="10" name="TextBox 9"/>
-          <p:cNvSpPr txBox="1"/>
-          <p:nvPr/>
-        </p:nvSpPr>
-        <p:spPr>
-          <a:xfrm>
-            <a:off x="4419600" y="5029200"/>
-            <a:ext cx="4419600" cy="369332"/>
-          </a:xfrm>
-          <a:prstGeom prst="rect">
-            <a:avLst/>
-          </a:prstGeom>
-          <a:noFill/>
-        </p:spPr>
-        <p:txBody>
-          <a:bodyPr wrap="square" rtlCol="0">
-            <a:spAutoFit/>
-          </a:bodyPr>
-          <a:lstStyle/>
-          <a:p>
-            <a:r>
-              <a:rPr lang="en-US" dirty="0" smtClean="0"/>
-              <a:t>Fraction people in IT / finance</a:t>
-            </a:r>
-            <a:endParaRPr lang="en-US" dirty="0"/>
-          </a:p>
-        </p:txBody>
-      </p:sp>
-      <p:sp>
-        <p:nvSpPr>
           <p:cNvPr id="11" name="TextBox 10"/>
           <p:cNvSpPr txBox="1"/>
           <p:nvPr/>
         </p:nvSpPr>
         <p:spPr>
           <a:xfrm>
-            <a:off x="4934465" y="2526268"/>
+            <a:off x="5257800" y="2362200"/>
             <a:ext cx="1447800" cy="646331"/>
           </a:xfrm>
           <a:prstGeom prst="rect">
@@ -16050,7 +16139,7 @@
         </p:nvSpPr>
         <p:spPr>
           <a:xfrm>
-            <a:off x="6417276" y="4114800"/>
+            <a:off x="6629400" y="4114800"/>
             <a:ext cx="2133600" cy="646331"/>
           </a:xfrm>
           <a:prstGeom prst="rect">
@@ -16080,7 +16169,7 @@
         </p:nvCxnSpPr>
         <p:spPr>
           <a:xfrm flipH="1">
-            <a:off x="4934467" y="3124200"/>
+            <a:off x="5105400" y="2971800"/>
             <a:ext cx="323333" cy="284055"/>
           </a:xfrm>
           <a:prstGeom prst="straightConnector1">
@@ -16113,13 +16202,153 @@
         </p:nvCxnSpPr>
         <p:spPr>
           <a:xfrm flipH="1" flipV="1">
-            <a:off x="6210301" y="4437965"/>
+            <a:off x="6498624" y="4343400"/>
             <a:ext cx="206976" cy="142027"/>
           </a:xfrm>
           <a:prstGeom prst="straightConnector1">
             <a:avLst/>
           </a:prstGeom>
           <a:ln>
+            <a:tailEnd type="arrow"/>
+          </a:ln>
+        </p:spPr>
+        <p:style>
+          <a:lnRef idx="1">
+            <a:schemeClr val="accent1"/>
+          </a:lnRef>
+          <a:fillRef idx="0">
+            <a:schemeClr val="accent1"/>
+          </a:fillRef>
+          <a:effectRef idx="0">
+            <a:schemeClr val="accent1"/>
+          </a:effectRef>
+          <a:fontRef idx="minor">
+            <a:schemeClr val="tx1"/>
+          </a:fontRef>
+        </p:style>
+      </p:cxnSp>
+      <p:sp>
+        <p:nvSpPr>
+          <p:cNvPr id="14" name="TextBox 13"/>
+          <p:cNvSpPr txBox="1"/>
+          <p:nvPr/>
+        </p:nvSpPr>
+        <p:spPr>
+          <a:xfrm>
+            <a:off x="5458366" y="4995446"/>
+            <a:ext cx="3380834" cy="338554"/>
+          </a:xfrm>
+          <a:prstGeom prst="rect">
+            <a:avLst/>
+          </a:prstGeom>
+          <a:noFill/>
+        </p:spPr>
+        <p:txBody>
+          <a:bodyPr wrap="square" rtlCol="0">
+            <a:spAutoFit/>
+          </a:bodyPr>
+          <a:lstStyle/>
+          <a:p>
+            <a:r>
+              <a:rPr lang="en-US" sz="1600" dirty="0" smtClean="0"/>
+              <a:t>Fraction people in 3</a:t>
+            </a:r>
+            <a:r>
+              <a:rPr lang="en-US" sz="1600" baseline="30000" dirty="0" smtClean="0"/>
+              <a:t>rd</a:t>
+            </a:r>
+            <a:r>
+              <a:rPr lang="en-US" sz="1600" dirty="0" smtClean="0"/>
+              <a:t> sector jobs</a:t>
+            </a:r>
+            <a:endParaRPr lang="en-US" sz="1600" dirty="0"/>
+          </a:p>
+        </p:txBody>
+      </p:sp>
+      <p:cxnSp>
+        <p:nvCxnSpPr>
+          <p:cNvPr id="15" name="Straight Arrow Connector 14"/>
+          <p:cNvCxnSpPr/>
+          <p:nvPr/>
+        </p:nvCxnSpPr>
+        <p:spPr>
+          <a:xfrm>
+            <a:off x="4848767" y="5181600"/>
+            <a:ext cx="609600" cy="0"/>
+          </a:xfrm>
+          <a:prstGeom prst="straightConnector1">
+            <a:avLst/>
+          </a:prstGeom>
+          <a:ln w="15875">
+            <a:solidFill>
+              <a:schemeClr val="tx1"/>
+            </a:solidFill>
+            <a:tailEnd type="arrow"/>
+          </a:ln>
+        </p:spPr>
+        <p:style>
+          <a:lnRef idx="1">
+            <a:schemeClr val="accent1"/>
+          </a:lnRef>
+          <a:fillRef idx="0">
+            <a:schemeClr val="accent1"/>
+          </a:fillRef>
+          <a:effectRef idx="0">
+            <a:schemeClr val="accent1"/>
+          </a:effectRef>
+          <a:fontRef idx="minor">
+            <a:schemeClr val="tx1"/>
+          </a:fontRef>
+        </p:style>
+      </p:cxnSp>
+      <p:sp>
+        <p:nvSpPr>
+          <p:cNvPr id="16" name="TextBox 15"/>
+          <p:cNvSpPr txBox="1"/>
+          <p:nvPr/>
+        </p:nvSpPr>
+        <p:spPr>
+          <a:xfrm rot="16200000">
+            <a:off x="3188885" y="2449916"/>
+            <a:ext cx="1580784" cy="338554"/>
+          </a:xfrm>
+          <a:prstGeom prst="rect">
+            <a:avLst/>
+          </a:prstGeom>
+          <a:noFill/>
+        </p:spPr>
+        <p:txBody>
+          <a:bodyPr wrap="square" rtlCol="0">
+            <a:spAutoFit/>
+          </a:bodyPr>
+          <a:lstStyle/>
+          <a:p>
+            <a:r>
+              <a:rPr lang="en-US" sz="1600" dirty="0" smtClean="0"/>
+              <a:t>Attractiveness</a:t>
+            </a:r>
+            <a:endParaRPr lang="en-US" sz="1600" dirty="0"/>
+          </a:p>
+        </p:txBody>
+      </p:sp>
+      <p:cxnSp>
+        <p:nvCxnSpPr>
+          <p:cNvPr id="17" name="Straight Arrow Connector 16"/>
+          <p:cNvCxnSpPr/>
+          <p:nvPr/>
+        </p:nvCxnSpPr>
+        <p:spPr>
+          <a:xfrm rot="16200000">
+            <a:off x="3688720" y="3714385"/>
+            <a:ext cx="609600" cy="0"/>
+          </a:xfrm>
+          <a:prstGeom prst="straightConnector1">
+            <a:avLst/>
+          </a:prstGeom>
+          <a:ln w="15875">
+            <a:solidFill>
+              <a:schemeClr val="tx1"/>
+            </a:solidFill>
             <a:tailEnd type="arrow"/>
           </a:ln>
         </p:spPr>
@@ -16148,13 +16377,13 @@
   <p:clrMapOvr>
     <a:masterClrMapping/>
   </p:clrMapOvr>
-  <mc:AlternateContent xmlns:mc="http://schemas.openxmlformats.org/markup-compatibility/2006" xmlns:p14="http://schemas.microsoft.com/office/powerpoint/2010/main">
-    <mc:Choice Requires="p14">
+  <mc:AlternateContent xmlns:mc="http://schemas.openxmlformats.org/markup-compatibility/2006">
+    <mc:Choice xmlns:p14="http://schemas.microsoft.com/office/powerpoint/2010/main" Requires="p14">
       <p:transition spd="med" p14:dur="700">
         <p:fade/>
       </p:transition>
     </mc:Choice>
-    <mc:Fallback xmlns="">
+    <mc:Fallback>
       <p:transition spd="med">
         <p:fade/>
       </p:transition>
@@ -16360,6 +16589,35 @@
           <a:extLst/>
         </p:spPr>
       </p:pic>
+      <p:pic>
+        <p:nvPicPr>
+          <p:cNvPr id="4" name="Picture 3"/>
+          <p:cNvPicPr>
+            <a:picLocks noChangeAspect="1"/>
+          </p:cNvPicPr>
+          <p:nvPr/>
+        </p:nvPicPr>
+        <p:blipFill rotWithShape="1">
+          <a:blip r:embed="rId3">
+            <a:extLst>
+              <a:ext uri="{28A0092B-C50C-407E-A947-70E740481C1C}">
+                <a14:useLocalDpi xmlns:a14="http://schemas.microsoft.com/office/drawing/2010/main" val="0"/>
+              </a:ext>
+            </a:extLst>
+          </a:blip>
+          <a:srcRect t="5181" r="3674" b="3441"/>
+          <a:stretch/>
+        </p:blipFill>
+        <p:spPr>
+          <a:xfrm>
+            <a:off x="457200" y="1371600"/>
+            <a:ext cx="7948612" cy="4298572"/>
+          </a:xfrm>
+          <a:prstGeom prst="rect">
+            <a:avLst/>
+          </a:prstGeom>
+        </p:spPr>
+      </p:pic>
     </p:spTree>
     <p:extLst>
       <p:ext uri="{BB962C8B-B14F-4D97-AF65-F5344CB8AC3E}">
@@ -16370,1244 +16628,13 @@
   <p:clrMapOvr>
     <a:masterClrMapping/>
   </p:clrMapOvr>
-  <mc:AlternateContent xmlns:mc="http://schemas.openxmlformats.org/markup-compatibility/2006" xmlns:p14="http://schemas.microsoft.com/office/powerpoint/2010/main">
-    <mc:Choice Requires="p14">
+  <mc:AlternateContent xmlns:mc="http://schemas.openxmlformats.org/markup-compatibility/2006">
+    <mc:Choice xmlns:p14="http://schemas.microsoft.com/office/powerpoint/2010/main" Requires="p14">
       <p:transition spd="med" p14:dur="700">
         <p:fade/>
       </p:transition>
     </mc:Choice>
-    <mc:Fallback xmlns="">
-      <p:transition spd="med">
-        <p:fade/>
-      </p:transition>
-    </mc:Fallback>
-  </mc:AlternateContent>
-  <p:timing>
-    <p:tnLst>
-      <p:par>
-        <p:cTn id="1" dur="indefinite" restart="never" nodeType="tmRoot"/>
-      </p:par>
-    </p:tnLst>
-  </p:timing>
-</p:sld>
-</file>
-
-<file path=ppt/slides/slide13.xml><?xml version="1.0" encoding="utf-8"?>
-<p:sld xmlns:a="http://schemas.openxmlformats.org/drawingml/2006/main" xmlns:r="http://schemas.openxmlformats.org/officeDocument/2006/relationships" xmlns:p="http://schemas.openxmlformats.org/presentationml/2006/main">
-  <p:cSld>
-    <p:spTree>
-      <p:nvGrpSpPr>
-        <p:cNvPr id="1" name=""/>
-        <p:cNvGrpSpPr/>
-        <p:nvPr/>
-      </p:nvGrpSpPr>
-      <p:grpSpPr>
-        <a:xfrm>
-          <a:off x="0" y="0"/>
-          <a:ext cx="0" cy="0"/>
-          <a:chOff x="0" y="0"/>
-          <a:chExt cx="0" cy="0"/>
-        </a:xfrm>
-      </p:grpSpPr>
-      <p:sp>
-        <p:nvSpPr>
-          <p:cNvPr id="2" name="Title 1"/>
-          <p:cNvSpPr>
-            <a:spLocks noGrp="1"/>
-          </p:cNvSpPr>
-          <p:nvPr>
-            <p:ph type="title"/>
-          </p:nvPr>
-        </p:nvSpPr>
-        <p:spPr/>
-        <p:txBody>
-          <a:bodyPr/>
-          <a:lstStyle/>
-          <a:p>
-            <a:r>
-              <a:rPr lang="en-US" dirty="0" smtClean="0"/>
-              <a:t>Verification &amp; Validation</a:t>
-            </a:r>
-            <a:endParaRPr lang="en-US" dirty="0"/>
-          </a:p>
-        </p:txBody>
-      </p:sp>
-      <p:sp>
-        <p:nvSpPr>
-          <p:cNvPr id="3" name="Content Placeholder 2"/>
-          <p:cNvSpPr>
-            <a:spLocks noGrp="1"/>
-          </p:cNvSpPr>
-          <p:nvPr>
-            <p:ph sz="quarter" idx="1"/>
-          </p:nvPr>
-        </p:nvSpPr>
-        <p:spPr/>
-        <p:txBody>
-          <a:bodyPr/>
-          <a:lstStyle/>
-          <a:p>
-            <a:r>
-              <a:rPr lang="en-US" dirty="0" smtClean="0"/>
-              <a:t>Verification </a:t>
-            </a:r>
-          </a:p>
-          <a:p>
-            <a:pPr lvl="1"/>
-            <a:r>
-              <a:rPr lang="en-US" dirty="0" smtClean="0"/>
-              <a:t>Falsification tests</a:t>
-            </a:r>
-          </a:p>
-          <a:p>
-            <a:pPr lvl="1"/>
-            <a:endParaRPr lang="en-US" dirty="0" smtClean="0"/>
-          </a:p>
-          <a:p>
-            <a:r>
-              <a:rPr lang="en-US" dirty="0" smtClean="0"/>
-              <a:t>Literature validation</a:t>
-            </a:r>
-          </a:p>
-          <a:p>
-            <a:pPr lvl="1"/>
-            <a:r>
-              <a:rPr lang="en-US" dirty="0" smtClean="0"/>
-              <a:t>Parameters and relations are based on literature</a:t>
-            </a:r>
-          </a:p>
-          <a:p>
-            <a:pPr lvl="1"/>
-            <a:r>
-              <a:rPr lang="en-US" dirty="0" smtClean="0"/>
-              <a:t>No further need for this type of validation</a:t>
-            </a:r>
-          </a:p>
-          <a:p>
-            <a:pPr marL="365760" lvl="1" indent="0">
-              <a:buNone/>
-            </a:pPr>
-            <a:endParaRPr lang="en-US" dirty="0"/>
-          </a:p>
-          <a:p>
-            <a:r>
-              <a:rPr lang="en-US" dirty="0" smtClean="0"/>
-              <a:t>Face validation through expert consultation</a:t>
-            </a:r>
-          </a:p>
-          <a:p>
-            <a:pPr lvl="1"/>
-            <a:r>
-              <a:rPr lang="en-US" dirty="0" smtClean="0"/>
-              <a:t>Relations in model</a:t>
-            </a:r>
-          </a:p>
-          <a:p>
-            <a:pPr lvl="1"/>
-            <a:r>
-              <a:rPr lang="en-US" dirty="0" smtClean="0"/>
-              <a:t>…</a:t>
-            </a:r>
-          </a:p>
-          <a:p>
-            <a:pPr lvl="1"/>
-            <a:r>
-              <a:rPr lang="en-US" dirty="0" smtClean="0"/>
-              <a:t>…</a:t>
-            </a:r>
-            <a:endParaRPr lang="en-US" dirty="0"/>
-          </a:p>
-        </p:txBody>
-      </p:sp>
-    </p:spTree>
-    <p:extLst>
-      <p:ext uri="{BB962C8B-B14F-4D97-AF65-F5344CB8AC3E}">
-        <p14:creationId xmlns:p14="http://schemas.microsoft.com/office/powerpoint/2010/main" val="1648658965"/>
-      </p:ext>
-    </p:extLst>
-  </p:cSld>
-  <p:clrMapOvr>
-    <a:masterClrMapping/>
-  </p:clrMapOvr>
-  <mc:AlternateContent xmlns:mc="http://schemas.openxmlformats.org/markup-compatibility/2006" xmlns:p14="http://schemas.microsoft.com/office/powerpoint/2010/main">
-    <mc:Choice Requires="p14">
-      <p:transition spd="med" p14:dur="700">
-        <p:fade/>
-      </p:transition>
-    </mc:Choice>
-    <mc:Fallback xmlns="">
-      <p:transition spd="med">
-        <p:fade/>
-      </p:transition>
-    </mc:Fallback>
-  </mc:AlternateContent>
-  <p:timing>
-    <p:tnLst>
-      <p:par>
-        <p:cTn id="1" dur="indefinite" restart="never" nodeType="tmRoot"/>
-      </p:par>
-    </p:tnLst>
-  </p:timing>
-</p:sld>
-</file>
-
-<file path=ppt/slides/slide14.xml><?xml version="1.0" encoding="utf-8"?>
-<p:sld xmlns:a="http://schemas.openxmlformats.org/drawingml/2006/main" xmlns:r="http://schemas.openxmlformats.org/officeDocument/2006/relationships" xmlns:p="http://schemas.openxmlformats.org/presentationml/2006/main">
-  <p:cSld>
-    <p:spTree>
-      <p:nvGrpSpPr>
-        <p:cNvPr id="1" name=""/>
-        <p:cNvGrpSpPr/>
-        <p:nvPr/>
-      </p:nvGrpSpPr>
-      <p:grpSpPr>
-        <a:xfrm>
-          <a:off x="0" y="0"/>
-          <a:ext cx="0" cy="0"/>
-          <a:chOff x="0" y="0"/>
-          <a:chExt cx="0" cy="0"/>
-        </a:xfrm>
-      </p:grpSpPr>
-      <p:sp>
-        <p:nvSpPr>
-          <p:cNvPr id="2" name="Title 1"/>
-          <p:cNvSpPr>
-            <a:spLocks noGrp="1"/>
-          </p:cNvSpPr>
-          <p:nvPr>
-            <p:ph type="title"/>
-          </p:nvPr>
-        </p:nvSpPr>
-        <p:spPr/>
-        <p:txBody>
-          <a:bodyPr/>
-          <a:lstStyle/>
-          <a:p>
-            <a:r>
-              <a:rPr lang="en-US" dirty="0" smtClean="0"/>
-              <a:t>Experimental Design</a:t>
-            </a:r>
-            <a:endParaRPr lang="en-US" dirty="0"/>
-          </a:p>
-        </p:txBody>
-      </p:sp>
-      <p:sp>
-        <p:nvSpPr>
-          <p:cNvPr id="3" name="Content Placeholder 2"/>
-          <p:cNvSpPr>
-            <a:spLocks noGrp="1"/>
-          </p:cNvSpPr>
-          <p:nvPr>
-            <p:ph sz="quarter" idx="1"/>
-          </p:nvPr>
-        </p:nvSpPr>
-        <p:spPr/>
-        <p:txBody>
-          <a:bodyPr/>
-          <a:lstStyle/>
-          <a:p>
-            <a:r>
-              <a:rPr lang="en-US" dirty="0" smtClean="0"/>
-              <a:t>Latin hypercube</a:t>
-            </a:r>
-          </a:p>
-          <a:p>
-            <a:r>
-              <a:rPr lang="en-US" dirty="0" smtClean="0"/>
-              <a:t>Because of long run time, limited number of runs</a:t>
-            </a:r>
-          </a:p>
-          <a:p>
-            <a:endParaRPr lang="en-US" dirty="0" smtClean="0"/>
-          </a:p>
-          <a:p>
-            <a:r>
-              <a:rPr lang="en-US" dirty="0" smtClean="0"/>
-              <a:t>Which variables have the most influence on creating the desired model output?</a:t>
-            </a:r>
-          </a:p>
-          <a:p>
-            <a:endParaRPr lang="en-US" dirty="0"/>
-          </a:p>
-          <a:p>
-            <a:r>
-              <a:rPr lang="en-US" dirty="0" smtClean="0"/>
-              <a:t>Sum of squared errors?</a:t>
-            </a:r>
-          </a:p>
-          <a:p>
-            <a:r>
-              <a:rPr lang="en-US" dirty="0" smtClean="0"/>
-              <a:t>R-squared?</a:t>
-            </a:r>
-          </a:p>
-          <a:p>
-            <a:endParaRPr lang="en-US" dirty="0"/>
-          </a:p>
-        </p:txBody>
-      </p:sp>
-    </p:spTree>
-    <p:extLst>
-      <p:ext uri="{BB962C8B-B14F-4D97-AF65-F5344CB8AC3E}">
-        <p14:creationId xmlns:p14="http://schemas.microsoft.com/office/powerpoint/2010/main" val="2611283999"/>
-      </p:ext>
-    </p:extLst>
-  </p:cSld>
-  <p:clrMapOvr>
-    <a:masterClrMapping/>
-  </p:clrMapOvr>
-  <mc:AlternateContent xmlns:mc="http://schemas.openxmlformats.org/markup-compatibility/2006" xmlns:p14="http://schemas.microsoft.com/office/powerpoint/2010/main">
-    <mc:Choice Requires="p14">
-      <p:transition spd="med" p14:dur="700">
-        <p:fade/>
-      </p:transition>
-    </mc:Choice>
-    <mc:Fallback xmlns="">
-      <p:transition spd="med">
-        <p:fade/>
-      </p:transition>
-    </mc:Fallback>
-  </mc:AlternateContent>
-  <p:timing>
-    <p:tnLst>
-      <p:par>
-        <p:cTn id="1" dur="indefinite" restart="never" nodeType="tmRoot"/>
-      </p:par>
-    </p:tnLst>
-  </p:timing>
-</p:sld>
-</file>
-
-<file path=ppt/slides/slide15.xml><?xml version="1.0" encoding="utf-8"?>
-<p:sld xmlns:a="http://schemas.openxmlformats.org/drawingml/2006/main" xmlns:r="http://schemas.openxmlformats.org/officeDocument/2006/relationships" xmlns:p="http://schemas.openxmlformats.org/presentationml/2006/main">
-  <p:cSld>
-    <p:spTree>
-      <p:nvGrpSpPr>
-        <p:cNvPr id="1" name=""/>
-        <p:cNvGrpSpPr/>
-        <p:nvPr/>
-      </p:nvGrpSpPr>
-      <p:grpSpPr>
-        <a:xfrm>
-          <a:off x="0" y="0"/>
-          <a:ext cx="0" cy="0"/>
-          <a:chOff x="0" y="0"/>
-          <a:chExt cx="0" cy="0"/>
-        </a:xfrm>
-      </p:grpSpPr>
-      <p:sp>
-        <p:nvSpPr>
-          <p:cNvPr id="2" name="Title 1"/>
-          <p:cNvSpPr>
-            <a:spLocks noGrp="1"/>
-          </p:cNvSpPr>
-          <p:nvPr>
-            <p:ph type="title"/>
-          </p:nvPr>
-        </p:nvSpPr>
-        <p:spPr/>
-        <p:txBody>
-          <a:bodyPr/>
-          <a:lstStyle/>
-          <a:p>
-            <a:r>
-              <a:rPr lang="en-US" dirty="0" smtClean="0"/>
-              <a:t>Model Experimentation</a:t>
-            </a:r>
-            <a:endParaRPr lang="en-US" dirty="0"/>
-          </a:p>
-        </p:txBody>
-      </p:sp>
-      <p:sp>
-        <p:nvSpPr>
-          <p:cNvPr id="3" name="Content Placeholder 2"/>
-          <p:cNvSpPr>
-            <a:spLocks noGrp="1"/>
-          </p:cNvSpPr>
-          <p:nvPr>
-            <p:ph sz="quarter" idx="1"/>
-          </p:nvPr>
-        </p:nvSpPr>
-        <p:spPr/>
-        <p:txBody>
-          <a:bodyPr/>
-          <a:lstStyle/>
-          <a:p>
-            <a:endParaRPr lang="en-US" dirty="0"/>
-          </a:p>
-        </p:txBody>
-      </p:sp>
-    </p:spTree>
-    <p:extLst>
-      <p:ext uri="{BB962C8B-B14F-4D97-AF65-F5344CB8AC3E}">
-        <p14:creationId xmlns:p14="http://schemas.microsoft.com/office/powerpoint/2010/main" val="265507417"/>
-      </p:ext>
-    </p:extLst>
-  </p:cSld>
-  <p:clrMapOvr>
-    <a:masterClrMapping/>
-  </p:clrMapOvr>
-  <mc:AlternateContent xmlns:mc="http://schemas.openxmlformats.org/markup-compatibility/2006" xmlns:p14="http://schemas.microsoft.com/office/powerpoint/2010/main">
-    <mc:Choice Requires="p14">
-      <p:transition spd="med" p14:dur="700">
-        <p:fade/>
-      </p:transition>
-    </mc:Choice>
-    <mc:Fallback xmlns="">
-      <p:transition spd="med">
-        <p:fade/>
-      </p:transition>
-    </mc:Fallback>
-  </mc:AlternateContent>
-  <p:timing>
-    <p:tnLst>
-      <p:par>
-        <p:cTn id="1" dur="indefinite" restart="never" nodeType="tmRoot"/>
-      </p:par>
-    </p:tnLst>
-  </p:timing>
-</p:sld>
-</file>
-
-<file path=ppt/slides/slide16.xml><?xml version="1.0" encoding="utf-8"?>
-<p:sld xmlns:a="http://schemas.openxmlformats.org/drawingml/2006/main" xmlns:r="http://schemas.openxmlformats.org/officeDocument/2006/relationships" xmlns:p="http://schemas.openxmlformats.org/presentationml/2006/main">
-  <p:cSld>
-    <p:spTree>
-      <p:nvGrpSpPr>
-        <p:cNvPr id="1" name=""/>
-        <p:cNvGrpSpPr/>
-        <p:nvPr/>
-      </p:nvGrpSpPr>
-      <p:grpSpPr>
-        <a:xfrm>
-          <a:off x="0" y="0"/>
-          <a:ext cx="0" cy="0"/>
-          <a:chOff x="0" y="0"/>
-          <a:chExt cx="0" cy="0"/>
-        </a:xfrm>
-      </p:grpSpPr>
-      <p:sp>
-        <p:nvSpPr>
-          <p:cNvPr id="2" name="Title 1"/>
-          <p:cNvSpPr>
-            <a:spLocks noGrp="1"/>
-          </p:cNvSpPr>
-          <p:nvPr>
-            <p:ph type="title"/>
-          </p:nvPr>
-        </p:nvSpPr>
-        <p:spPr/>
-        <p:txBody>
-          <a:bodyPr/>
-          <a:lstStyle/>
-          <a:p>
-            <a:r>
-              <a:rPr lang="en-US" dirty="0" smtClean="0"/>
-              <a:t>Conclusions</a:t>
-            </a:r>
-            <a:endParaRPr lang="en-US" dirty="0"/>
-          </a:p>
-        </p:txBody>
-      </p:sp>
-      <p:sp>
-        <p:nvSpPr>
-          <p:cNvPr id="3" name="Content Placeholder 2"/>
-          <p:cNvSpPr>
-            <a:spLocks noGrp="1"/>
-          </p:cNvSpPr>
-          <p:nvPr>
-            <p:ph sz="quarter" idx="1"/>
-          </p:nvPr>
-        </p:nvSpPr>
-        <p:spPr/>
-        <p:txBody>
-          <a:bodyPr/>
-          <a:lstStyle/>
-          <a:p>
-            <a:r>
-              <a:rPr lang="en-US" dirty="0" smtClean="0"/>
-              <a:t>Our model is able to produce cities according to a rank-size, or </a:t>
-            </a:r>
-            <a:r>
-              <a:rPr lang="en-US" dirty="0" err="1" smtClean="0"/>
-              <a:t>Zipfian</a:t>
-            </a:r>
-            <a:r>
-              <a:rPr lang="en-US" dirty="0" smtClean="0"/>
-              <a:t>, distribution</a:t>
-            </a:r>
-          </a:p>
-          <a:p>
-            <a:r>
-              <a:rPr lang="en-US" dirty="0" smtClean="0"/>
-              <a:t>However, very specific parameter values are needed to be able to do this</a:t>
-            </a:r>
-          </a:p>
-          <a:p>
-            <a:endParaRPr lang="en-US" dirty="0"/>
-          </a:p>
-          <a:p>
-            <a:r>
-              <a:rPr lang="en-US" dirty="0" smtClean="0"/>
-              <a:t>Two variables seem to have the most effect:</a:t>
-            </a:r>
-            <a:endParaRPr lang="en-US" dirty="0"/>
-          </a:p>
-          <a:p>
-            <a:pPr lvl="1"/>
-            <a:r>
-              <a:rPr lang="en-US" dirty="0" smtClean="0"/>
-              <a:t>..</a:t>
-            </a:r>
-          </a:p>
-          <a:p>
-            <a:pPr lvl="1"/>
-            <a:r>
-              <a:rPr lang="en-US" dirty="0" smtClean="0"/>
-              <a:t>..</a:t>
-            </a:r>
-          </a:p>
-          <a:p>
-            <a:endParaRPr lang="en-US" dirty="0"/>
-          </a:p>
-          <a:p>
-            <a:r>
-              <a:rPr lang="en-US" dirty="0" smtClean="0"/>
-              <a:t>Do we now understand why city growth behaves like this? </a:t>
-            </a:r>
-          </a:p>
-        </p:txBody>
-      </p:sp>
-    </p:spTree>
-    <p:extLst>
-      <p:ext uri="{BB962C8B-B14F-4D97-AF65-F5344CB8AC3E}">
-        <p14:creationId xmlns:p14="http://schemas.microsoft.com/office/powerpoint/2010/main" val="426146660"/>
-      </p:ext>
-    </p:extLst>
-  </p:cSld>
-  <p:clrMapOvr>
-    <a:masterClrMapping/>
-  </p:clrMapOvr>
-  <mc:AlternateContent xmlns:mc="http://schemas.openxmlformats.org/markup-compatibility/2006" xmlns:p14="http://schemas.microsoft.com/office/powerpoint/2010/main">
-    <mc:Choice Requires="p14">
-      <p:transition spd="med" p14:dur="700">
-        <p:fade/>
-      </p:transition>
-    </mc:Choice>
-    <mc:Fallback xmlns="">
-      <p:transition spd="med">
-        <p:fade/>
-      </p:transition>
-    </mc:Fallback>
-  </mc:AlternateContent>
-  <p:timing>
-    <p:tnLst>
-      <p:par>
-        <p:cTn id="1" dur="indefinite" restart="never" nodeType="tmRoot"/>
-      </p:par>
-    </p:tnLst>
-  </p:timing>
-</p:sld>
-</file>
-
-<file path=ppt/slides/slide17.xml><?xml version="1.0" encoding="utf-8"?>
-<p:sld xmlns:a="http://schemas.openxmlformats.org/drawingml/2006/main" xmlns:r="http://schemas.openxmlformats.org/officeDocument/2006/relationships" xmlns:p="http://schemas.openxmlformats.org/presentationml/2006/main">
-  <p:cSld>
-    <p:spTree>
-      <p:nvGrpSpPr>
-        <p:cNvPr id="1" name=""/>
-        <p:cNvGrpSpPr/>
-        <p:nvPr/>
-      </p:nvGrpSpPr>
-      <p:grpSpPr>
-        <a:xfrm>
-          <a:off x="0" y="0"/>
-          <a:ext cx="0" cy="0"/>
-          <a:chOff x="0" y="0"/>
-          <a:chExt cx="0" cy="0"/>
-        </a:xfrm>
-      </p:grpSpPr>
-      <p:sp>
-        <p:nvSpPr>
-          <p:cNvPr id="2" name="Title 1"/>
-          <p:cNvSpPr>
-            <a:spLocks noGrp="1"/>
-          </p:cNvSpPr>
-          <p:nvPr>
-            <p:ph type="title"/>
-          </p:nvPr>
-        </p:nvSpPr>
-        <p:spPr/>
-        <p:txBody>
-          <a:bodyPr/>
-          <a:lstStyle/>
-          <a:p>
-            <a:r>
-              <a:rPr lang="en-US" dirty="0" smtClean="0"/>
-              <a:t>Future Research</a:t>
-            </a:r>
-            <a:endParaRPr lang="en-US" dirty="0"/>
-          </a:p>
-        </p:txBody>
-      </p:sp>
-      <p:sp>
-        <p:nvSpPr>
-          <p:cNvPr id="3" name="Content Placeholder 2"/>
-          <p:cNvSpPr>
-            <a:spLocks noGrp="1"/>
-          </p:cNvSpPr>
-          <p:nvPr>
-            <p:ph sz="quarter" idx="1"/>
-          </p:nvPr>
-        </p:nvSpPr>
-        <p:spPr/>
-        <p:txBody>
-          <a:bodyPr/>
-          <a:lstStyle/>
-          <a:p>
-            <a:r>
-              <a:rPr lang="en-US" dirty="0" smtClean="0"/>
-              <a:t>Why doesn’t the </a:t>
-            </a:r>
-            <a:r>
-              <a:rPr lang="en-US" dirty="0" err="1" smtClean="0"/>
-              <a:t>Zipf’s</a:t>
-            </a:r>
-            <a:r>
-              <a:rPr lang="en-US" dirty="0" smtClean="0"/>
-              <a:t> law fit as well in the Netherlands as it does abroad and how does this affect decision making?</a:t>
-            </a:r>
-          </a:p>
-          <a:p>
-            <a:endParaRPr lang="en-US" dirty="0"/>
-          </a:p>
-          <a:p>
-            <a:r>
-              <a:rPr lang="en-US" dirty="0" smtClean="0"/>
-              <a:t>What happens when European borders disappear entirely?</a:t>
-            </a:r>
-          </a:p>
-          <a:p>
-            <a:pPr lvl="1"/>
-            <a:r>
-              <a:rPr lang="en-US" dirty="0" smtClean="0"/>
-              <a:t>Will Paris or London become the most important city?</a:t>
-            </a:r>
-          </a:p>
-          <a:p>
-            <a:pPr lvl="1"/>
-            <a:r>
-              <a:rPr lang="en-US" dirty="0" smtClean="0"/>
-              <a:t>What will happen to our cities?</a:t>
-            </a:r>
-            <a:endParaRPr lang="en-US" dirty="0"/>
-          </a:p>
-        </p:txBody>
-      </p:sp>
-    </p:spTree>
-    <p:extLst>
-      <p:ext uri="{BB962C8B-B14F-4D97-AF65-F5344CB8AC3E}">
-        <p14:creationId xmlns:p14="http://schemas.microsoft.com/office/powerpoint/2010/main" val="4175224602"/>
-      </p:ext>
-    </p:extLst>
-  </p:cSld>
-  <p:clrMapOvr>
-    <a:masterClrMapping/>
-  </p:clrMapOvr>
-  <mc:AlternateContent xmlns:mc="http://schemas.openxmlformats.org/markup-compatibility/2006" xmlns:p14="http://schemas.microsoft.com/office/powerpoint/2010/main">
-    <mc:Choice Requires="p14">
-      <p:transition spd="med" p14:dur="700">
-        <p:fade/>
-      </p:transition>
-    </mc:Choice>
-    <mc:Fallback xmlns="">
-      <p:transition spd="med">
-        <p:fade/>
-      </p:transition>
-    </mc:Fallback>
-  </mc:AlternateContent>
-  <p:timing>
-    <p:tnLst>
-      <p:par>
-        <p:cTn id="1" dur="indefinite" restart="never" nodeType="tmRoot"/>
-      </p:par>
-    </p:tnLst>
-  </p:timing>
-</p:sld>
-</file>
-
-<file path=ppt/slides/slide18.xml><?xml version="1.0" encoding="utf-8"?>
-<p:sld xmlns:a="http://schemas.openxmlformats.org/drawingml/2006/main" xmlns:r="http://schemas.openxmlformats.org/officeDocument/2006/relationships" xmlns:p="http://schemas.openxmlformats.org/presentationml/2006/main">
-  <p:cSld>
-    <p:spTree>
-      <p:nvGrpSpPr>
-        <p:cNvPr id="1" name=""/>
-        <p:cNvGrpSpPr/>
-        <p:nvPr/>
-      </p:nvGrpSpPr>
-      <p:grpSpPr>
-        <a:xfrm>
-          <a:off x="0" y="0"/>
-          <a:ext cx="0" cy="0"/>
-          <a:chOff x="0" y="0"/>
-          <a:chExt cx="0" cy="0"/>
-        </a:xfrm>
-      </p:grpSpPr>
-      <p:sp>
-        <p:nvSpPr>
-          <p:cNvPr id="2" name="Title 1"/>
-          <p:cNvSpPr>
-            <a:spLocks noGrp="1"/>
-          </p:cNvSpPr>
-          <p:nvPr>
-            <p:ph type="title"/>
-          </p:nvPr>
-        </p:nvSpPr>
-        <p:spPr/>
-        <p:txBody>
-          <a:bodyPr/>
-          <a:lstStyle/>
-          <a:p>
-            <a:r>
-              <a:rPr lang="en-US" dirty="0" smtClean="0"/>
-              <a:t>References</a:t>
-            </a:r>
-            <a:endParaRPr lang="en-US" dirty="0"/>
-          </a:p>
-        </p:txBody>
-      </p:sp>
-      <p:sp>
-        <p:nvSpPr>
-          <p:cNvPr id="3" name="Content Placeholder 2"/>
-          <p:cNvSpPr>
-            <a:spLocks noGrp="1"/>
-          </p:cNvSpPr>
-          <p:nvPr>
-            <p:ph sz="quarter" idx="1"/>
-          </p:nvPr>
-        </p:nvSpPr>
-        <p:spPr/>
-        <p:txBody>
-          <a:bodyPr/>
-          <a:lstStyle/>
-          <a:p>
-            <a:r>
-              <a:rPr lang="en-US" altLang="en-US" dirty="0">
-                <a:latin typeface="Calibri" pitchFamily="34" charset="0"/>
-                <a:hlinkClick r:id="rId2"/>
-              </a:rPr>
-              <a:t>http://</a:t>
-            </a:r>
-            <a:r>
-              <a:rPr lang="en-US" altLang="en-US" dirty="0" smtClean="0">
-                <a:latin typeface="Calibri" pitchFamily="34" charset="0"/>
-                <a:hlinkClick r:id="rId2"/>
-              </a:rPr>
-              <a:t>io9.com/the-mysterious-law-that-governs-the-size-of-your-city-1479244159</a:t>
-            </a:r>
-            <a:endParaRPr lang="en-US" altLang="en-US" dirty="0" smtClean="0">
-              <a:latin typeface="Calibri" pitchFamily="34" charset="0"/>
-            </a:endParaRPr>
-          </a:p>
-          <a:p>
-            <a:r>
-              <a:rPr lang="en-US" altLang="en-US" dirty="0">
-                <a:latin typeface="Calibri" pitchFamily="34" charset="0"/>
-                <a:hlinkClick r:id="rId3"/>
-              </a:rPr>
-              <a:t>http://</a:t>
-            </a:r>
-            <a:r>
-              <a:rPr lang="en-US" altLang="en-US" dirty="0" smtClean="0">
-                <a:latin typeface="Calibri" pitchFamily="34" charset="0"/>
-                <a:hlinkClick r:id="rId3"/>
-              </a:rPr>
-              <a:t>keith-travelsinindonesia.blogspot.nl/2011/06/capital-on-move.html</a:t>
-            </a:r>
-            <a:endParaRPr lang="en-US" altLang="en-US" dirty="0" smtClean="0">
-              <a:latin typeface="Calibri" pitchFamily="34" charset="0"/>
-            </a:endParaRPr>
-          </a:p>
-          <a:p>
-            <a:endParaRPr lang="en-US" altLang="en-US" dirty="0">
-              <a:latin typeface="Calibri" pitchFamily="34" charset="0"/>
-            </a:endParaRPr>
-          </a:p>
-          <a:p>
-            <a:endParaRPr lang="en-US" dirty="0"/>
-          </a:p>
-        </p:txBody>
-      </p:sp>
-    </p:spTree>
-    <p:extLst>
-      <p:ext uri="{BB962C8B-B14F-4D97-AF65-F5344CB8AC3E}">
-        <p14:creationId xmlns:p14="http://schemas.microsoft.com/office/powerpoint/2010/main" val="645663845"/>
-      </p:ext>
-    </p:extLst>
-  </p:cSld>
-  <p:clrMapOvr>
-    <a:masterClrMapping/>
-  </p:clrMapOvr>
-  <mc:AlternateContent xmlns:mc="http://schemas.openxmlformats.org/markup-compatibility/2006" xmlns:p14="http://schemas.microsoft.com/office/powerpoint/2010/main">
-    <mc:Choice Requires="p14">
-      <p:transition spd="med" p14:dur="700">
-        <p:fade/>
-      </p:transition>
-    </mc:Choice>
-    <mc:Fallback xmlns="">
-      <p:transition spd="med">
-        <p:fade/>
-      </p:transition>
-    </mc:Fallback>
-  </mc:AlternateContent>
-  <p:timing>
-    <p:tnLst>
-      <p:par>
-        <p:cTn id="1" dur="indefinite" restart="never" nodeType="tmRoot"/>
-      </p:par>
-    </p:tnLst>
-  </p:timing>
-</p:sld>
-</file>
-
-<file path=ppt/slides/slide2.xml><?xml version="1.0" encoding="utf-8"?>
-<p:sld xmlns:a="http://schemas.openxmlformats.org/drawingml/2006/main" xmlns:r="http://schemas.openxmlformats.org/officeDocument/2006/relationships" xmlns:p="http://schemas.openxmlformats.org/presentationml/2006/main">
-  <p:cSld>
-    <p:spTree>
-      <p:nvGrpSpPr>
-        <p:cNvPr id="1" name=""/>
-        <p:cNvGrpSpPr/>
-        <p:nvPr/>
-      </p:nvGrpSpPr>
-      <p:grpSpPr>
-        <a:xfrm>
-          <a:off x="0" y="0"/>
-          <a:ext cx="0" cy="0"/>
-          <a:chOff x="0" y="0"/>
-          <a:chExt cx="0" cy="0"/>
-        </a:xfrm>
-      </p:grpSpPr>
-      <p:sp>
-        <p:nvSpPr>
-          <p:cNvPr id="2" name="Title 1"/>
-          <p:cNvSpPr>
-            <a:spLocks noGrp="1"/>
-          </p:cNvSpPr>
-          <p:nvPr>
-            <p:ph type="title"/>
-          </p:nvPr>
-        </p:nvSpPr>
-        <p:spPr/>
-        <p:txBody>
-          <a:bodyPr/>
-          <a:lstStyle/>
-          <a:p>
-            <a:r>
-              <a:rPr lang="en-US" dirty="0" smtClean="0"/>
-              <a:t>Contents</a:t>
-            </a:r>
-            <a:endParaRPr lang="en-US" dirty="0"/>
-          </a:p>
-        </p:txBody>
-      </p:sp>
-      <p:sp>
-        <p:nvSpPr>
-          <p:cNvPr id="3" name="Content Placeholder 2"/>
-          <p:cNvSpPr>
-            <a:spLocks noGrp="1"/>
-          </p:cNvSpPr>
-          <p:nvPr>
-            <p:ph sz="quarter" idx="1"/>
-          </p:nvPr>
-        </p:nvSpPr>
-        <p:spPr/>
-        <p:txBody>
-          <a:bodyPr/>
-          <a:lstStyle/>
-          <a:p>
-            <a:r>
-              <a:rPr lang="en-US" dirty="0" smtClean="0"/>
-              <a:t>CPB and </a:t>
-            </a:r>
-            <a:r>
-              <a:rPr lang="en-US" dirty="0" err="1" smtClean="0"/>
-              <a:t>Zipf’s</a:t>
-            </a:r>
-            <a:r>
-              <a:rPr lang="en-US" dirty="0" smtClean="0"/>
-              <a:t> law</a:t>
-            </a:r>
-          </a:p>
-          <a:p>
-            <a:r>
-              <a:rPr lang="en-US" dirty="0" smtClean="0"/>
-              <a:t>Research question &amp; Approach</a:t>
-            </a:r>
-          </a:p>
-          <a:p>
-            <a:r>
-              <a:rPr lang="en-US" dirty="0" smtClean="0"/>
-              <a:t>Narrative</a:t>
-            </a:r>
-          </a:p>
-          <a:p>
-            <a:r>
-              <a:rPr lang="en-US" dirty="0" smtClean="0"/>
-              <a:t>Model logic </a:t>
-            </a:r>
-          </a:p>
-          <a:p>
-            <a:r>
-              <a:rPr lang="en-US" dirty="0" smtClean="0"/>
-              <a:t>Verification </a:t>
-            </a:r>
-            <a:r>
-              <a:rPr lang="en-US" dirty="0" smtClean="0"/>
-              <a:t>&amp; Validation</a:t>
-            </a:r>
-          </a:p>
-          <a:p>
-            <a:r>
-              <a:rPr lang="en-US" dirty="0"/>
-              <a:t>Experimental Design</a:t>
-            </a:r>
-          </a:p>
-          <a:p>
-            <a:r>
-              <a:rPr lang="en-US" dirty="0" smtClean="0"/>
-              <a:t>Model </a:t>
-            </a:r>
-            <a:r>
-              <a:rPr lang="en-US" dirty="0" smtClean="0"/>
-              <a:t>experimentation</a:t>
-            </a:r>
-          </a:p>
-          <a:p>
-            <a:r>
-              <a:rPr lang="en-US" dirty="0" smtClean="0"/>
-              <a:t>Conclusions</a:t>
-            </a:r>
-          </a:p>
-          <a:p>
-            <a:r>
-              <a:rPr lang="en-US" dirty="0" smtClean="0"/>
-              <a:t>Future research</a:t>
-            </a:r>
-            <a:endParaRPr lang="en-US" dirty="0"/>
-          </a:p>
-        </p:txBody>
-      </p:sp>
-    </p:spTree>
-    <p:extLst>
-      <p:ext uri="{BB962C8B-B14F-4D97-AF65-F5344CB8AC3E}">
-        <p14:creationId xmlns:p14="http://schemas.microsoft.com/office/powerpoint/2010/main" val="2561872779"/>
-      </p:ext>
-    </p:extLst>
-  </p:cSld>
-  <p:clrMapOvr>
-    <a:masterClrMapping/>
-  </p:clrMapOvr>
-  <mc:AlternateContent xmlns:mc="http://schemas.openxmlformats.org/markup-compatibility/2006" xmlns:p14="http://schemas.microsoft.com/office/powerpoint/2010/main">
-    <mc:Choice Requires="p14">
-      <p:transition spd="med" p14:dur="700">
-        <p:fade/>
-      </p:transition>
-    </mc:Choice>
-    <mc:Fallback xmlns="">
-      <p:transition spd="med">
-        <p:fade/>
-      </p:transition>
-    </mc:Fallback>
-  </mc:AlternateContent>
-  <p:timing>
-    <p:tnLst>
-      <p:par>
-        <p:cTn id="1" dur="indefinite" restart="never" nodeType="tmRoot"/>
-      </p:par>
-    </p:tnLst>
-  </p:timing>
-</p:sld>
-</file>
-
-<file path=ppt/slides/slide3.xml><?xml version="1.0" encoding="utf-8"?>
-<p:sld xmlns:a="http://schemas.openxmlformats.org/drawingml/2006/main" xmlns:r="http://schemas.openxmlformats.org/officeDocument/2006/relationships" xmlns:p="http://schemas.openxmlformats.org/presentationml/2006/main">
-  <p:cSld>
-    <p:spTree>
-      <p:nvGrpSpPr>
-        <p:cNvPr id="1" name=""/>
-        <p:cNvGrpSpPr/>
-        <p:nvPr/>
-      </p:nvGrpSpPr>
-      <p:grpSpPr>
-        <a:xfrm>
-          <a:off x="0" y="0"/>
-          <a:ext cx="0" cy="0"/>
-          <a:chOff x="0" y="0"/>
-          <a:chExt cx="0" cy="0"/>
-        </a:xfrm>
-      </p:grpSpPr>
-      <p:sp>
-        <p:nvSpPr>
-          <p:cNvPr id="2" name="Title 1"/>
-          <p:cNvSpPr>
-            <a:spLocks noGrp="1"/>
-          </p:cNvSpPr>
-          <p:nvPr>
-            <p:ph type="title"/>
-          </p:nvPr>
-        </p:nvSpPr>
-        <p:spPr/>
-        <p:txBody>
-          <a:bodyPr/>
-          <a:lstStyle/>
-          <a:p>
-            <a:r>
-              <a:rPr lang="en-US" dirty="0" smtClean="0"/>
-              <a:t>CPB and </a:t>
-            </a:r>
-            <a:r>
-              <a:rPr lang="en-US" dirty="0" err="1" smtClean="0"/>
-              <a:t>Zipf’s</a:t>
-            </a:r>
-            <a:r>
-              <a:rPr lang="en-US" dirty="0" smtClean="0"/>
-              <a:t> Law</a:t>
-            </a:r>
-            <a:endParaRPr lang="en-US" dirty="0"/>
-          </a:p>
-        </p:txBody>
-      </p:sp>
-      <p:sp>
-        <p:nvSpPr>
-          <p:cNvPr id="3" name="Content Placeholder 2"/>
-          <p:cNvSpPr>
-            <a:spLocks noGrp="1"/>
-          </p:cNvSpPr>
-          <p:nvPr>
-            <p:ph sz="quarter" idx="1"/>
-          </p:nvPr>
-        </p:nvSpPr>
-        <p:spPr/>
-        <p:txBody>
-          <a:bodyPr/>
-          <a:lstStyle/>
-          <a:p>
-            <a:r>
-              <a:rPr lang="en-US" dirty="0" smtClean="0"/>
-              <a:t>The largest cities in a country show a </a:t>
-            </a:r>
-            <a:r>
-              <a:rPr lang="en-US" dirty="0" err="1" smtClean="0"/>
-              <a:t>Zipfian</a:t>
-            </a:r>
-            <a:r>
-              <a:rPr lang="en-US" dirty="0" smtClean="0"/>
-              <a:t> distribution</a:t>
-            </a:r>
-          </a:p>
-          <a:p>
-            <a:endParaRPr lang="en-US" dirty="0"/>
-          </a:p>
-          <a:p>
-            <a:r>
-              <a:rPr lang="en-US" dirty="0" smtClean="0"/>
-              <a:t>CPB:</a:t>
-            </a:r>
-          </a:p>
-          <a:p>
-            <a:pPr lvl="1"/>
-            <a:r>
-              <a:rPr lang="en-US" dirty="0" smtClean="0"/>
-              <a:t>Can we influence this type of city growth?</a:t>
-            </a:r>
-          </a:p>
-          <a:p>
-            <a:pPr lvl="1"/>
-            <a:r>
-              <a:rPr lang="en-US" dirty="0" smtClean="0"/>
-              <a:t>Can we design policies knowing this type of behaviour occurs?</a:t>
-            </a:r>
-          </a:p>
-          <a:p>
-            <a:pPr lvl="1"/>
-            <a:r>
-              <a:rPr lang="en-US" dirty="0" smtClean="0"/>
-              <a:t>What causes the </a:t>
-            </a:r>
-            <a:r>
-              <a:rPr lang="en-US" dirty="0" err="1" smtClean="0"/>
-              <a:t>Zipf’s</a:t>
-            </a:r>
-            <a:r>
-              <a:rPr lang="en-US" dirty="0" smtClean="0"/>
-              <a:t> law to emerge?</a:t>
-            </a:r>
-            <a:endParaRPr lang="en-US" dirty="0"/>
-          </a:p>
-        </p:txBody>
-      </p:sp>
-      <p:pic>
-        <p:nvPicPr>
-          <p:cNvPr id="5" name="Picture 4"/>
-          <p:cNvPicPr>
-            <a:picLocks noChangeAspect="1" noChangeArrowheads="1"/>
-          </p:cNvPicPr>
-          <p:nvPr/>
-        </p:nvPicPr>
-        <p:blipFill>
-          <a:blip r:embed="rId2">
-            <a:extLst>
-              <a:ext uri="{28A0092B-C50C-407E-A947-70E740481C1C}">
-                <a14:useLocalDpi xmlns:a14="http://schemas.microsoft.com/office/drawing/2010/main" val="0"/>
-              </a:ext>
-            </a:extLst>
-          </a:blip>
-          <a:srcRect/>
-          <a:stretch>
-            <a:fillRect/>
-          </a:stretch>
-        </p:blipFill>
-        <p:spPr bwMode="auto">
-          <a:xfrm>
-            <a:off x="1366838" y="1524000"/>
-            <a:ext cx="6481762" cy="5278437"/>
-          </a:xfrm>
-          <a:prstGeom prst="rect">
-            <a:avLst/>
-          </a:prstGeom>
-          <a:noFill/>
-          <a:ln>
-            <a:noFill/>
-          </a:ln>
-          <a:extLst>
-            <a:ext uri="{909E8E84-426E-40DD-AFC4-6F175D3DCCD1}">
-              <a14:hiddenFill xmlns:a14="http://schemas.microsoft.com/office/drawing/2010/main">
-                <a:solidFill>
-                  <a:schemeClr val="accent1"/>
-                </a:solidFill>
-              </a14:hiddenFill>
-            </a:ext>
-            <a:ext uri="{91240B29-F687-4F45-9708-019B960494DF}">
-              <a14:hiddenLine xmlns:a14="http://schemas.microsoft.com/office/drawing/2010/main" w="9525">
-                <a:solidFill>
-                  <a:schemeClr val="tx1"/>
-                </a:solidFill>
-                <a:miter lim="800000"/>
-                <a:headEnd/>
-                <a:tailEnd/>
-              </a14:hiddenLine>
-            </a:ext>
-          </a:extLst>
-        </p:spPr>
-      </p:pic>
-      <p:grpSp>
-        <p:nvGrpSpPr>
-          <p:cNvPr id="7" name="Group 6"/>
-          <p:cNvGrpSpPr/>
-          <p:nvPr/>
-        </p:nvGrpSpPr>
-        <p:grpSpPr>
-          <a:xfrm>
-            <a:off x="1828800" y="1600200"/>
-            <a:ext cx="5486400" cy="4642915"/>
-            <a:chOff x="1828800" y="1600200"/>
-            <a:chExt cx="5486400" cy="4642915"/>
-          </a:xfrm>
-        </p:grpSpPr>
-        <p:pic>
-          <p:nvPicPr>
-            <p:cNvPr id="4" name="Picture 3"/>
-            <p:cNvPicPr>
-              <a:picLocks noChangeAspect="1"/>
-            </p:cNvPicPr>
-            <p:nvPr/>
-          </p:nvPicPr>
-          <p:blipFill>
-            <a:blip r:embed="rId3">
-              <a:extLst>
-                <a:ext uri="{28A0092B-C50C-407E-A947-70E740481C1C}">
-                  <a14:useLocalDpi xmlns:a14="http://schemas.microsoft.com/office/drawing/2010/main" val="0"/>
-                </a:ext>
-              </a:extLst>
-            </a:blip>
-            <a:stretch>
-              <a:fillRect/>
-            </a:stretch>
-          </p:blipFill>
-          <p:spPr>
-            <a:xfrm>
-              <a:off x="1828800" y="1676400"/>
-              <a:ext cx="5486400" cy="4566715"/>
-            </a:xfrm>
-            <a:prstGeom prst="rect">
-              <a:avLst/>
-            </a:prstGeom>
-          </p:spPr>
-        </p:pic>
-        <p:sp>
-          <p:nvSpPr>
-            <p:cNvPr id="6" name="Rectangle 5"/>
-            <p:cNvSpPr/>
-            <p:nvPr/>
-          </p:nvSpPr>
-          <p:spPr>
-            <a:xfrm>
-              <a:off x="6781800" y="1600200"/>
-              <a:ext cx="533400" cy="1981200"/>
-            </a:xfrm>
-            <a:prstGeom prst="rect">
-              <a:avLst/>
-            </a:prstGeom>
-            <a:solidFill>
-              <a:schemeClr val="bg1"/>
-            </a:solidFill>
-            <a:ln>
-              <a:noFill/>
-            </a:ln>
-          </p:spPr>
-          <p:style>
-            <a:lnRef idx="2">
-              <a:schemeClr val="accent1">
-                <a:shade val="50000"/>
-              </a:schemeClr>
-            </a:lnRef>
-            <a:fillRef idx="1">
-              <a:schemeClr val="accent1"/>
-            </a:fillRef>
-            <a:effectRef idx="0">
-              <a:schemeClr val="accent1"/>
-            </a:effectRef>
-            <a:fontRef idx="minor">
-              <a:schemeClr val="lt1"/>
-            </a:fontRef>
-          </p:style>
-          <p:txBody>
-            <a:bodyPr rtlCol="0" anchor="ctr"/>
-            <a:lstStyle/>
-            <a:p>
-              <a:pPr algn="ctr"/>
-              <a:endParaRPr lang="en-US"/>
-            </a:p>
-          </p:txBody>
-        </p:sp>
-      </p:grpSp>
-    </p:spTree>
-    <p:extLst>
-      <p:ext uri="{BB962C8B-B14F-4D97-AF65-F5344CB8AC3E}">
-        <p14:creationId xmlns:p14="http://schemas.microsoft.com/office/powerpoint/2010/main" val="3851000482"/>
-      </p:ext>
-    </p:extLst>
-  </p:cSld>
-  <p:clrMapOvr>
-    <a:masterClrMapping/>
-  </p:clrMapOvr>
-  <mc:AlternateContent xmlns:mc="http://schemas.openxmlformats.org/markup-compatibility/2006" xmlns:p14="http://schemas.microsoft.com/office/powerpoint/2010/main">
-    <mc:Choice Requires="p14">
-      <p:transition spd="med" p14:dur="700">
-        <p:fade/>
-      </p:transition>
-    </mc:Choice>
-    <mc:Fallback xmlns="">
+    <mc:Fallback>
       <p:transition spd="med">
         <p:fade/>
       </p:transition>
@@ -17647,7 +16674,7 @@
                                           </p:stCondLst>
                                         </p:cTn>
                                         <p:tgtEl>
-                                          <p:spTgt spid="5"/>
+                                          <p:spTgt spid="4"/>
                                         </p:tgtEl>
                                         <p:attrNameLst>
                                           <p:attrName>style.visibility</p:attrName>
@@ -17661,7 +16688,7 @@
                                       <p:cBhvr>
                                         <p:cTn id="7" dur="500"/>
                                         <p:tgtEl>
-                                          <p:spTgt spid="5"/>
+                                          <p:spTgt spid="4"/>
                                         </p:tgtEl>
                                       </p:cBhvr>
                                     </p:animEffect>
@@ -17723,7 +16750,7 @@
                                         <p:tgtEl>
                                           <p:spTgt spid="3">
                                             <p:txEl>
-                                              <p:pRg st="2" end="2"/>
+                                              <p:pRg st="1" end="1"/>
                                             </p:txEl>
                                           </p:spTgt>
                                         </p:tgtEl>
@@ -17739,7 +16766,7 @@
                                         <p:tgtEl>
                                           <p:spTgt spid="3">
                                             <p:txEl>
-                                              <p:pRg st="2" end="2"/>
+                                              <p:pRg st="1" end="1"/>
                                             </p:txEl>
                                           </p:spTgt>
                                         </p:tgtEl>
@@ -17766,7 +16793,7 @@
                                         <p:tgtEl>
                                           <p:spTgt spid="3">
                                             <p:txEl>
-                                              <p:pRg st="3" end="3"/>
+                                              <p:pRg st="2" end="2"/>
                                             </p:txEl>
                                           </p:spTgt>
                                         </p:tgtEl>
@@ -17782,7 +16809,7 @@
                                         <p:tgtEl>
                                           <p:spTgt spid="3">
                                             <p:txEl>
-                                              <p:pRg st="3" end="3"/>
+                                              <p:pRg st="2" end="2"/>
                                             </p:txEl>
                                           </p:spTgt>
                                         </p:tgtEl>
@@ -17809,7 +16836,7 @@
                                         <p:tgtEl>
                                           <p:spTgt spid="3">
                                             <p:txEl>
-                                              <p:pRg st="4" end="4"/>
+                                              <p:pRg st="3" end="3"/>
                                             </p:txEl>
                                           </p:spTgt>
                                         </p:tgtEl>
@@ -17825,7 +16852,7 @@
                                         <p:tgtEl>
                                           <p:spTgt spid="3">
                                             <p:txEl>
-                                              <p:pRg st="4" end="4"/>
+                                              <p:pRg st="3" end="3"/>
                                             </p:txEl>
                                           </p:spTgt>
                                         </p:tgtEl>
@@ -17852,7 +16879,7 @@
                                         <p:tgtEl>
                                           <p:spTgt spid="3">
                                             <p:txEl>
-                                              <p:pRg st="5" end="5"/>
+                                              <p:pRg st="7" end="7"/>
                                             </p:txEl>
                                           </p:spTgt>
                                         </p:tgtEl>
@@ -17868,9 +16895,2417 @@
                                         <p:tgtEl>
                                           <p:spTgt spid="3">
                                             <p:txEl>
-                                              <p:pRg st="5" end="5"/>
+                                              <p:pRg st="7" end="7"/>
                                             </p:txEl>
                                           </p:spTgt>
+                                        </p:tgtEl>
+                                        <p:attrNameLst>
+                                          <p:attrName>style.visibility</p:attrName>
+                                        </p:attrNameLst>
+                                      </p:cBhvr>
+                                      <p:to>
+                                        <p:strVal val="hidden"/>
+                                      </p:to>
+                                    </p:set>
+                                  </p:childTnLst>
+                                </p:cTn>
+                              </p:par>
+                              <p:par>
+                                <p:cTn id="23" presetID="10" presetClass="exit" presetSubtype="0" fill="hold" grpId="0" nodeType="withEffect">
+                                  <p:stCondLst>
+                                    <p:cond delay="0"/>
+                                  </p:stCondLst>
+                                  <p:childTnLst>
+                                    <p:animEffect transition="out" filter="fade">
+                                      <p:cBhvr>
+                                        <p:cTn id="24" dur="500"/>
+                                        <p:tgtEl>
+                                          <p:spTgt spid="3">
+                                            <p:txEl>
+                                              <p:pRg st="8" end="8"/>
+                                            </p:txEl>
+                                          </p:spTgt>
+                                        </p:tgtEl>
+                                      </p:cBhvr>
+                                    </p:animEffect>
+                                    <p:set>
+                                      <p:cBhvr>
+                                        <p:cTn id="25" dur="1" fill="hold">
+                                          <p:stCondLst>
+                                            <p:cond delay="499"/>
+                                          </p:stCondLst>
+                                        </p:cTn>
+                                        <p:tgtEl>
+                                          <p:spTgt spid="3">
+                                            <p:txEl>
+                                              <p:pRg st="8" end="8"/>
+                                            </p:txEl>
+                                          </p:spTgt>
+                                        </p:tgtEl>
+                                        <p:attrNameLst>
+                                          <p:attrName>style.visibility</p:attrName>
+                                        </p:attrNameLst>
+                                      </p:cBhvr>
+                                      <p:to>
+                                        <p:strVal val="hidden"/>
+                                      </p:to>
+                                    </p:set>
+                                  </p:childTnLst>
+                                </p:cTn>
+                              </p:par>
+                              <p:par>
+                                <p:cTn id="26" presetID="10" presetClass="exit" presetSubtype="0" fill="hold" grpId="0" nodeType="withEffect">
+                                  <p:stCondLst>
+                                    <p:cond delay="0"/>
+                                  </p:stCondLst>
+                                  <p:childTnLst>
+                                    <p:animEffect transition="out" filter="fade">
+                                      <p:cBhvr>
+                                        <p:cTn id="27" dur="500"/>
+                                        <p:tgtEl>
+                                          <p:spTgt spid="3">
+                                            <p:txEl>
+                                              <p:pRg st="9" end="9"/>
+                                            </p:txEl>
+                                          </p:spTgt>
+                                        </p:tgtEl>
+                                      </p:cBhvr>
+                                    </p:animEffect>
+                                    <p:set>
+                                      <p:cBhvr>
+                                        <p:cTn id="28" dur="1" fill="hold">
+                                          <p:stCondLst>
+                                            <p:cond delay="499"/>
+                                          </p:stCondLst>
+                                        </p:cTn>
+                                        <p:tgtEl>
+                                          <p:spTgt spid="3">
+                                            <p:txEl>
+                                              <p:pRg st="9" end="9"/>
+                                            </p:txEl>
+                                          </p:spTgt>
+                                        </p:tgtEl>
+                                        <p:attrNameLst>
+                                          <p:attrName>style.visibility</p:attrName>
+                                        </p:attrNameLst>
+                                      </p:cBhvr>
+                                      <p:to>
+                                        <p:strVal val="hidden"/>
+                                      </p:to>
+                                    </p:set>
+                                  </p:childTnLst>
+                                </p:cTn>
+                              </p:par>
+                              <p:par>
+                                <p:cTn id="29" presetID="10" presetClass="exit" presetSubtype="0" fill="hold" grpId="0" nodeType="withEffect">
+                                  <p:stCondLst>
+                                    <p:cond delay="0"/>
+                                  </p:stCondLst>
+                                  <p:childTnLst>
+                                    <p:animEffect transition="out" filter="fade">
+                                      <p:cBhvr>
+                                        <p:cTn id="30" dur="500"/>
+                                        <p:tgtEl>
+                                          <p:spTgt spid="3">
+                                            <p:txEl>
+                                              <p:pRg st="10" end="10"/>
+                                            </p:txEl>
+                                          </p:spTgt>
+                                        </p:tgtEl>
+                                      </p:cBhvr>
+                                    </p:animEffect>
+                                    <p:set>
+                                      <p:cBhvr>
+                                        <p:cTn id="31" dur="1" fill="hold">
+                                          <p:stCondLst>
+                                            <p:cond delay="499"/>
+                                          </p:stCondLst>
+                                        </p:cTn>
+                                        <p:tgtEl>
+                                          <p:spTgt spid="3">
+                                            <p:txEl>
+                                              <p:pRg st="10" end="10"/>
+                                            </p:txEl>
+                                          </p:spTgt>
+                                        </p:tgtEl>
+                                        <p:attrNameLst>
+                                          <p:attrName>style.visibility</p:attrName>
+                                        </p:attrNameLst>
+                                      </p:cBhvr>
+                                      <p:to>
+                                        <p:strVal val="hidden"/>
+                                      </p:to>
+                                    </p:set>
+                                  </p:childTnLst>
+                                </p:cTn>
+                              </p:par>
+                              <p:par>
+                                <p:cTn id="32" presetID="10" presetClass="exit" presetSubtype="0" fill="hold" nodeType="withEffect">
+                                  <p:stCondLst>
+                                    <p:cond delay="0"/>
+                                  </p:stCondLst>
+                                  <p:childTnLst>
+                                    <p:animEffect transition="out" filter="fade">
+                                      <p:cBhvr>
+                                        <p:cTn id="33" dur="500"/>
+                                        <p:tgtEl>
+                                          <p:spTgt spid="1028"/>
+                                        </p:tgtEl>
+                                      </p:cBhvr>
+                                    </p:animEffect>
+                                    <p:set>
+                                      <p:cBhvr>
+                                        <p:cTn id="34" dur="1" fill="hold">
+                                          <p:stCondLst>
+                                            <p:cond delay="499"/>
+                                          </p:stCondLst>
+                                        </p:cTn>
+                                        <p:tgtEl>
+                                          <p:spTgt spid="1028"/>
+                                        </p:tgtEl>
+                                        <p:attrNameLst>
+                                          <p:attrName>style.visibility</p:attrName>
+                                        </p:attrNameLst>
+                                      </p:cBhvr>
+                                      <p:to>
+                                        <p:strVal val="hidden"/>
+                                      </p:to>
+                                    </p:set>
+                                  </p:childTnLst>
+                                </p:cTn>
+                              </p:par>
+                            </p:childTnLst>
+                          </p:cTn>
+                        </p:par>
+                      </p:childTnLst>
+                    </p:cTn>
+                  </p:par>
+                </p:childTnLst>
+              </p:cTn>
+              <p:prevCondLst>
+                <p:cond evt="onPrev" delay="0">
+                  <p:tgtEl>
+                    <p:sldTgt/>
+                  </p:tgtEl>
+                </p:cond>
+              </p:prevCondLst>
+              <p:nextCondLst>
+                <p:cond evt="onNext" delay="0">
+                  <p:tgtEl>
+                    <p:sldTgt/>
+                  </p:tgtEl>
+                </p:cond>
+              </p:nextCondLst>
+            </p:seq>
+          </p:childTnLst>
+        </p:cTn>
+      </p:par>
+    </p:tnLst>
+    <p:bldLst>
+      <p:bldP spid="3" grpId="0" build="p"/>
+    </p:bldLst>
+  </p:timing>
+</p:sld>
+</file>
+
+<file path=ppt/slides/slide13.xml><?xml version="1.0" encoding="utf-8"?>
+<p:sld xmlns:a="http://schemas.openxmlformats.org/drawingml/2006/main" xmlns:r="http://schemas.openxmlformats.org/officeDocument/2006/relationships" xmlns:p="http://schemas.openxmlformats.org/presentationml/2006/main">
+  <p:cSld>
+    <p:spTree>
+      <p:nvGrpSpPr>
+        <p:cNvPr id="1" name=""/>
+        <p:cNvGrpSpPr/>
+        <p:nvPr/>
+      </p:nvGrpSpPr>
+      <p:grpSpPr>
+        <a:xfrm>
+          <a:off x="0" y="0"/>
+          <a:ext cx="0" cy="0"/>
+          <a:chOff x="0" y="0"/>
+          <a:chExt cx="0" cy="0"/>
+        </a:xfrm>
+      </p:grpSpPr>
+      <p:sp>
+        <p:nvSpPr>
+          <p:cNvPr id="2" name="Title 1"/>
+          <p:cNvSpPr>
+            <a:spLocks noGrp="1"/>
+          </p:cNvSpPr>
+          <p:nvPr>
+            <p:ph type="title"/>
+          </p:nvPr>
+        </p:nvSpPr>
+        <p:spPr/>
+        <p:txBody>
+          <a:bodyPr/>
+          <a:lstStyle/>
+          <a:p>
+            <a:r>
+              <a:rPr lang="en-US" dirty="0" smtClean="0"/>
+              <a:t>Verification &amp; Validation</a:t>
+            </a:r>
+            <a:endParaRPr lang="en-US" dirty="0"/>
+          </a:p>
+        </p:txBody>
+      </p:sp>
+      <p:sp>
+        <p:nvSpPr>
+          <p:cNvPr id="3" name="Content Placeholder 2"/>
+          <p:cNvSpPr>
+            <a:spLocks noGrp="1"/>
+          </p:cNvSpPr>
+          <p:nvPr>
+            <p:ph sz="quarter" idx="1"/>
+          </p:nvPr>
+        </p:nvSpPr>
+        <p:spPr/>
+        <p:txBody>
+          <a:bodyPr>
+            <a:normAutofit/>
+          </a:bodyPr>
+          <a:lstStyle/>
+          <a:p>
+            <a:r>
+              <a:rPr lang="en-US" dirty="0" smtClean="0"/>
+              <a:t>Verification </a:t>
+            </a:r>
+          </a:p>
+          <a:p>
+            <a:pPr lvl="1"/>
+            <a:r>
+              <a:rPr lang="en-US" dirty="0" smtClean="0"/>
+              <a:t>6 Tests on a single-agent, minimal interaction and multi-agent level</a:t>
+            </a:r>
+          </a:p>
+          <a:p>
+            <a:pPr lvl="1"/>
+            <a:r>
+              <a:rPr lang="en-US" dirty="0" smtClean="0"/>
+              <a:t>The model is implemented as intended</a:t>
+            </a:r>
+            <a:endParaRPr lang="en-US" dirty="0" smtClean="0"/>
+          </a:p>
+          <a:p>
+            <a:pPr lvl="1"/>
+            <a:endParaRPr lang="en-US" dirty="0" smtClean="0"/>
+          </a:p>
+          <a:p>
+            <a:r>
+              <a:rPr lang="en-US" dirty="0" smtClean="0"/>
+              <a:t>Literature validation</a:t>
+            </a:r>
+          </a:p>
+          <a:p>
+            <a:pPr lvl="1"/>
+            <a:r>
+              <a:rPr lang="en-US" dirty="0" smtClean="0"/>
+              <a:t>Parameters and relations are based on </a:t>
+            </a:r>
+            <a:r>
+              <a:rPr lang="en-US" dirty="0" smtClean="0"/>
+              <a:t>literature</a:t>
+            </a:r>
+          </a:p>
+          <a:p>
+            <a:pPr lvl="1"/>
+            <a:endParaRPr lang="en-US" dirty="0"/>
+          </a:p>
+          <a:p>
+            <a:r>
+              <a:rPr lang="en-US" dirty="0" smtClean="0"/>
+              <a:t>Face validation through expert </a:t>
+            </a:r>
+            <a:r>
+              <a:rPr lang="en-US" dirty="0" smtClean="0"/>
+              <a:t>consultation</a:t>
+            </a:r>
+          </a:p>
+          <a:p>
+            <a:pPr lvl="1"/>
+            <a:r>
+              <a:rPr lang="en-US" dirty="0" smtClean="0"/>
+              <a:t>Assumptions</a:t>
+            </a:r>
+            <a:endParaRPr lang="en-US" dirty="0" smtClean="0"/>
+          </a:p>
+          <a:p>
+            <a:pPr lvl="1"/>
+            <a:r>
+              <a:rPr lang="en-US" dirty="0" smtClean="0"/>
+              <a:t>Relations </a:t>
+            </a:r>
+            <a:endParaRPr lang="en-US" dirty="0" smtClean="0"/>
+          </a:p>
+          <a:p>
+            <a:pPr lvl="1"/>
+            <a:r>
+              <a:rPr lang="en-US" dirty="0" smtClean="0"/>
+              <a:t>Concepts</a:t>
+            </a:r>
+            <a:endParaRPr lang="en-US" dirty="0"/>
+          </a:p>
+        </p:txBody>
+      </p:sp>
+    </p:spTree>
+    <p:extLst>
+      <p:ext uri="{BB962C8B-B14F-4D97-AF65-F5344CB8AC3E}">
+        <p14:creationId xmlns:p14="http://schemas.microsoft.com/office/powerpoint/2010/main" val="1648658965"/>
+      </p:ext>
+    </p:extLst>
+  </p:cSld>
+  <p:clrMapOvr>
+    <a:masterClrMapping/>
+  </p:clrMapOvr>
+  <mc:AlternateContent xmlns:mc="http://schemas.openxmlformats.org/markup-compatibility/2006">
+    <mc:Choice xmlns:p14="http://schemas.microsoft.com/office/powerpoint/2010/main" Requires="p14">
+      <p:transition spd="med" p14:dur="700">
+        <p:fade/>
+      </p:transition>
+    </mc:Choice>
+    <mc:Fallback>
+      <p:transition spd="med">
+        <p:fade/>
+      </p:transition>
+    </mc:Fallback>
+  </mc:AlternateContent>
+  <p:timing>
+    <p:tnLst>
+      <p:par>
+        <p:cTn id="1" dur="indefinite" restart="never" nodeType="tmRoot"/>
+      </p:par>
+    </p:tnLst>
+  </p:timing>
+</p:sld>
+</file>
+
+<file path=ppt/slides/slide14.xml><?xml version="1.0" encoding="utf-8"?>
+<p:sld xmlns:a="http://schemas.openxmlformats.org/drawingml/2006/main" xmlns:r="http://schemas.openxmlformats.org/officeDocument/2006/relationships" xmlns:p="http://schemas.openxmlformats.org/presentationml/2006/main">
+  <p:cSld>
+    <p:spTree>
+      <p:nvGrpSpPr>
+        <p:cNvPr id="1" name=""/>
+        <p:cNvGrpSpPr/>
+        <p:nvPr/>
+      </p:nvGrpSpPr>
+      <p:grpSpPr>
+        <a:xfrm>
+          <a:off x="0" y="0"/>
+          <a:ext cx="0" cy="0"/>
+          <a:chOff x="0" y="0"/>
+          <a:chExt cx="0" cy="0"/>
+        </a:xfrm>
+      </p:grpSpPr>
+      <p:sp>
+        <p:nvSpPr>
+          <p:cNvPr id="2" name="Title 1"/>
+          <p:cNvSpPr>
+            <a:spLocks noGrp="1"/>
+          </p:cNvSpPr>
+          <p:nvPr>
+            <p:ph type="title"/>
+          </p:nvPr>
+        </p:nvSpPr>
+        <p:spPr/>
+        <p:txBody>
+          <a:bodyPr/>
+          <a:lstStyle/>
+          <a:p>
+            <a:r>
+              <a:rPr lang="en-US" dirty="0" smtClean="0"/>
+              <a:t>Experimental Design</a:t>
+            </a:r>
+            <a:endParaRPr lang="en-US" dirty="0"/>
+          </a:p>
+        </p:txBody>
+      </p:sp>
+      <p:sp>
+        <p:nvSpPr>
+          <p:cNvPr id="3" name="Content Placeholder 2"/>
+          <p:cNvSpPr>
+            <a:spLocks noGrp="1"/>
+          </p:cNvSpPr>
+          <p:nvPr>
+            <p:ph sz="quarter" idx="1"/>
+          </p:nvPr>
+        </p:nvSpPr>
+        <p:spPr>
+          <a:xfrm>
+            <a:off x="457200" y="1600200"/>
+            <a:ext cx="8229600" cy="4873752"/>
+          </a:xfrm>
+        </p:spPr>
+        <p:txBody>
+          <a:bodyPr/>
+          <a:lstStyle/>
+          <a:p>
+            <a:r>
+              <a:rPr lang="en-US" dirty="0"/>
+              <a:t>W</a:t>
+            </a:r>
+            <a:r>
+              <a:rPr lang="en-US" dirty="0" smtClean="0"/>
+              <a:t>hich </a:t>
+            </a:r>
+            <a:r>
+              <a:rPr lang="en-US" dirty="0"/>
+              <a:t>variables have the most influence on creating the desired model output</a:t>
+            </a:r>
+            <a:r>
+              <a:rPr lang="en-US" dirty="0" smtClean="0"/>
+              <a:t>?</a:t>
+            </a:r>
+          </a:p>
+          <a:p>
+            <a:endParaRPr lang="en-US" dirty="0"/>
+          </a:p>
+          <a:p>
+            <a:r>
+              <a:rPr lang="en-US" dirty="0" smtClean="0"/>
+              <a:t>Multi-</a:t>
+            </a:r>
+            <a:r>
+              <a:rPr lang="en-US" dirty="0" err="1" smtClean="0"/>
+              <a:t>variate</a:t>
+            </a:r>
+            <a:r>
+              <a:rPr lang="en-US" dirty="0" smtClean="0"/>
+              <a:t> analysis</a:t>
+            </a:r>
+          </a:p>
+          <a:p>
+            <a:r>
+              <a:rPr lang="en-US" dirty="0" smtClean="0"/>
+              <a:t>Latin </a:t>
+            </a:r>
+            <a:r>
+              <a:rPr lang="en-US" dirty="0" smtClean="0"/>
+              <a:t>hypercube</a:t>
+            </a:r>
+          </a:p>
+          <a:p>
+            <a:r>
+              <a:rPr lang="en-US" dirty="0" smtClean="0"/>
+              <a:t>Because of long run time, limited number of </a:t>
+            </a:r>
+            <a:r>
+              <a:rPr lang="en-US" dirty="0" smtClean="0"/>
+              <a:t>runs (300)</a:t>
+            </a:r>
+            <a:endParaRPr lang="en-US" dirty="0" smtClean="0"/>
+          </a:p>
+          <a:p>
+            <a:endParaRPr lang="en-US" dirty="0" smtClean="0"/>
+          </a:p>
+          <a:p>
+            <a:r>
+              <a:rPr lang="en-US" dirty="0" smtClean="0"/>
+              <a:t>Compare R-squared to a pure </a:t>
+            </a:r>
+            <a:r>
+              <a:rPr lang="en-US" dirty="0" err="1" smtClean="0"/>
+              <a:t>Zipfian</a:t>
+            </a:r>
+            <a:r>
+              <a:rPr lang="en-US" dirty="0" smtClean="0"/>
+              <a:t> distribution</a:t>
+            </a:r>
+            <a:endParaRPr lang="en-US" dirty="0" smtClean="0"/>
+          </a:p>
+          <a:p>
+            <a:r>
+              <a:rPr lang="en-US" dirty="0" smtClean="0"/>
+              <a:t>R-squared &gt; 0,80 found in literature</a:t>
+            </a:r>
+            <a:endParaRPr lang="en-US" dirty="0" smtClean="0"/>
+          </a:p>
+          <a:p>
+            <a:endParaRPr lang="en-US" dirty="0"/>
+          </a:p>
+        </p:txBody>
+      </p:sp>
+    </p:spTree>
+    <p:extLst>
+      <p:ext uri="{BB962C8B-B14F-4D97-AF65-F5344CB8AC3E}">
+        <p14:creationId xmlns:p14="http://schemas.microsoft.com/office/powerpoint/2010/main" val="2611283999"/>
+      </p:ext>
+    </p:extLst>
+  </p:cSld>
+  <p:clrMapOvr>
+    <a:masterClrMapping/>
+  </p:clrMapOvr>
+  <mc:AlternateContent xmlns:mc="http://schemas.openxmlformats.org/markup-compatibility/2006">
+    <mc:Choice xmlns:p14="http://schemas.microsoft.com/office/powerpoint/2010/main" Requires="p14">
+      <p:transition spd="med" p14:dur="700">
+        <p:fade/>
+      </p:transition>
+    </mc:Choice>
+    <mc:Fallback>
+      <p:transition spd="med">
+        <p:fade/>
+      </p:transition>
+    </mc:Fallback>
+  </mc:AlternateContent>
+  <p:timing>
+    <p:tnLst>
+      <p:par>
+        <p:cTn id="1" dur="indefinite" restart="never" nodeType="tmRoot"/>
+      </p:par>
+    </p:tnLst>
+  </p:timing>
+</p:sld>
+</file>
+
+<file path=ppt/slides/slide15.xml><?xml version="1.0" encoding="utf-8"?>
+<p:sld xmlns:a="http://schemas.openxmlformats.org/drawingml/2006/main" xmlns:r="http://schemas.openxmlformats.org/officeDocument/2006/relationships" xmlns:p="http://schemas.openxmlformats.org/presentationml/2006/main">
+  <p:cSld>
+    <p:spTree>
+      <p:nvGrpSpPr>
+        <p:cNvPr id="1" name=""/>
+        <p:cNvGrpSpPr/>
+        <p:nvPr/>
+      </p:nvGrpSpPr>
+      <p:grpSpPr>
+        <a:xfrm>
+          <a:off x="0" y="0"/>
+          <a:ext cx="0" cy="0"/>
+          <a:chOff x="0" y="0"/>
+          <a:chExt cx="0" cy="0"/>
+        </a:xfrm>
+      </p:grpSpPr>
+      <p:pic>
+        <p:nvPicPr>
+          <p:cNvPr id="4" name="Picture 3"/>
+          <p:cNvPicPr>
+            <a:picLocks noChangeAspect="1"/>
+          </p:cNvPicPr>
+          <p:nvPr/>
+        </p:nvPicPr>
+        <p:blipFill rotWithShape="1">
+          <a:blip r:embed="rId2">
+            <a:extLst>
+              <a:ext uri="{28A0092B-C50C-407E-A947-70E740481C1C}">
+                <a14:useLocalDpi xmlns:a14="http://schemas.microsoft.com/office/drawing/2010/main" val="0"/>
+              </a:ext>
+            </a:extLst>
+          </a:blip>
+          <a:srcRect l="5047" t="21843" r="5327" b="21500"/>
+          <a:stretch/>
+        </p:blipFill>
+        <p:spPr>
+          <a:xfrm>
+            <a:off x="338983" y="1880786"/>
+            <a:ext cx="8195417" cy="3529414"/>
+          </a:xfrm>
+          <a:prstGeom prst="rect">
+            <a:avLst/>
+          </a:prstGeom>
+        </p:spPr>
+      </p:pic>
+      <p:sp>
+        <p:nvSpPr>
+          <p:cNvPr id="2" name="Title 1"/>
+          <p:cNvSpPr>
+            <a:spLocks noGrp="1"/>
+          </p:cNvSpPr>
+          <p:nvPr>
+            <p:ph type="title"/>
+          </p:nvPr>
+        </p:nvSpPr>
+        <p:spPr/>
+        <p:txBody>
+          <a:bodyPr/>
+          <a:lstStyle/>
+          <a:p>
+            <a:r>
+              <a:rPr lang="en-US" dirty="0" smtClean="0"/>
+              <a:t>Model Experimentation</a:t>
+            </a:r>
+            <a:endParaRPr lang="en-US" dirty="0"/>
+          </a:p>
+        </p:txBody>
+      </p:sp>
+      <p:sp>
+        <p:nvSpPr>
+          <p:cNvPr id="3" name="Content Placeholder 2"/>
+          <p:cNvSpPr>
+            <a:spLocks noGrp="1"/>
+          </p:cNvSpPr>
+          <p:nvPr>
+            <p:ph sz="quarter" idx="1"/>
+          </p:nvPr>
+        </p:nvSpPr>
+        <p:spPr/>
+        <p:txBody>
+          <a:bodyPr/>
+          <a:lstStyle/>
+          <a:p>
+            <a:r>
+              <a:rPr lang="en-US" dirty="0" smtClean="0"/>
+              <a:t>1/3 of the runs R-squared &gt; 0,8</a:t>
+            </a:r>
+          </a:p>
+          <a:p>
+            <a:endParaRPr lang="en-US" dirty="0"/>
+          </a:p>
+          <a:p>
+            <a:r>
+              <a:rPr lang="en-US" dirty="0" smtClean="0"/>
+              <a:t>Verified by running the model again, with the outputs of the decision tree as an input space</a:t>
+            </a:r>
+          </a:p>
+          <a:p>
+            <a:endParaRPr lang="en-US" dirty="0"/>
+          </a:p>
+          <a:p>
+            <a:r>
+              <a:rPr lang="en-US" dirty="0" smtClean="0"/>
+              <a:t>These runs showed quite a lot of runs concurrent with the </a:t>
+            </a:r>
+            <a:r>
+              <a:rPr lang="en-US" dirty="0" err="1" smtClean="0"/>
+              <a:t>Zipf’s</a:t>
+            </a:r>
+            <a:r>
+              <a:rPr lang="en-US" dirty="0" smtClean="0"/>
+              <a:t> law compared to the base runs</a:t>
+            </a:r>
+            <a:endParaRPr lang="en-US" dirty="0"/>
+          </a:p>
+        </p:txBody>
+      </p:sp>
+    </p:spTree>
+    <p:extLst>
+      <p:ext uri="{BB962C8B-B14F-4D97-AF65-F5344CB8AC3E}">
+        <p14:creationId xmlns:p14="http://schemas.microsoft.com/office/powerpoint/2010/main" val="265507417"/>
+      </p:ext>
+    </p:extLst>
+  </p:cSld>
+  <p:clrMapOvr>
+    <a:masterClrMapping/>
+  </p:clrMapOvr>
+  <mc:AlternateContent xmlns:mc="http://schemas.openxmlformats.org/markup-compatibility/2006">
+    <mc:Choice xmlns:p14="http://schemas.microsoft.com/office/powerpoint/2010/main" Requires="p14">
+      <p:transition spd="med" p14:dur="700">
+        <p:fade/>
+      </p:transition>
+    </mc:Choice>
+    <mc:Fallback>
+      <p:transition spd="med">
+        <p:fade/>
+      </p:transition>
+    </mc:Fallback>
+  </mc:AlternateContent>
+  <p:timing>
+    <p:tnLst>
+      <p:par>
+        <p:cTn id="1" dur="indefinite" restart="never" nodeType="tmRoot">
+          <p:childTnLst>
+            <p:seq concurrent="1" nextAc="seek">
+              <p:cTn id="2" dur="indefinite" nodeType="mainSeq">
+                <p:childTnLst>
+                  <p:par>
+                    <p:cTn id="3" fill="hold">
+                      <p:stCondLst>
+                        <p:cond delay="indefinite"/>
+                      </p:stCondLst>
+                      <p:childTnLst>
+                        <p:par>
+                          <p:cTn id="4" fill="hold">
+                            <p:stCondLst>
+                              <p:cond delay="0"/>
+                            </p:stCondLst>
+                            <p:childTnLst>
+                              <p:par>
+                                <p:cTn id="5" presetID="10" presetClass="entr" presetSubtype="0" fill="hold" nodeType="clickEffect">
+                                  <p:stCondLst>
+                                    <p:cond delay="0"/>
+                                  </p:stCondLst>
+                                  <p:childTnLst>
+                                    <p:set>
+                                      <p:cBhvr>
+                                        <p:cTn id="6" dur="1" fill="hold">
+                                          <p:stCondLst>
+                                            <p:cond delay="0"/>
+                                          </p:stCondLst>
+                                        </p:cTn>
+                                        <p:tgtEl>
+                                          <p:spTgt spid="3">
+                                            <p:txEl>
+                                              <p:pRg st="0" end="0"/>
+                                            </p:txEl>
+                                          </p:spTgt>
+                                        </p:tgtEl>
+                                        <p:attrNameLst>
+                                          <p:attrName>style.visibility</p:attrName>
+                                        </p:attrNameLst>
+                                      </p:cBhvr>
+                                      <p:to>
+                                        <p:strVal val="visible"/>
+                                      </p:to>
+                                    </p:set>
+                                    <p:animEffect transition="in" filter="fade">
+                                      <p:cBhvr>
+                                        <p:cTn id="7" dur="500"/>
+                                        <p:tgtEl>
+                                          <p:spTgt spid="3">
+                                            <p:txEl>
+                                              <p:pRg st="0" end="0"/>
+                                            </p:txEl>
+                                          </p:spTgt>
+                                        </p:tgtEl>
+                                      </p:cBhvr>
+                                    </p:animEffect>
+                                  </p:childTnLst>
+                                </p:cTn>
+                              </p:par>
+                              <p:par>
+                                <p:cTn id="8" presetID="10" presetClass="entr" presetSubtype="0" fill="hold" nodeType="withEffect">
+                                  <p:stCondLst>
+                                    <p:cond delay="0"/>
+                                  </p:stCondLst>
+                                  <p:childTnLst>
+                                    <p:set>
+                                      <p:cBhvr>
+                                        <p:cTn id="9" dur="1" fill="hold">
+                                          <p:stCondLst>
+                                            <p:cond delay="0"/>
+                                          </p:stCondLst>
+                                        </p:cTn>
+                                        <p:tgtEl>
+                                          <p:spTgt spid="3">
+                                            <p:txEl>
+                                              <p:pRg st="2" end="2"/>
+                                            </p:txEl>
+                                          </p:spTgt>
+                                        </p:tgtEl>
+                                        <p:attrNameLst>
+                                          <p:attrName>style.visibility</p:attrName>
+                                        </p:attrNameLst>
+                                      </p:cBhvr>
+                                      <p:to>
+                                        <p:strVal val="visible"/>
+                                      </p:to>
+                                    </p:set>
+                                    <p:animEffect transition="in" filter="fade">
+                                      <p:cBhvr>
+                                        <p:cTn id="10" dur="500"/>
+                                        <p:tgtEl>
+                                          <p:spTgt spid="3">
+                                            <p:txEl>
+                                              <p:pRg st="2" end="2"/>
+                                            </p:txEl>
+                                          </p:spTgt>
+                                        </p:tgtEl>
+                                      </p:cBhvr>
+                                    </p:animEffect>
+                                  </p:childTnLst>
+                                </p:cTn>
+                              </p:par>
+                              <p:par>
+                                <p:cTn id="11" presetID="10" presetClass="entr" presetSubtype="0" fill="hold" nodeType="withEffect">
+                                  <p:stCondLst>
+                                    <p:cond delay="0"/>
+                                  </p:stCondLst>
+                                  <p:childTnLst>
+                                    <p:set>
+                                      <p:cBhvr>
+                                        <p:cTn id="12" dur="1" fill="hold">
+                                          <p:stCondLst>
+                                            <p:cond delay="0"/>
+                                          </p:stCondLst>
+                                        </p:cTn>
+                                        <p:tgtEl>
+                                          <p:spTgt spid="3">
+                                            <p:txEl>
+                                              <p:pRg st="4" end="4"/>
+                                            </p:txEl>
+                                          </p:spTgt>
+                                        </p:tgtEl>
+                                        <p:attrNameLst>
+                                          <p:attrName>style.visibility</p:attrName>
+                                        </p:attrNameLst>
+                                      </p:cBhvr>
+                                      <p:to>
+                                        <p:strVal val="visible"/>
+                                      </p:to>
+                                    </p:set>
+                                    <p:animEffect transition="in" filter="fade">
+                                      <p:cBhvr>
+                                        <p:cTn id="13" dur="500"/>
+                                        <p:tgtEl>
+                                          <p:spTgt spid="3">
+                                            <p:txEl>
+                                              <p:pRg st="4" end="4"/>
+                                            </p:txEl>
+                                          </p:spTgt>
+                                        </p:tgtEl>
+                                      </p:cBhvr>
+                                    </p:animEffect>
+                                  </p:childTnLst>
+                                </p:cTn>
+                              </p:par>
+                              <p:par>
+                                <p:cTn id="14" presetID="10" presetClass="exit" presetSubtype="0" fill="hold" nodeType="withEffect">
+                                  <p:stCondLst>
+                                    <p:cond delay="0"/>
+                                  </p:stCondLst>
+                                  <p:childTnLst>
+                                    <p:animEffect transition="out" filter="fade">
+                                      <p:cBhvr>
+                                        <p:cTn id="15" dur="500"/>
+                                        <p:tgtEl>
+                                          <p:spTgt spid="4"/>
+                                        </p:tgtEl>
+                                      </p:cBhvr>
+                                    </p:animEffect>
+                                    <p:set>
+                                      <p:cBhvr>
+                                        <p:cTn id="16" dur="1" fill="hold">
+                                          <p:stCondLst>
+                                            <p:cond delay="499"/>
+                                          </p:stCondLst>
+                                        </p:cTn>
+                                        <p:tgtEl>
+                                          <p:spTgt spid="4"/>
+                                        </p:tgtEl>
+                                        <p:attrNameLst>
+                                          <p:attrName>style.visibility</p:attrName>
+                                        </p:attrNameLst>
+                                      </p:cBhvr>
+                                      <p:to>
+                                        <p:strVal val="hidden"/>
+                                      </p:to>
+                                    </p:set>
+                                  </p:childTnLst>
+                                </p:cTn>
+                              </p:par>
+                            </p:childTnLst>
+                          </p:cTn>
+                        </p:par>
+                      </p:childTnLst>
+                    </p:cTn>
+                  </p:par>
+                </p:childTnLst>
+              </p:cTn>
+              <p:prevCondLst>
+                <p:cond evt="onPrev" delay="0">
+                  <p:tgtEl>
+                    <p:sldTgt/>
+                  </p:tgtEl>
+                </p:cond>
+              </p:prevCondLst>
+              <p:nextCondLst>
+                <p:cond evt="onNext" delay="0">
+                  <p:tgtEl>
+                    <p:sldTgt/>
+                  </p:tgtEl>
+                </p:cond>
+              </p:nextCondLst>
+            </p:seq>
+          </p:childTnLst>
+        </p:cTn>
+      </p:par>
+    </p:tnLst>
+  </p:timing>
+</p:sld>
+</file>
+
+<file path=ppt/slides/slide16.xml><?xml version="1.0" encoding="utf-8"?>
+<p:sld xmlns:a="http://schemas.openxmlformats.org/drawingml/2006/main" xmlns:r="http://schemas.openxmlformats.org/officeDocument/2006/relationships" xmlns:p="http://schemas.openxmlformats.org/presentationml/2006/main">
+  <p:cSld>
+    <p:spTree>
+      <p:nvGrpSpPr>
+        <p:cNvPr id="1" name=""/>
+        <p:cNvGrpSpPr/>
+        <p:nvPr/>
+      </p:nvGrpSpPr>
+      <p:grpSpPr>
+        <a:xfrm>
+          <a:off x="0" y="0"/>
+          <a:ext cx="0" cy="0"/>
+          <a:chOff x="0" y="0"/>
+          <a:chExt cx="0" cy="0"/>
+        </a:xfrm>
+      </p:grpSpPr>
+      <p:sp>
+        <p:nvSpPr>
+          <p:cNvPr id="2" name="Title 1"/>
+          <p:cNvSpPr>
+            <a:spLocks noGrp="1"/>
+          </p:cNvSpPr>
+          <p:nvPr>
+            <p:ph type="title"/>
+          </p:nvPr>
+        </p:nvSpPr>
+        <p:spPr/>
+        <p:txBody>
+          <a:bodyPr/>
+          <a:lstStyle/>
+          <a:p>
+            <a:r>
+              <a:rPr lang="en-US" dirty="0" smtClean="0"/>
+              <a:t>Conclusions</a:t>
+            </a:r>
+            <a:endParaRPr lang="en-US" dirty="0"/>
+          </a:p>
+        </p:txBody>
+      </p:sp>
+      <p:sp>
+        <p:nvSpPr>
+          <p:cNvPr id="3" name="Content Placeholder 2"/>
+          <p:cNvSpPr>
+            <a:spLocks noGrp="1"/>
+          </p:cNvSpPr>
+          <p:nvPr>
+            <p:ph sz="quarter" idx="1"/>
+          </p:nvPr>
+        </p:nvSpPr>
+        <p:spPr/>
+        <p:txBody>
+          <a:bodyPr>
+            <a:normAutofit/>
+          </a:bodyPr>
+          <a:lstStyle/>
+          <a:p>
+            <a:r>
+              <a:rPr lang="en-US" dirty="0" smtClean="0"/>
+              <a:t>Our model is able to produce cities according to </a:t>
+            </a:r>
+            <a:r>
+              <a:rPr lang="en-US" dirty="0" smtClean="0"/>
+              <a:t>a </a:t>
+            </a:r>
+            <a:r>
+              <a:rPr lang="en-US" dirty="0" err="1" smtClean="0"/>
+              <a:t>Zipfian</a:t>
+            </a:r>
+            <a:r>
+              <a:rPr lang="en-US" dirty="0" smtClean="0"/>
+              <a:t> </a:t>
+            </a:r>
+            <a:r>
+              <a:rPr lang="en-US" dirty="0" smtClean="0"/>
+              <a:t>distribution</a:t>
+            </a:r>
+          </a:p>
+          <a:p>
+            <a:r>
+              <a:rPr lang="en-US" dirty="0" smtClean="0"/>
+              <a:t>However, very specific parameter values </a:t>
+            </a:r>
+            <a:r>
+              <a:rPr lang="en-US" dirty="0" smtClean="0"/>
+              <a:t>are needed to obtain a </a:t>
+            </a:r>
+            <a:r>
+              <a:rPr lang="en-US" dirty="0" err="1" smtClean="0"/>
+              <a:t>Zipfian</a:t>
+            </a:r>
+            <a:r>
+              <a:rPr lang="en-US" dirty="0" smtClean="0"/>
+              <a:t> distribution</a:t>
+            </a:r>
+          </a:p>
+          <a:p>
+            <a:r>
+              <a:rPr lang="en-US" dirty="0" smtClean="0"/>
+              <a:t>The </a:t>
+            </a:r>
+            <a:r>
+              <a:rPr lang="en-US" dirty="0" err="1" smtClean="0"/>
+              <a:t>Zipf’s</a:t>
+            </a:r>
+            <a:r>
+              <a:rPr lang="en-US" dirty="0" smtClean="0"/>
+              <a:t> law has been around for centuries</a:t>
+            </a:r>
+            <a:endParaRPr lang="en-US" dirty="0" smtClean="0"/>
+          </a:p>
+          <a:p>
+            <a:endParaRPr lang="en-US" dirty="0"/>
+          </a:p>
+          <a:p>
+            <a:r>
+              <a:rPr lang="en-US" dirty="0" smtClean="0"/>
+              <a:t>Two variables seem to have the most effect:</a:t>
+            </a:r>
+            <a:endParaRPr lang="en-US" dirty="0"/>
+          </a:p>
+          <a:p>
+            <a:pPr lvl="1"/>
+            <a:r>
+              <a:rPr lang="en-US" dirty="0" smtClean="0"/>
+              <a:t>The city size effect</a:t>
+            </a:r>
+            <a:endParaRPr lang="en-US" dirty="0" smtClean="0"/>
+          </a:p>
+          <a:p>
+            <a:pPr lvl="1"/>
+            <a:r>
+              <a:rPr lang="en-US" dirty="0" smtClean="0"/>
+              <a:t>Distance between cities</a:t>
+            </a:r>
+            <a:endParaRPr lang="en-US" dirty="0" smtClean="0"/>
+          </a:p>
+          <a:p>
+            <a:endParaRPr lang="en-US" dirty="0"/>
+          </a:p>
+          <a:p>
+            <a:r>
+              <a:rPr lang="en-US" dirty="0" smtClean="0"/>
+              <a:t>Do we now understand why </a:t>
+            </a:r>
+            <a:r>
+              <a:rPr lang="en-US" dirty="0" smtClean="0"/>
+              <a:t>a </a:t>
+            </a:r>
+            <a:r>
+              <a:rPr lang="en-US" dirty="0" err="1" smtClean="0"/>
+              <a:t>Zipf’s</a:t>
+            </a:r>
+            <a:r>
+              <a:rPr lang="en-US" dirty="0" smtClean="0"/>
+              <a:t> law emerges?</a:t>
+            </a:r>
+          </a:p>
+          <a:p>
+            <a:pPr marL="365760" lvl="1" indent="0">
+              <a:buNone/>
+            </a:pPr>
+            <a:endParaRPr lang="en-US" dirty="0" smtClean="0"/>
+          </a:p>
+        </p:txBody>
+      </p:sp>
+    </p:spTree>
+    <p:extLst>
+      <p:ext uri="{BB962C8B-B14F-4D97-AF65-F5344CB8AC3E}">
+        <p14:creationId xmlns:p14="http://schemas.microsoft.com/office/powerpoint/2010/main" val="426146660"/>
+      </p:ext>
+    </p:extLst>
+  </p:cSld>
+  <p:clrMapOvr>
+    <a:masterClrMapping/>
+  </p:clrMapOvr>
+  <mc:AlternateContent xmlns:mc="http://schemas.openxmlformats.org/markup-compatibility/2006">
+    <mc:Choice xmlns:p14="http://schemas.microsoft.com/office/powerpoint/2010/main" Requires="p14">
+      <p:transition spd="med" p14:dur="700">
+        <p:fade/>
+      </p:transition>
+    </mc:Choice>
+    <mc:Fallback>
+      <p:transition spd="med">
+        <p:fade/>
+      </p:transition>
+    </mc:Fallback>
+  </mc:AlternateContent>
+  <p:timing>
+    <p:tnLst>
+      <p:par>
+        <p:cTn id="1" dur="indefinite" restart="never" nodeType="tmRoot"/>
+      </p:par>
+    </p:tnLst>
+  </p:timing>
+</p:sld>
+</file>
+
+<file path=ppt/slides/slide17.xml><?xml version="1.0" encoding="utf-8"?>
+<p:sld xmlns:a="http://schemas.openxmlformats.org/drawingml/2006/main" xmlns:r="http://schemas.openxmlformats.org/officeDocument/2006/relationships" xmlns:p="http://schemas.openxmlformats.org/presentationml/2006/main">
+  <p:cSld>
+    <p:spTree>
+      <p:nvGrpSpPr>
+        <p:cNvPr id="1" name=""/>
+        <p:cNvGrpSpPr/>
+        <p:nvPr/>
+      </p:nvGrpSpPr>
+      <p:grpSpPr>
+        <a:xfrm>
+          <a:off x="0" y="0"/>
+          <a:ext cx="0" cy="0"/>
+          <a:chOff x="0" y="0"/>
+          <a:chExt cx="0" cy="0"/>
+        </a:xfrm>
+      </p:grpSpPr>
+      <p:sp>
+        <p:nvSpPr>
+          <p:cNvPr id="2" name="Title 1"/>
+          <p:cNvSpPr>
+            <a:spLocks noGrp="1"/>
+          </p:cNvSpPr>
+          <p:nvPr>
+            <p:ph type="title"/>
+          </p:nvPr>
+        </p:nvSpPr>
+        <p:spPr/>
+        <p:txBody>
+          <a:bodyPr/>
+          <a:lstStyle/>
+          <a:p>
+            <a:r>
+              <a:rPr lang="en-US" dirty="0" smtClean="0"/>
+              <a:t>Future Research</a:t>
+            </a:r>
+            <a:endParaRPr lang="en-US" dirty="0"/>
+          </a:p>
+        </p:txBody>
+      </p:sp>
+      <p:sp>
+        <p:nvSpPr>
+          <p:cNvPr id="3" name="Content Placeholder 2"/>
+          <p:cNvSpPr>
+            <a:spLocks noGrp="1"/>
+          </p:cNvSpPr>
+          <p:nvPr>
+            <p:ph sz="quarter" idx="1"/>
+          </p:nvPr>
+        </p:nvSpPr>
+        <p:spPr/>
+        <p:txBody>
+          <a:bodyPr/>
+          <a:lstStyle/>
+          <a:p>
+            <a:r>
+              <a:rPr lang="en-US" dirty="0" smtClean="0"/>
+              <a:t>Why doesn’t the </a:t>
+            </a:r>
+            <a:r>
+              <a:rPr lang="en-US" dirty="0" err="1" smtClean="0"/>
+              <a:t>Zipf’s</a:t>
+            </a:r>
+            <a:r>
+              <a:rPr lang="en-US" dirty="0" smtClean="0"/>
+              <a:t> law fit as well in the Netherlands as it does abroad and how does this affect decision making?</a:t>
+            </a:r>
+          </a:p>
+          <a:p>
+            <a:endParaRPr lang="en-US" dirty="0"/>
+          </a:p>
+          <a:p>
+            <a:r>
+              <a:rPr lang="en-US" dirty="0" smtClean="0"/>
+              <a:t>What happens when European borders disappear entirely?</a:t>
+            </a:r>
+          </a:p>
+          <a:p>
+            <a:pPr lvl="1"/>
+            <a:r>
+              <a:rPr lang="en-US" dirty="0" smtClean="0"/>
+              <a:t>Will Paris or London become the most important city?</a:t>
+            </a:r>
+          </a:p>
+          <a:p>
+            <a:pPr lvl="1"/>
+            <a:r>
+              <a:rPr lang="en-US" dirty="0" smtClean="0"/>
+              <a:t>What will happen to our cities?</a:t>
+            </a:r>
+            <a:endParaRPr lang="en-US" dirty="0"/>
+          </a:p>
+        </p:txBody>
+      </p:sp>
+    </p:spTree>
+    <p:extLst>
+      <p:ext uri="{BB962C8B-B14F-4D97-AF65-F5344CB8AC3E}">
+        <p14:creationId xmlns:p14="http://schemas.microsoft.com/office/powerpoint/2010/main" val="4175224602"/>
+      </p:ext>
+    </p:extLst>
+  </p:cSld>
+  <p:clrMapOvr>
+    <a:masterClrMapping/>
+  </p:clrMapOvr>
+  <mc:AlternateContent xmlns:mc="http://schemas.openxmlformats.org/markup-compatibility/2006">
+    <mc:Choice xmlns:p14="http://schemas.microsoft.com/office/powerpoint/2010/main" Requires="p14">
+      <p:transition spd="med" p14:dur="700">
+        <p:fade/>
+      </p:transition>
+    </mc:Choice>
+    <mc:Fallback>
+      <p:transition spd="med">
+        <p:fade/>
+      </p:transition>
+    </mc:Fallback>
+  </mc:AlternateContent>
+  <p:timing>
+    <p:tnLst>
+      <p:par>
+        <p:cTn id="1" dur="indefinite" restart="never" nodeType="tmRoot"/>
+      </p:par>
+    </p:tnLst>
+  </p:timing>
+</p:sld>
+</file>
+
+<file path=ppt/slides/slide18.xml><?xml version="1.0" encoding="utf-8"?>
+<p:sld xmlns:a="http://schemas.openxmlformats.org/drawingml/2006/main" xmlns:r="http://schemas.openxmlformats.org/officeDocument/2006/relationships" xmlns:p="http://schemas.openxmlformats.org/presentationml/2006/main">
+  <p:cSld>
+    <p:spTree>
+      <p:nvGrpSpPr>
+        <p:cNvPr id="1" name=""/>
+        <p:cNvGrpSpPr/>
+        <p:nvPr/>
+      </p:nvGrpSpPr>
+      <p:grpSpPr>
+        <a:xfrm>
+          <a:off x="0" y="0"/>
+          <a:ext cx="0" cy="0"/>
+          <a:chOff x="0" y="0"/>
+          <a:chExt cx="0" cy="0"/>
+        </a:xfrm>
+      </p:grpSpPr>
+      <p:sp>
+        <p:nvSpPr>
+          <p:cNvPr id="2" name="Title 1"/>
+          <p:cNvSpPr>
+            <a:spLocks noGrp="1"/>
+          </p:cNvSpPr>
+          <p:nvPr>
+            <p:ph type="title"/>
+          </p:nvPr>
+        </p:nvSpPr>
+        <p:spPr/>
+        <p:txBody>
+          <a:bodyPr/>
+          <a:lstStyle/>
+          <a:p>
+            <a:r>
+              <a:rPr lang="en-US" dirty="0" err="1" smtClean="0"/>
+              <a:t>Netlogo</a:t>
+            </a:r>
+            <a:r>
+              <a:rPr lang="en-US" dirty="0" smtClean="0"/>
+              <a:t> in Practice</a:t>
+            </a:r>
+            <a:endParaRPr lang="en-US" dirty="0"/>
+          </a:p>
+        </p:txBody>
+      </p:sp>
+      <p:sp>
+        <p:nvSpPr>
+          <p:cNvPr id="3" name="Content Placeholder 2"/>
+          <p:cNvSpPr>
+            <a:spLocks noGrp="1"/>
+          </p:cNvSpPr>
+          <p:nvPr>
+            <p:ph sz="quarter" idx="1"/>
+          </p:nvPr>
+        </p:nvSpPr>
+        <p:spPr>
+          <a:xfrm>
+            <a:off x="457200" y="1600200"/>
+            <a:ext cx="7467600" cy="5257800"/>
+          </a:xfrm>
+        </p:spPr>
+        <p:txBody>
+          <a:bodyPr>
+            <a:normAutofit lnSpcReduction="10000"/>
+          </a:bodyPr>
+          <a:lstStyle/>
+          <a:p>
+            <a:r>
+              <a:rPr lang="en-US" dirty="0" err="1" smtClean="0"/>
+              <a:t>Netlogo</a:t>
+            </a:r>
+            <a:r>
+              <a:rPr lang="en-US" dirty="0" smtClean="0"/>
+              <a:t> is all about turtles, and it moves about as fast as one</a:t>
+            </a:r>
+          </a:p>
+          <a:p>
+            <a:endParaRPr lang="en-US" dirty="0"/>
+          </a:p>
+          <a:p>
+            <a:r>
+              <a:rPr lang="en-US" dirty="0" smtClean="0"/>
+              <a:t>Too much time spent on making model run at reasonable speeds</a:t>
+            </a:r>
+          </a:p>
+          <a:p>
+            <a:pPr lvl="1"/>
+            <a:r>
+              <a:rPr lang="en-US" dirty="0" smtClean="0"/>
+              <a:t>Table implementation 100x slower than regular list </a:t>
+            </a:r>
+          </a:p>
+          <a:p>
+            <a:pPr lvl="1"/>
+            <a:r>
+              <a:rPr lang="en-US" dirty="0" smtClean="0"/>
+              <a:t>Subtracting sets undoable</a:t>
+            </a:r>
+          </a:p>
+          <a:p>
+            <a:pPr lvl="1"/>
+            <a:endParaRPr lang="en-US" dirty="0" smtClean="0"/>
+          </a:p>
+          <a:p>
+            <a:r>
+              <a:rPr lang="en-US" dirty="0" smtClean="0"/>
+              <a:t>No support for unit testing or assertions</a:t>
+            </a:r>
+          </a:p>
+          <a:p>
+            <a:endParaRPr lang="en-US" dirty="0"/>
+          </a:p>
+          <a:p>
+            <a:r>
+              <a:rPr lang="en-US" dirty="0" smtClean="0"/>
+              <a:t>Memory leaks in </a:t>
+            </a:r>
+            <a:r>
+              <a:rPr lang="en-US" dirty="0" err="1" smtClean="0"/>
+              <a:t>RNetlogo</a:t>
+            </a:r>
+            <a:endParaRPr lang="en-US" dirty="0"/>
+          </a:p>
+          <a:p>
+            <a:endParaRPr lang="en-US" dirty="0" smtClean="0"/>
+          </a:p>
+          <a:p>
+            <a:r>
+              <a:rPr lang="en-US" dirty="0" smtClean="0"/>
+              <a:t>Overall unsuitable due to speed limitations</a:t>
+            </a:r>
+            <a:endParaRPr lang="en-US" dirty="0"/>
+          </a:p>
+        </p:txBody>
+      </p:sp>
+    </p:spTree>
+    <p:extLst>
+      <p:ext uri="{BB962C8B-B14F-4D97-AF65-F5344CB8AC3E}">
+        <p14:creationId xmlns:p14="http://schemas.microsoft.com/office/powerpoint/2010/main" val="3795320604"/>
+      </p:ext>
+    </p:extLst>
+  </p:cSld>
+  <p:clrMapOvr>
+    <a:masterClrMapping/>
+  </p:clrMapOvr>
+  <mc:AlternateContent xmlns:mc="http://schemas.openxmlformats.org/markup-compatibility/2006">
+    <mc:Choice xmlns:p14="http://schemas.microsoft.com/office/powerpoint/2010/main" Requires="p14">
+      <p:transition spd="med" p14:dur="700">
+        <p:fade/>
+      </p:transition>
+    </mc:Choice>
+    <mc:Fallback>
+      <p:transition spd="med">
+        <p:fade/>
+      </p:transition>
+    </mc:Fallback>
+  </mc:AlternateContent>
+  <p:timing>
+    <p:tnLst>
+      <p:par>
+        <p:cTn id="1" dur="indefinite" restart="never" nodeType="tmRoot"/>
+      </p:par>
+    </p:tnLst>
+  </p:timing>
+</p:sld>
+</file>
+
+<file path=ppt/slides/slide19.xml><?xml version="1.0" encoding="utf-8"?>
+<p:sld xmlns:a="http://schemas.openxmlformats.org/drawingml/2006/main" xmlns:r="http://schemas.openxmlformats.org/officeDocument/2006/relationships" xmlns:p="http://schemas.openxmlformats.org/presentationml/2006/main">
+  <p:cSld>
+    <p:spTree>
+      <p:nvGrpSpPr>
+        <p:cNvPr id="1" name=""/>
+        <p:cNvGrpSpPr/>
+        <p:nvPr/>
+      </p:nvGrpSpPr>
+      <p:grpSpPr>
+        <a:xfrm>
+          <a:off x="0" y="0"/>
+          <a:ext cx="0" cy="0"/>
+          <a:chOff x="0" y="0"/>
+          <a:chExt cx="0" cy="0"/>
+        </a:xfrm>
+      </p:grpSpPr>
+      <p:sp>
+        <p:nvSpPr>
+          <p:cNvPr id="2" name="Title 1"/>
+          <p:cNvSpPr>
+            <a:spLocks noGrp="1"/>
+          </p:cNvSpPr>
+          <p:nvPr>
+            <p:ph type="title"/>
+          </p:nvPr>
+        </p:nvSpPr>
+        <p:spPr/>
+        <p:txBody>
+          <a:bodyPr/>
+          <a:lstStyle/>
+          <a:p>
+            <a:r>
+              <a:rPr lang="en-US" dirty="0" smtClean="0"/>
+              <a:t>Model files &amp; </a:t>
+            </a:r>
+            <a:r>
+              <a:rPr lang="en-US" dirty="0" err="1" smtClean="0"/>
+              <a:t>Referenes</a:t>
+            </a:r>
+            <a:endParaRPr lang="en-US" dirty="0"/>
+          </a:p>
+        </p:txBody>
+      </p:sp>
+      <p:sp>
+        <p:nvSpPr>
+          <p:cNvPr id="3" name="Content Placeholder 2"/>
+          <p:cNvSpPr>
+            <a:spLocks noGrp="1"/>
+          </p:cNvSpPr>
+          <p:nvPr>
+            <p:ph sz="quarter" idx="1"/>
+          </p:nvPr>
+        </p:nvSpPr>
+        <p:spPr/>
+        <p:txBody>
+          <a:bodyPr>
+            <a:normAutofit lnSpcReduction="10000"/>
+          </a:bodyPr>
+          <a:lstStyle/>
+          <a:p>
+            <a:r>
+              <a:rPr lang="en-US" altLang="en-US" dirty="0" smtClean="0">
+                <a:latin typeface="+mj-lt"/>
+              </a:rPr>
+              <a:t>If you’re interested in the model files and documentation, please visit:</a:t>
+            </a:r>
+          </a:p>
+          <a:p>
+            <a:pPr marL="0" indent="0" algn="ctr">
+              <a:buNone/>
+            </a:pPr>
+            <a:endParaRPr lang="en-US" altLang="en-US" dirty="0">
+              <a:latin typeface="+mj-lt"/>
+              <a:hlinkClick r:id="rId2"/>
+            </a:endParaRPr>
+          </a:p>
+          <a:p>
+            <a:pPr marL="0" indent="0" algn="ctr">
+              <a:buNone/>
+            </a:pPr>
+            <a:r>
+              <a:rPr lang="en-US" altLang="en-US" dirty="0" smtClean="0">
+                <a:latin typeface="+mj-lt"/>
+                <a:hlinkClick r:id="rId2"/>
+              </a:rPr>
+              <a:t>https</a:t>
+            </a:r>
+            <a:r>
+              <a:rPr lang="en-US" altLang="en-US" dirty="0">
+                <a:latin typeface="+mj-lt"/>
+                <a:hlinkClick r:id="rId2"/>
+              </a:rPr>
+              <a:t>://</a:t>
+            </a:r>
+            <a:r>
+              <a:rPr lang="en-US" altLang="en-US" dirty="0" smtClean="0">
+                <a:latin typeface="+mj-lt"/>
+                <a:hlinkClick r:id="rId2"/>
+              </a:rPr>
+              <a:t>github.com/MBrouns/Zipfs-Law-and-city-development</a:t>
+            </a:r>
+            <a:r>
+              <a:rPr lang="en-US" altLang="en-US" dirty="0" smtClean="0">
+                <a:latin typeface="+mj-lt"/>
+              </a:rPr>
+              <a:t> </a:t>
+            </a:r>
+            <a:endParaRPr lang="en-US" altLang="en-US" dirty="0" smtClean="0">
+              <a:latin typeface="+mj-lt"/>
+            </a:endParaRPr>
+          </a:p>
+          <a:p>
+            <a:endParaRPr lang="en-US" altLang="en-US" dirty="0" smtClean="0">
+              <a:latin typeface="Calibri" pitchFamily="34" charset="0"/>
+            </a:endParaRPr>
+          </a:p>
+          <a:p>
+            <a:r>
+              <a:rPr lang="en-US" altLang="en-US" dirty="0" smtClean="0">
+                <a:latin typeface="+mj-lt"/>
+              </a:rPr>
+              <a:t>References</a:t>
+            </a:r>
+          </a:p>
+          <a:p>
+            <a:r>
+              <a:rPr lang="en-US" altLang="en-US" sz="1900" dirty="0" err="1" smtClean="0">
+                <a:latin typeface="+mj-lt"/>
+              </a:rPr>
+              <a:t>Newitz</a:t>
+            </a:r>
+            <a:r>
+              <a:rPr lang="en-US" altLang="en-US" sz="1900" dirty="0" smtClean="0">
+                <a:latin typeface="+mj-lt"/>
+              </a:rPr>
+              <a:t>, A. 2013. </a:t>
+            </a:r>
+            <a:r>
+              <a:rPr lang="en-US" altLang="en-US" sz="1900" i="1" dirty="0" smtClean="0">
+                <a:latin typeface="+mj-lt"/>
+              </a:rPr>
+              <a:t>A mysterious law that predicts the size of the world’s biggest cities</a:t>
+            </a:r>
+            <a:r>
+              <a:rPr lang="en-US" altLang="en-US" sz="1900" dirty="0" smtClean="0">
+                <a:latin typeface="+mj-lt"/>
+              </a:rPr>
+              <a:t>. Retrieved from: </a:t>
+            </a:r>
+            <a:r>
+              <a:rPr lang="en-US" altLang="en-US" sz="1900" dirty="0" smtClean="0">
+                <a:latin typeface="+mj-lt"/>
+                <a:hlinkClick r:id="rId3"/>
+              </a:rPr>
+              <a:t>http</a:t>
+            </a:r>
+            <a:r>
+              <a:rPr lang="en-US" altLang="en-US" sz="1900" dirty="0">
+                <a:latin typeface="+mj-lt"/>
+                <a:hlinkClick r:id="rId3"/>
+              </a:rPr>
+              <a:t>://</a:t>
+            </a:r>
+            <a:r>
+              <a:rPr lang="en-US" altLang="en-US" sz="1900" dirty="0" smtClean="0">
+                <a:latin typeface="+mj-lt"/>
+                <a:hlinkClick r:id="rId3"/>
+              </a:rPr>
+              <a:t>io9.com/the-mysterious-law-that-governs-the-size-of-your-city-1479244159</a:t>
+            </a:r>
+            <a:r>
+              <a:rPr lang="en-US" altLang="en-US" sz="1900" dirty="0" smtClean="0">
+                <a:latin typeface="+mj-lt"/>
+              </a:rPr>
+              <a:t> at the 6th of January, 2015.</a:t>
+            </a:r>
+            <a:endParaRPr lang="en-US" altLang="en-US" sz="1900" dirty="0" smtClean="0">
+              <a:latin typeface="+mj-lt"/>
+            </a:endParaRPr>
+          </a:p>
+          <a:p>
+            <a:r>
+              <a:rPr lang="en-US" altLang="en-US" sz="1900" dirty="0" err="1" smtClean="0">
+                <a:latin typeface="+mj-lt"/>
+              </a:rPr>
+              <a:t>Infrastructurist</a:t>
+            </a:r>
+            <a:r>
+              <a:rPr lang="en-US" altLang="en-US" sz="1900" dirty="0" smtClean="0">
+                <a:latin typeface="+mj-lt"/>
+              </a:rPr>
+              <a:t>. 2011. </a:t>
+            </a:r>
+            <a:r>
+              <a:rPr lang="en-US" altLang="en-US" sz="1900" i="1" dirty="0" smtClean="0">
+                <a:latin typeface="+mj-lt"/>
+              </a:rPr>
+              <a:t>A Capital On The Move. </a:t>
+            </a:r>
+            <a:r>
+              <a:rPr lang="en-US" altLang="en-US" sz="1900" dirty="0" smtClean="0">
+                <a:latin typeface="+mj-lt"/>
+              </a:rPr>
+              <a:t>Retrieved from </a:t>
+            </a:r>
+            <a:r>
+              <a:rPr lang="en-US" altLang="en-US" sz="1900" dirty="0" smtClean="0">
+                <a:latin typeface="+mj-lt"/>
+                <a:hlinkClick r:id="rId4"/>
+              </a:rPr>
+              <a:t>http</a:t>
+            </a:r>
+            <a:r>
+              <a:rPr lang="en-US" altLang="en-US" sz="1900" dirty="0">
+                <a:latin typeface="+mj-lt"/>
+                <a:hlinkClick r:id="rId4"/>
+              </a:rPr>
+              <a:t>://</a:t>
+            </a:r>
+            <a:r>
+              <a:rPr lang="en-US" altLang="en-US" sz="1900" dirty="0" smtClean="0">
+                <a:latin typeface="+mj-lt"/>
+                <a:hlinkClick r:id="rId4"/>
+              </a:rPr>
+              <a:t>keith-travelsinindonesia.blogspot.nl/2011/06/capital-on-move.html</a:t>
+            </a:r>
+            <a:r>
+              <a:rPr lang="en-US" altLang="en-US" sz="1900" dirty="0" smtClean="0">
+                <a:latin typeface="+mj-lt"/>
+              </a:rPr>
+              <a:t> at the 20th of January, 2015.</a:t>
+            </a:r>
+            <a:endParaRPr lang="en-US" altLang="en-US" sz="1900" dirty="0" smtClean="0">
+              <a:latin typeface="+mj-lt"/>
+            </a:endParaRPr>
+          </a:p>
+          <a:p>
+            <a:endParaRPr lang="en-US" altLang="en-US" dirty="0">
+              <a:latin typeface="Calibri" pitchFamily="34" charset="0"/>
+            </a:endParaRPr>
+          </a:p>
+          <a:p>
+            <a:endParaRPr lang="en-US" dirty="0"/>
+          </a:p>
+        </p:txBody>
+      </p:sp>
+    </p:spTree>
+    <p:extLst>
+      <p:ext uri="{BB962C8B-B14F-4D97-AF65-F5344CB8AC3E}">
+        <p14:creationId xmlns:p14="http://schemas.microsoft.com/office/powerpoint/2010/main" val="645663845"/>
+      </p:ext>
+    </p:extLst>
+  </p:cSld>
+  <p:clrMapOvr>
+    <a:masterClrMapping/>
+  </p:clrMapOvr>
+  <mc:AlternateContent xmlns:mc="http://schemas.openxmlformats.org/markup-compatibility/2006">
+    <mc:Choice xmlns:p14="http://schemas.microsoft.com/office/powerpoint/2010/main" Requires="p14">
+      <p:transition spd="med" p14:dur="700">
+        <p:fade/>
+      </p:transition>
+    </mc:Choice>
+    <mc:Fallback>
+      <p:transition spd="med">
+        <p:fade/>
+      </p:transition>
+    </mc:Fallback>
+  </mc:AlternateContent>
+  <p:timing>
+    <p:tnLst>
+      <p:par>
+        <p:cTn id="1" dur="indefinite" restart="never" nodeType="tmRoot"/>
+      </p:par>
+    </p:tnLst>
+  </p:timing>
+</p:sld>
+</file>
+
+<file path=ppt/slides/slide2.xml><?xml version="1.0" encoding="utf-8"?>
+<p:sld xmlns:a="http://schemas.openxmlformats.org/drawingml/2006/main" xmlns:r="http://schemas.openxmlformats.org/officeDocument/2006/relationships" xmlns:p="http://schemas.openxmlformats.org/presentationml/2006/main">
+  <p:cSld>
+    <p:spTree>
+      <p:nvGrpSpPr>
+        <p:cNvPr id="1" name=""/>
+        <p:cNvGrpSpPr/>
+        <p:nvPr/>
+      </p:nvGrpSpPr>
+      <p:grpSpPr>
+        <a:xfrm>
+          <a:off x="0" y="0"/>
+          <a:ext cx="0" cy="0"/>
+          <a:chOff x="0" y="0"/>
+          <a:chExt cx="0" cy="0"/>
+        </a:xfrm>
+      </p:grpSpPr>
+      <p:sp>
+        <p:nvSpPr>
+          <p:cNvPr id="2" name="Title 1"/>
+          <p:cNvSpPr>
+            <a:spLocks noGrp="1"/>
+          </p:cNvSpPr>
+          <p:nvPr>
+            <p:ph type="title"/>
+          </p:nvPr>
+        </p:nvSpPr>
+        <p:spPr/>
+        <p:txBody>
+          <a:bodyPr/>
+          <a:lstStyle/>
+          <a:p>
+            <a:r>
+              <a:rPr lang="en-US" dirty="0" smtClean="0"/>
+              <a:t>Contents</a:t>
+            </a:r>
+            <a:endParaRPr lang="en-US" dirty="0"/>
+          </a:p>
+        </p:txBody>
+      </p:sp>
+      <p:sp>
+        <p:nvSpPr>
+          <p:cNvPr id="3" name="Content Placeholder 2"/>
+          <p:cNvSpPr>
+            <a:spLocks noGrp="1"/>
+          </p:cNvSpPr>
+          <p:nvPr>
+            <p:ph sz="quarter" idx="1"/>
+          </p:nvPr>
+        </p:nvSpPr>
+        <p:spPr/>
+        <p:txBody>
+          <a:bodyPr>
+            <a:normAutofit/>
+          </a:bodyPr>
+          <a:lstStyle/>
+          <a:p>
+            <a:r>
+              <a:rPr lang="en-US" dirty="0" smtClean="0"/>
+              <a:t>CPB and </a:t>
+            </a:r>
+            <a:r>
+              <a:rPr lang="en-US" dirty="0" err="1" smtClean="0"/>
+              <a:t>Zipf’s</a:t>
+            </a:r>
+            <a:r>
+              <a:rPr lang="en-US" dirty="0" smtClean="0"/>
+              <a:t> law</a:t>
+            </a:r>
+          </a:p>
+          <a:p>
+            <a:r>
+              <a:rPr lang="en-US" dirty="0" smtClean="0"/>
+              <a:t>Research question &amp; Approach</a:t>
+            </a:r>
+          </a:p>
+          <a:p>
+            <a:r>
+              <a:rPr lang="en-US" dirty="0" smtClean="0"/>
+              <a:t>Narrative</a:t>
+            </a:r>
+          </a:p>
+          <a:p>
+            <a:r>
+              <a:rPr lang="en-US" dirty="0" smtClean="0"/>
+              <a:t>Model logic </a:t>
+            </a:r>
+          </a:p>
+          <a:p>
+            <a:r>
+              <a:rPr lang="en-US" dirty="0" smtClean="0"/>
+              <a:t>Verification &amp; Validation</a:t>
+            </a:r>
+          </a:p>
+          <a:p>
+            <a:r>
+              <a:rPr lang="en-US" dirty="0"/>
+              <a:t>Experimental </a:t>
+            </a:r>
+            <a:r>
+              <a:rPr lang="en-US" dirty="0" smtClean="0"/>
+              <a:t>design</a:t>
+            </a:r>
+            <a:endParaRPr lang="en-US" dirty="0"/>
+          </a:p>
+          <a:p>
+            <a:r>
+              <a:rPr lang="en-US" dirty="0" smtClean="0"/>
+              <a:t>Model </a:t>
+            </a:r>
+            <a:r>
+              <a:rPr lang="en-US" dirty="0" smtClean="0"/>
+              <a:t>experimentation</a:t>
+            </a:r>
+            <a:endParaRPr lang="en-US" dirty="0" smtClean="0"/>
+          </a:p>
+          <a:p>
+            <a:r>
+              <a:rPr lang="en-US" dirty="0" smtClean="0"/>
+              <a:t>Conclusions</a:t>
+            </a:r>
+          </a:p>
+          <a:p>
+            <a:r>
+              <a:rPr lang="en-US" dirty="0"/>
+              <a:t>Future research</a:t>
+            </a:r>
+          </a:p>
+          <a:p>
+            <a:r>
+              <a:rPr lang="en-US" dirty="0" err="1" smtClean="0"/>
+              <a:t>Netlogo</a:t>
+            </a:r>
+            <a:r>
+              <a:rPr lang="en-US" dirty="0" smtClean="0"/>
+              <a:t> in practice</a:t>
+            </a:r>
+            <a:endParaRPr lang="en-US" dirty="0" smtClean="0"/>
+          </a:p>
+        </p:txBody>
+      </p:sp>
+    </p:spTree>
+    <p:extLst>
+      <p:ext uri="{BB962C8B-B14F-4D97-AF65-F5344CB8AC3E}">
+        <p14:creationId xmlns:p14="http://schemas.microsoft.com/office/powerpoint/2010/main" val="2561872779"/>
+      </p:ext>
+    </p:extLst>
+  </p:cSld>
+  <p:clrMapOvr>
+    <a:masterClrMapping/>
+  </p:clrMapOvr>
+  <mc:AlternateContent xmlns:mc="http://schemas.openxmlformats.org/markup-compatibility/2006">
+    <mc:Choice xmlns:p14="http://schemas.microsoft.com/office/powerpoint/2010/main" Requires="p14">
+      <p:transition spd="med" p14:dur="700">
+        <p:fade/>
+      </p:transition>
+    </mc:Choice>
+    <mc:Fallback>
+      <p:transition spd="med">
+        <p:fade/>
+      </p:transition>
+    </mc:Fallback>
+  </mc:AlternateContent>
+  <p:timing>
+    <p:tnLst>
+      <p:par>
+        <p:cTn id="1" dur="indefinite" restart="never" nodeType="tmRoot"/>
+      </p:par>
+    </p:tnLst>
+  </p:timing>
+</p:sld>
+</file>
+
+<file path=ppt/slides/slide3.xml><?xml version="1.0" encoding="utf-8"?>
+<p:sld xmlns:a="http://schemas.openxmlformats.org/drawingml/2006/main" xmlns:r="http://schemas.openxmlformats.org/officeDocument/2006/relationships" xmlns:p="http://schemas.openxmlformats.org/presentationml/2006/main">
+  <p:cSld>
+    <p:spTree>
+      <p:nvGrpSpPr>
+        <p:cNvPr id="1" name=""/>
+        <p:cNvGrpSpPr/>
+        <p:nvPr/>
+      </p:nvGrpSpPr>
+      <p:grpSpPr>
+        <a:xfrm>
+          <a:off x="0" y="0"/>
+          <a:ext cx="0" cy="0"/>
+          <a:chOff x="0" y="0"/>
+          <a:chExt cx="0" cy="0"/>
+        </a:xfrm>
+      </p:grpSpPr>
+      <p:sp>
+        <p:nvSpPr>
+          <p:cNvPr id="2" name="Title 1"/>
+          <p:cNvSpPr>
+            <a:spLocks noGrp="1"/>
+          </p:cNvSpPr>
+          <p:nvPr>
+            <p:ph type="title"/>
+          </p:nvPr>
+        </p:nvSpPr>
+        <p:spPr/>
+        <p:txBody>
+          <a:bodyPr/>
+          <a:lstStyle/>
+          <a:p>
+            <a:r>
+              <a:rPr lang="en-US" dirty="0" smtClean="0"/>
+              <a:t>CPB and </a:t>
+            </a:r>
+            <a:r>
+              <a:rPr lang="en-US" dirty="0" err="1" smtClean="0"/>
+              <a:t>Zipf’s</a:t>
+            </a:r>
+            <a:r>
+              <a:rPr lang="en-US" dirty="0" smtClean="0"/>
+              <a:t> Law</a:t>
+            </a:r>
+            <a:endParaRPr lang="en-US" dirty="0"/>
+          </a:p>
+        </p:txBody>
+      </p:sp>
+      <p:sp>
+        <p:nvSpPr>
+          <p:cNvPr id="3" name="Content Placeholder 2"/>
+          <p:cNvSpPr>
+            <a:spLocks noGrp="1"/>
+          </p:cNvSpPr>
+          <p:nvPr>
+            <p:ph sz="quarter" idx="1"/>
+          </p:nvPr>
+        </p:nvSpPr>
+        <p:spPr/>
+        <p:txBody>
+          <a:bodyPr/>
+          <a:lstStyle/>
+          <a:p>
+            <a:r>
+              <a:rPr lang="en-US" dirty="0" smtClean="0"/>
+              <a:t>The largest cities in a country show a </a:t>
+            </a:r>
+            <a:r>
+              <a:rPr lang="en-US" dirty="0" err="1" smtClean="0"/>
+              <a:t>Zipfian</a:t>
+            </a:r>
+            <a:r>
+              <a:rPr lang="en-US" dirty="0" smtClean="0"/>
+              <a:t> distribution</a:t>
+            </a:r>
+          </a:p>
+          <a:p>
+            <a:endParaRPr lang="en-US" dirty="0"/>
+          </a:p>
+        </p:txBody>
+      </p:sp>
+      <p:pic>
+        <p:nvPicPr>
+          <p:cNvPr id="5" name="Picture 4"/>
+          <p:cNvPicPr>
+            <a:picLocks noChangeAspect="1" noChangeArrowheads="1"/>
+          </p:cNvPicPr>
+          <p:nvPr/>
+        </p:nvPicPr>
+        <p:blipFill>
+          <a:blip r:embed="rId2">
+            <a:extLst>
+              <a:ext uri="{28A0092B-C50C-407E-A947-70E740481C1C}">
+                <a14:useLocalDpi xmlns:a14="http://schemas.microsoft.com/office/drawing/2010/main" val="0"/>
+              </a:ext>
+            </a:extLst>
+          </a:blip>
+          <a:srcRect/>
+          <a:stretch>
+            <a:fillRect/>
+          </a:stretch>
+        </p:blipFill>
+        <p:spPr bwMode="auto">
+          <a:xfrm>
+            <a:off x="1824038" y="2438400"/>
+            <a:ext cx="5262562" cy="4285579"/>
+          </a:xfrm>
+          <a:prstGeom prst="rect">
+            <a:avLst/>
+          </a:prstGeom>
+          <a:noFill/>
+          <a:ln>
+            <a:noFill/>
+          </a:ln>
+          <a:extLst>
+            <a:ext uri="{909E8E84-426E-40DD-AFC4-6F175D3DCCD1}">
+              <a14:hiddenFill xmlns:a14="http://schemas.microsoft.com/office/drawing/2010/main">
+                <a:solidFill>
+                  <a:schemeClr val="accent1"/>
+                </a:solidFill>
+              </a14:hiddenFill>
+            </a:ext>
+            <a:ext uri="{91240B29-F687-4F45-9708-019B960494DF}">
+              <a14:hiddenLine xmlns:a14="http://schemas.microsoft.com/office/drawing/2010/main" w="9525">
+                <a:solidFill>
+                  <a:schemeClr val="tx1"/>
+                </a:solidFill>
+                <a:miter lim="800000"/>
+                <a:headEnd/>
+                <a:tailEnd/>
+              </a14:hiddenLine>
+            </a:ext>
+          </a:extLst>
+        </p:spPr>
+      </p:pic>
+      <p:sp>
+        <p:nvSpPr>
+          <p:cNvPr id="9" name="Content Placeholder 2"/>
+          <p:cNvSpPr txBox="1">
+            <a:spLocks/>
+          </p:cNvSpPr>
+          <p:nvPr/>
+        </p:nvSpPr>
+        <p:spPr>
+          <a:xfrm>
+            <a:off x="457200" y="1600200"/>
+            <a:ext cx="7467600" cy="4873752"/>
+          </a:xfrm>
+          <a:prstGeom prst="rect">
+            <a:avLst/>
+          </a:prstGeom>
+        </p:spPr>
+        <p:txBody>
+          <a:bodyPr vert="horz">
+            <a:normAutofit/>
+          </a:bodyPr>
+          <a:lstStyle>
+            <a:lvl1pPr marL="274320" indent="-274320" algn="l" rtl="0" eaLnBrk="1" latinLnBrk="0" hangingPunct="1">
+              <a:spcBef>
+                <a:spcPts val="600"/>
+              </a:spcBef>
+              <a:buClr>
+                <a:schemeClr val="accent1"/>
+              </a:buClr>
+              <a:buSzPct val="70000"/>
+              <a:buFont typeface="Wingdings"/>
+              <a:buChar char=""/>
+              <a:defRPr kumimoji="0" sz="2400" kern="1200">
+                <a:solidFill>
+                  <a:schemeClr val="tx1"/>
+                </a:solidFill>
+                <a:latin typeface="+mn-lt"/>
+                <a:ea typeface="+mn-ea"/>
+                <a:cs typeface="+mn-cs"/>
+              </a:defRPr>
+            </a:lvl1pPr>
+            <a:lvl2pPr marL="640080" indent="-274320" algn="l" rtl="0" eaLnBrk="1" latinLnBrk="0" hangingPunct="1">
+              <a:spcBef>
+                <a:spcPct val="20000"/>
+              </a:spcBef>
+              <a:buClr>
+                <a:schemeClr val="accent1"/>
+              </a:buClr>
+              <a:buSzPct val="80000"/>
+              <a:buFont typeface="Wingdings 2"/>
+              <a:buChar char=""/>
+              <a:defRPr kumimoji="0" sz="2100" kern="1200">
+                <a:solidFill>
+                  <a:schemeClr val="tx1"/>
+                </a:solidFill>
+                <a:latin typeface="+mn-lt"/>
+                <a:ea typeface="+mn-ea"/>
+                <a:cs typeface="+mn-cs"/>
+              </a:defRPr>
+            </a:lvl2pPr>
+            <a:lvl3pPr marL="914400" indent="-182880" algn="l" rtl="0" eaLnBrk="1" latinLnBrk="0" hangingPunct="1">
+              <a:spcBef>
+                <a:spcPct val="20000"/>
+              </a:spcBef>
+              <a:buClr>
+                <a:schemeClr val="accent1">
+                  <a:shade val="75000"/>
+                </a:schemeClr>
+              </a:buClr>
+              <a:buSzPct val="60000"/>
+              <a:buFont typeface="Wingdings"/>
+              <a:buChar char=""/>
+              <a:defRPr kumimoji="0" sz="1800" kern="1200">
+                <a:solidFill>
+                  <a:schemeClr val="tx1"/>
+                </a:solidFill>
+                <a:latin typeface="+mn-lt"/>
+                <a:ea typeface="+mn-ea"/>
+                <a:cs typeface="+mn-cs"/>
+              </a:defRPr>
+            </a:lvl3pPr>
+            <a:lvl4pPr marL="1188720" indent="-182880" algn="l" rtl="0" eaLnBrk="1" latinLnBrk="0" hangingPunct="1">
+              <a:spcBef>
+                <a:spcPct val="20000"/>
+              </a:spcBef>
+              <a:buClr>
+                <a:schemeClr val="accent1">
+                  <a:tint val="60000"/>
+                </a:schemeClr>
+              </a:buClr>
+              <a:buSzPct val="60000"/>
+              <a:buFont typeface="Wingdings"/>
+              <a:buChar char=""/>
+              <a:defRPr kumimoji="0" sz="1800" kern="1200">
+                <a:solidFill>
+                  <a:schemeClr val="tx1"/>
+                </a:solidFill>
+                <a:latin typeface="+mn-lt"/>
+                <a:ea typeface="+mn-ea"/>
+                <a:cs typeface="+mn-cs"/>
+              </a:defRPr>
+            </a:lvl4pPr>
+            <a:lvl5pPr marL="1463040" indent="-182880" algn="l" rtl="0" eaLnBrk="1" latinLnBrk="0" hangingPunct="1">
+              <a:spcBef>
+                <a:spcPct val="20000"/>
+              </a:spcBef>
+              <a:buClr>
+                <a:schemeClr val="accent2">
+                  <a:tint val="60000"/>
+                </a:schemeClr>
+              </a:buClr>
+              <a:buSzPct val="68000"/>
+              <a:buFont typeface="Wingdings 2"/>
+              <a:buChar char=""/>
+              <a:defRPr kumimoji="0" sz="1600" kern="1200">
+                <a:solidFill>
+                  <a:schemeClr val="tx1"/>
+                </a:solidFill>
+                <a:latin typeface="+mn-lt"/>
+                <a:ea typeface="+mn-ea"/>
+                <a:cs typeface="+mn-cs"/>
+              </a:defRPr>
+            </a:lvl5pPr>
+            <a:lvl6pPr marL="1737360" indent="-182880" algn="l" rtl="0" eaLnBrk="1" latinLnBrk="0" hangingPunct="1">
+              <a:spcBef>
+                <a:spcPct val="20000"/>
+              </a:spcBef>
+              <a:buClr>
+                <a:schemeClr val="accent1"/>
+              </a:buClr>
+              <a:buChar char="•"/>
+              <a:defRPr kumimoji="0" sz="1600" kern="1200">
+                <a:solidFill>
+                  <a:schemeClr val="tx2"/>
+                </a:solidFill>
+                <a:latin typeface="+mn-lt"/>
+                <a:ea typeface="+mn-ea"/>
+                <a:cs typeface="+mn-cs"/>
+              </a:defRPr>
+            </a:lvl6pPr>
+            <a:lvl7pPr marL="2011680" indent="-182880" algn="l" rtl="0" eaLnBrk="1" latinLnBrk="0" hangingPunct="1">
+              <a:spcBef>
+                <a:spcPct val="20000"/>
+              </a:spcBef>
+              <a:buClr>
+                <a:schemeClr val="accent1">
+                  <a:tint val="60000"/>
+                </a:schemeClr>
+              </a:buClr>
+              <a:buSzPct val="60000"/>
+              <a:buFont typeface="Wingdings"/>
+              <a:buChar char=""/>
+              <a:defRPr kumimoji="0" sz="1400" kern="1200" baseline="0">
+                <a:solidFill>
+                  <a:schemeClr val="tx2"/>
+                </a:solidFill>
+                <a:latin typeface="+mn-lt"/>
+                <a:ea typeface="+mn-ea"/>
+                <a:cs typeface="+mn-cs"/>
+              </a:defRPr>
+            </a:lvl7pPr>
+            <a:lvl8pPr marL="2286000" indent="-182880" algn="l" rtl="0" eaLnBrk="1" latinLnBrk="0" hangingPunct="1">
+              <a:spcBef>
+                <a:spcPct val="20000"/>
+              </a:spcBef>
+              <a:buClr>
+                <a:schemeClr val="accent2"/>
+              </a:buClr>
+              <a:buChar char="•"/>
+              <a:defRPr kumimoji="0" sz="1400" kern="1200" cap="small" baseline="0">
+                <a:solidFill>
+                  <a:schemeClr val="tx2"/>
+                </a:solidFill>
+                <a:latin typeface="+mn-lt"/>
+                <a:ea typeface="+mn-ea"/>
+                <a:cs typeface="+mn-cs"/>
+              </a:defRPr>
+            </a:lvl8pPr>
+            <a:lvl9pPr marL="2560320" indent="-182880" algn="l" rtl="0" eaLnBrk="1" latinLnBrk="0" hangingPunct="1">
+              <a:spcBef>
+                <a:spcPct val="20000"/>
+              </a:spcBef>
+              <a:buClr>
+                <a:schemeClr val="accent1">
+                  <a:shade val="75000"/>
+                </a:schemeClr>
+              </a:buClr>
+              <a:buChar char="•"/>
+              <a:defRPr kumimoji="0" sz="1400" kern="1200" baseline="0">
+                <a:solidFill>
+                  <a:schemeClr val="tx2"/>
+                </a:solidFill>
+                <a:latin typeface="+mn-lt"/>
+                <a:ea typeface="+mn-ea"/>
+                <a:cs typeface="+mn-cs"/>
+              </a:defRPr>
+            </a:lvl9pPr>
+          </a:lstStyle>
+          <a:p>
+            <a:r>
+              <a:rPr lang="en-US" dirty="0" smtClean="0"/>
+              <a:t>CPB:</a:t>
+            </a:r>
+          </a:p>
+          <a:p>
+            <a:pPr lvl="1"/>
+            <a:r>
+              <a:rPr lang="en-US" dirty="0" smtClean="0"/>
+              <a:t>Can we influence this type of city growth?</a:t>
+            </a:r>
+          </a:p>
+          <a:p>
+            <a:pPr lvl="1"/>
+            <a:r>
+              <a:rPr lang="en-US" dirty="0" smtClean="0"/>
+              <a:t>Can we design policies knowing this type of behaviour occurs?</a:t>
+            </a:r>
+          </a:p>
+          <a:p>
+            <a:pPr lvl="1"/>
+            <a:r>
+              <a:rPr lang="en-US" dirty="0" smtClean="0"/>
+              <a:t>What causes the </a:t>
+            </a:r>
+            <a:r>
+              <a:rPr lang="en-US" dirty="0" err="1" smtClean="0"/>
+              <a:t>Zipf’s</a:t>
+            </a:r>
+            <a:r>
+              <a:rPr lang="en-US" dirty="0" smtClean="0"/>
+              <a:t> law to emerge?</a:t>
+            </a:r>
+            <a:endParaRPr lang="en-US" dirty="0"/>
+          </a:p>
+        </p:txBody>
+      </p:sp>
+      <p:pic>
+        <p:nvPicPr>
+          <p:cNvPr id="10" name="Picture 9"/>
+          <p:cNvPicPr>
+            <a:picLocks noChangeAspect="1"/>
+          </p:cNvPicPr>
+          <p:nvPr/>
+        </p:nvPicPr>
+        <p:blipFill>
+          <a:blip r:embed="rId3">
+            <a:extLst>
+              <a:ext uri="{28A0092B-C50C-407E-A947-70E740481C1C}">
+                <a14:useLocalDpi xmlns:a14="http://schemas.microsoft.com/office/drawing/2010/main" val="0"/>
+              </a:ext>
+            </a:extLst>
+          </a:blip>
+          <a:stretch>
+            <a:fillRect/>
+          </a:stretch>
+        </p:blipFill>
+        <p:spPr>
+          <a:xfrm>
+            <a:off x="1905000" y="2605643"/>
+            <a:ext cx="5144250" cy="3493347"/>
+          </a:xfrm>
+          <a:prstGeom prst="rect">
+            <a:avLst/>
+          </a:prstGeom>
+        </p:spPr>
+      </p:pic>
+    </p:spTree>
+    <p:extLst>
+      <p:ext uri="{BB962C8B-B14F-4D97-AF65-F5344CB8AC3E}">
+        <p14:creationId xmlns:p14="http://schemas.microsoft.com/office/powerpoint/2010/main" val="3851000482"/>
+      </p:ext>
+    </p:extLst>
+  </p:cSld>
+  <p:clrMapOvr>
+    <a:masterClrMapping/>
+  </p:clrMapOvr>
+  <mc:AlternateContent xmlns:mc="http://schemas.openxmlformats.org/markup-compatibility/2006">
+    <mc:Choice xmlns:p14="http://schemas.microsoft.com/office/powerpoint/2010/main" Requires="p14">
+      <p:transition spd="med" p14:dur="700">
+        <p:fade/>
+      </p:transition>
+    </mc:Choice>
+    <mc:Fallback>
+      <p:transition spd="med">
+        <p:fade/>
+      </p:transition>
+    </mc:Fallback>
+  </mc:AlternateContent>
+  <p:timing>
+    <p:tnLst>
+      <p:par>
+        <p:cTn id="1" dur="indefinite" restart="never" nodeType="tmRoot">
+          <p:childTnLst>
+            <p:seq concurrent="1" nextAc="seek">
+              <p:cTn id="2" dur="indefinite" nodeType="mainSeq">
+                <p:childTnLst>
+                  <p:par>
+                    <p:cTn id="3" fill="hold">
+                      <p:stCondLst>
+                        <p:cond delay="indefinite"/>
+                      </p:stCondLst>
+                      <p:childTnLst>
+                        <p:par>
+                          <p:cTn id="4" fill="hold">
+                            <p:stCondLst>
+                              <p:cond delay="0"/>
+                            </p:stCondLst>
+                            <p:childTnLst>
+                              <p:par>
+                                <p:cTn id="5" presetID="10" presetClass="entr" presetSubtype="0" fill="hold" nodeType="clickEffect">
+                                  <p:stCondLst>
+                                    <p:cond delay="0"/>
+                                  </p:stCondLst>
+                                  <p:childTnLst>
+                                    <p:set>
+                                      <p:cBhvr>
+                                        <p:cTn id="6" dur="1" fill="hold">
+                                          <p:stCondLst>
+                                            <p:cond delay="0"/>
+                                          </p:stCondLst>
+                                        </p:cTn>
+                                        <p:tgtEl>
+                                          <p:spTgt spid="10"/>
+                                        </p:tgtEl>
+                                        <p:attrNameLst>
+                                          <p:attrName>style.visibility</p:attrName>
+                                        </p:attrNameLst>
+                                      </p:cBhvr>
+                                      <p:to>
+                                        <p:strVal val="visible"/>
+                                      </p:to>
+                                    </p:set>
+                                    <p:animEffect transition="in" filter="fade">
+                                      <p:cBhvr>
+                                        <p:cTn id="7" dur="500"/>
+                                        <p:tgtEl>
+                                          <p:spTgt spid="10"/>
+                                        </p:tgtEl>
+                                      </p:cBhvr>
+                                    </p:animEffect>
+                                  </p:childTnLst>
+                                </p:cTn>
+                              </p:par>
+                            </p:childTnLst>
+                          </p:cTn>
+                        </p:par>
+                      </p:childTnLst>
+                    </p:cTn>
+                  </p:par>
+                  <p:par>
+                    <p:cTn id="8" fill="hold">
+                      <p:stCondLst>
+                        <p:cond delay="indefinite"/>
+                      </p:stCondLst>
+                      <p:childTnLst>
+                        <p:par>
+                          <p:cTn id="9" fill="hold">
+                            <p:stCondLst>
+                              <p:cond delay="0"/>
+                            </p:stCondLst>
+                            <p:childTnLst>
+                              <p:par>
+                                <p:cTn id="10" presetID="10" presetClass="entr" presetSubtype="0" fill="hold" nodeType="clickEffect">
+                                  <p:stCondLst>
+                                    <p:cond delay="0"/>
+                                  </p:stCondLst>
+                                  <p:childTnLst>
+                                    <p:set>
+                                      <p:cBhvr>
+                                        <p:cTn id="11" dur="1" fill="hold">
+                                          <p:stCondLst>
+                                            <p:cond delay="0"/>
+                                          </p:stCondLst>
+                                        </p:cTn>
+                                        <p:tgtEl>
+                                          <p:spTgt spid="5"/>
+                                        </p:tgtEl>
+                                        <p:attrNameLst>
+                                          <p:attrName>style.visibility</p:attrName>
+                                        </p:attrNameLst>
+                                      </p:cBhvr>
+                                      <p:to>
+                                        <p:strVal val="visible"/>
+                                      </p:to>
+                                    </p:set>
+                                    <p:animEffect transition="in" filter="fade">
+                                      <p:cBhvr>
+                                        <p:cTn id="12" dur="500"/>
+                                        <p:tgtEl>
+                                          <p:spTgt spid="5"/>
+                                        </p:tgtEl>
+                                      </p:cBhvr>
+                                    </p:animEffect>
+                                  </p:childTnLst>
+                                </p:cTn>
+                              </p:par>
+                              <p:par>
+                                <p:cTn id="13" presetID="10" presetClass="exit" presetSubtype="0" fill="hold" nodeType="withEffect">
+                                  <p:stCondLst>
+                                    <p:cond delay="0"/>
+                                  </p:stCondLst>
+                                  <p:childTnLst>
+                                    <p:animEffect transition="out" filter="fade">
+                                      <p:cBhvr>
+                                        <p:cTn id="14" dur="500"/>
+                                        <p:tgtEl>
+                                          <p:spTgt spid="10"/>
+                                        </p:tgtEl>
+                                      </p:cBhvr>
+                                    </p:animEffect>
+                                    <p:set>
+                                      <p:cBhvr>
+                                        <p:cTn id="15" dur="1" fill="hold">
+                                          <p:stCondLst>
+                                            <p:cond delay="499"/>
+                                          </p:stCondLst>
+                                        </p:cTn>
+                                        <p:tgtEl>
+                                          <p:spTgt spid="10"/>
                                         </p:tgtEl>
                                         <p:attrNameLst>
                                           <p:attrName>style.visibility</p:attrName>
@@ -17890,32 +19325,67 @@
                     </p:cTn>
                   </p:par>
                   <p:par>
-                    <p:cTn id="23" fill="hold">
+                    <p:cTn id="16" fill="hold">
                       <p:stCondLst>
                         <p:cond delay="indefinite"/>
                       </p:stCondLst>
                       <p:childTnLst>
                         <p:par>
-                          <p:cTn id="24" fill="hold">
+                          <p:cTn id="17" fill="hold">
                             <p:stCondLst>
                               <p:cond delay="0"/>
                             </p:stCondLst>
                             <p:childTnLst>
                               <p:par>
-                                <p:cTn id="25" presetID="10" presetClass="entr" presetSubtype="0" fill="hold" nodeType="clickEffect">
+                                <p:cTn id="18" presetID="10" presetClass="exit" presetSubtype="0" fill="hold" nodeType="clickEffect">
+                                  <p:stCondLst>
+                                    <p:cond delay="0"/>
+                                  </p:stCondLst>
+                                  <p:childTnLst>
+                                    <p:animEffect transition="out" filter="fade">
+                                      <p:cBhvr>
+                                        <p:cTn id="19" dur="500"/>
+                                        <p:tgtEl>
+                                          <p:spTgt spid="5"/>
+                                        </p:tgtEl>
+                                      </p:cBhvr>
+                                    </p:animEffect>
+                                    <p:set>
+                                      <p:cBhvr>
+                                        <p:cTn id="20" dur="1" fill="hold">
+                                          <p:stCondLst>
+                                            <p:cond delay="499"/>
+                                          </p:stCondLst>
+                                        </p:cTn>
+                                        <p:tgtEl>
+                                          <p:spTgt spid="5"/>
+                                        </p:tgtEl>
+                                        <p:attrNameLst>
+                                          <p:attrName>style.visibility</p:attrName>
+                                        </p:attrNameLst>
+                                      </p:cBhvr>
+                                      <p:to>
+                                        <p:strVal val="hidden"/>
+                                      </p:to>
+                                    </p:set>
+                                  </p:childTnLst>
+                                </p:cTn>
+                              </p:par>
+                              <p:par>
+                                <p:cTn id="21" presetID="10" presetClass="entr" presetSubtype="0" fill="hold" grpId="0" nodeType="withEffect">
                                   <p:stCondLst>
                                     <p:cond delay="0"/>
                                   </p:stCondLst>
                                   <p:childTnLst>
                                     <p:set>
                                       <p:cBhvr>
-                                        <p:cTn id="26" dur="1" fill="hold">
+                                        <p:cTn id="22" dur="1" fill="hold">
                                           <p:stCondLst>
                                             <p:cond delay="0"/>
                                           </p:stCondLst>
                                         </p:cTn>
                                         <p:tgtEl>
-                                          <p:spTgt spid="7"/>
+                                          <p:spTgt spid="9"/>
                                         </p:tgtEl>
                                         <p:attrNameLst>
                                           <p:attrName>style.visibility</p:attrName>
@@ -17927,9 +19397,9 @@
                                     </p:set>
                                     <p:animEffect transition="in" filter="fade">
                                       <p:cBhvr>
-                                        <p:cTn id="27" dur="500"/>
+                                        <p:cTn id="23" dur="500"/>
                                         <p:tgtEl>
-                                          <p:spTgt spid="7"/>
+                                          <p:spTgt spid="9"/>
                                         </p:tgtEl>
                                       </p:cBhvr>
                                     </p:animEffect>
@@ -17937,28 +19407,36 @@
                                 </p:cTn>
                               </p:par>
                               <p:par>
-                                <p:cTn id="28" presetID="10" presetClass="exit" presetSubtype="0" fill="hold" nodeType="withEffect">
+                                <p:cTn id="24" presetID="10" presetClass="exit" presetSubtype="0" fill="hold" grpId="0" nodeType="withEffect">
                                   <p:stCondLst>
                                     <p:cond delay="0"/>
                                   </p:stCondLst>
                                   <p:childTnLst>
                                     <p:animEffect transition="out" filter="fade">
                                       <p:cBhvr>
-                                        <p:cTn id="29" dur="500"/>
+                                        <p:cTn id="25" dur="500"/>
                                         <p:tgtEl>
-                                          <p:spTgt spid="5"/>
+                                          <p:spTgt spid="3">
+                                            <p:txEl>
+                                              <p:pRg st="0" end="0"/>
+                                            </p:txEl>
+                                          </p:spTgt>
                                         </p:tgtEl>
                                       </p:cBhvr>
                                     </p:animEffect>
                                     <p:set>
                                       <p:cBhvr>
-                                        <p:cTn id="30" dur="1" fill="hold">
+                                        <p:cTn id="26" dur="1" fill="hold">
                                           <p:stCondLst>
                                             <p:cond delay="499"/>
                                           </p:stCondLst>
                                         </p:cTn>
                                         <p:tgtEl>
-                                          <p:spTgt spid="5"/>
+                                          <p:spTgt spid="3">
+                                            <p:txEl>
+                                              <p:pRg st="0" end="0"/>
+                                            </p:txEl>
+                                          </p:spTgt>
                                         </p:tgtEl>
                                         <p:attrNameLst>
                                           <p:attrName>style.visibility</p:attrName>
@@ -18000,6 +19478,7 @@
     </p:tnLst>
     <p:bldLst>
       <p:bldP spid="3" grpId="0" uiExpand="1" build="p"/>
+      <p:bldP spid="9" grpId="0"/>
     </p:bldLst>
   </p:timing>
 </p:sld>
@@ -18055,7 +19534,12 @@
             <p:ph sz="quarter" idx="1"/>
           </p:nvPr>
         </p:nvSpPr>
-        <p:spPr/>
+        <p:spPr>
+          <a:xfrm>
+            <a:off x="457200" y="1600200"/>
+            <a:ext cx="7696200" cy="4873752"/>
+          </a:xfrm>
+        </p:spPr>
         <p:txBody>
           <a:bodyPr>
             <a:normAutofit/>
@@ -18118,14 +19602,25 @@
             <a:pPr lvl="1"/>
             <a:r>
               <a:rPr lang="en-US" dirty="0" smtClean="0"/>
-              <a:t>Based on what decisions would we move?</a:t>
-            </a:r>
-          </a:p>
-          <a:p>
-            <a:pPr lvl="1"/>
+              <a:t>Literature research</a:t>
+            </a:r>
             <a:r>
               <a:rPr lang="en-US" dirty="0" smtClean="0"/>
-              <a:t>Literature research</a:t>
+              <a:t>: for what reasons do people move?</a:t>
+            </a:r>
+          </a:p>
+          <a:p>
+            <a:pPr lvl="2"/>
+            <a:r>
+              <a:rPr lang="en-US" dirty="0" smtClean="0"/>
+              <a:t>Stage of Life </a:t>
+            </a:r>
+          </a:p>
+          <a:p>
+            <a:pPr lvl="2"/>
+            <a:r>
+              <a:rPr lang="en-US" dirty="0" smtClean="0"/>
+              <a:t>Job opportunities</a:t>
             </a:r>
             <a:endParaRPr lang="en-US" dirty="0"/>
           </a:p>
@@ -18141,13 +19636,13 @@
   <p:clrMapOvr>
     <a:masterClrMapping/>
   </p:clrMapOvr>
-  <mc:AlternateContent xmlns:mc="http://schemas.openxmlformats.org/markup-compatibility/2006" xmlns:p14="http://schemas.microsoft.com/office/powerpoint/2010/main">
-    <mc:Choice Requires="p14">
+  <mc:AlternateContent xmlns:mc="http://schemas.openxmlformats.org/markup-compatibility/2006">
+    <mc:Choice xmlns:p14="http://schemas.microsoft.com/office/powerpoint/2010/main" Requires="p14">
       <p:transition spd="med" p14:dur="700">
         <p:fade/>
       </p:transition>
     </mc:Choice>
-    <mc:Fallback xmlns="">
+    <mc:Fallback>
       <p:transition spd="med">
         <p:fade/>
       </p:transition>
@@ -18408,36 +19903,6 @@
       </p:sp>
       <p:sp>
         <p:nvSpPr>
-          <p:cNvPr id="27" name="TextBox 26"/>
-          <p:cNvSpPr txBox="1"/>
-          <p:nvPr/>
-        </p:nvSpPr>
-        <p:spPr>
-          <a:xfrm>
-            <a:off x="1676400" y="2768025"/>
-            <a:ext cx="1219200" cy="584775"/>
-          </a:xfrm>
-          <a:prstGeom prst="rect">
-            <a:avLst/>
-          </a:prstGeom>
-          <a:noFill/>
-        </p:spPr>
-        <p:txBody>
-          <a:bodyPr wrap="square" rtlCol="0">
-            <a:spAutoFit/>
-          </a:bodyPr>
-          <a:lstStyle/>
-          <a:p>
-            <a:r>
-              <a:rPr lang="en-US" sz="1600" dirty="0" smtClean="0"/>
-              <a:t>Children grow up</a:t>
-            </a:r>
-            <a:endParaRPr lang="en-US" sz="1600" dirty="0"/>
-          </a:p>
-        </p:txBody>
-      </p:sp>
-      <p:sp>
-        <p:nvSpPr>
           <p:cNvPr id="28" name="TextBox 27"/>
           <p:cNvSpPr txBox="1"/>
           <p:nvPr/>
@@ -18486,13 +19951,13 @@
   <p:clrMapOvr>
     <a:masterClrMapping/>
   </p:clrMapOvr>
-  <mc:AlternateContent xmlns:mc="http://schemas.openxmlformats.org/markup-compatibility/2006" xmlns:p14="http://schemas.microsoft.com/office/powerpoint/2010/main">
-    <mc:Choice Requires="p14">
+  <mc:AlternateContent xmlns:mc="http://schemas.openxmlformats.org/markup-compatibility/2006">
+    <mc:Choice xmlns:p14="http://schemas.microsoft.com/office/powerpoint/2010/main" Requires="p14">
       <p:transition spd="med" p14:dur="700">
         <p:fade/>
       </p:transition>
     </mc:Choice>
-    <mc:Fallback xmlns="">
+    <mc:Fallback>
       <p:transition spd="med">
         <p:fade/>
       </p:transition>
@@ -18501,9 +19966,304 @@
   <p:timing>
     <p:tnLst>
       <p:par>
-        <p:cTn id="1" dur="indefinite" restart="never" nodeType="tmRoot"/>
+        <p:cTn id="1" dur="indefinite" restart="never" nodeType="tmRoot">
+          <p:childTnLst>
+            <p:seq concurrent="1" nextAc="seek">
+              <p:cTn id="2" dur="indefinite" nodeType="mainSeq">
+                <p:childTnLst>
+                  <p:par>
+                    <p:cTn id="3" fill="hold">
+                      <p:stCondLst>
+                        <p:cond delay="indefinite"/>
+                      </p:stCondLst>
+                      <p:childTnLst>
+                        <p:par>
+                          <p:cTn id="4" fill="hold">
+                            <p:stCondLst>
+                              <p:cond delay="0"/>
+                            </p:stCondLst>
+                            <p:childTnLst>
+                              <p:par>
+                                <p:cTn id="5" presetID="10" presetClass="entr" presetSubtype="0" fill="hold" grpId="0" nodeType="clickEffect">
+                                  <p:stCondLst>
+                                    <p:cond delay="0"/>
+                                  </p:stCondLst>
+                                  <p:childTnLst>
+                                    <p:set>
+                                      <p:cBhvr>
+                                        <p:cTn id="6" dur="1" fill="hold">
+                                          <p:stCondLst>
+                                            <p:cond delay="0"/>
+                                          </p:stCondLst>
+                                        </p:cTn>
+                                        <p:tgtEl>
+                                          <p:spTgt spid="24"/>
+                                        </p:tgtEl>
+                                        <p:attrNameLst>
+                                          <p:attrName>style.visibility</p:attrName>
+                                        </p:attrNameLst>
+                                      </p:cBhvr>
+                                      <p:to>
+                                        <p:strVal val="visible"/>
+                                      </p:to>
+                                    </p:set>
+                                    <p:animEffect transition="in" filter="fade">
+                                      <p:cBhvr>
+                                        <p:cTn id="7" dur="500"/>
+                                        <p:tgtEl>
+                                          <p:spTgt spid="24"/>
+                                        </p:tgtEl>
+                                      </p:cBhvr>
+                                    </p:animEffect>
+                                  </p:childTnLst>
+                                </p:cTn>
+                              </p:par>
+                            </p:childTnLst>
+                          </p:cTn>
+                        </p:par>
+                      </p:childTnLst>
+                    </p:cTn>
+                  </p:par>
+                  <p:par>
+                    <p:cTn id="8" fill="hold">
+                      <p:stCondLst>
+                        <p:cond delay="indefinite"/>
+                      </p:stCondLst>
+                      <p:childTnLst>
+                        <p:par>
+                          <p:cTn id="9" fill="hold">
+                            <p:stCondLst>
+                              <p:cond delay="0"/>
+                            </p:stCondLst>
+                            <p:childTnLst>
+                              <p:par>
+                                <p:cTn id="10" presetID="10" presetClass="entr" presetSubtype="0" fill="hold" grpId="0" nodeType="clickEffect">
+                                  <p:stCondLst>
+                                    <p:cond delay="0"/>
+                                  </p:stCondLst>
+                                  <p:childTnLst>
+                                    <p:set>
+                                      <p:cBhvr>
+                                        <p:cTn id="11" dur="1" fill="hold">
+                                          <p:stCondLst>
+                                            <p:cond delay="0"/>
+                                          </p:stCondLst>
+                                        </p:cTn>
+                                        <p:tgtEl>
+                                          <p:spTgt spid="28"/>
+                                        </p:tgtEl>
+                                        <p:attrNameLst>
+                                          <p:attrName>style.visibility</p:attrName>
+                                        </p:attrNameLst>
+                                      </p:cBhvr>
+                                      <p:to>
+                                        <p:strVal val="visible"/>
+                                      </p:to>
+                                    </p:set>
+                                    <p:animEffect transition="in" filter="fade">
+                                      <p:cBhvr>
+                                        <p:cTn id="12" dur="500"/>
+                                        <p:tgtEl>
+                                          <p:spTgt spid="28"/>
+                                        </p:tgtEl>
+                                      </p:cBhvr>
+                                    </p:animEffect>
+                                  </p:childTnLst>
+                                </p:cTn>
+                              </p:par>
+                            </p:childTnLst>
+                          </p:cTn>
+                        </p:par>
+                      </p:childTnLst>
+                    </p:cTn>
+                  </p:par>
+                  <p:par>
+                    <p:cTn id="13" fill="hold">
+                      <p:stCondLst>
+                        <p:cond delay="indefinite"/>
+                      </p:stCondLst>
+                      <p:childTnLst>
+                        <p:par>
+                          <p:cTn id="14" fill="hold">
+                            <p:stCondLst>
+                              <p:cond delay="0"/>
+                            </p:stCondLst>
+                            <p:childTnLst>
+                              <p:par>
+                                <p:cTn id="15" presetID="10" presetClass="entr" presetSubtype="0" fill="hold" grpId="0" nodeType="clickEffect">
+                                  <p:stCondLst>
+                                    <p:cond delay="0"/>
+                                  </p:stCondLst>
+                                  <p:childTnLst>
+                                    <p:set>
+                                      <p:cBhvr>
+                                        <p:cTn id="16" dur="1" fill="hold">
+                                          <p:stCondLst>
+                                            <p:cond delay="0"/>
+                                          </p:stCondLst>
+                                        </p:cTn>
+                                        <p:tgtEl>
+                                          <p:spTgt spid="25"/>
+                                        </p:tgtEl>
+                                        <p:attrNameLst>
+                                          <p:attrName>style.visibility</p:attrName>
+                                        </p:attrNameLst>
+                                      </p:cBhvr>
+                                      <p:to>
+                                        <p:strVal val="visible"/>
+                                      </p:to>
+                                    </p:set>
+                                    <p:animEffect transition="in" filter="fade">
+                                      <p:cBhvr>
+                                        <p:cTn id="17" dur="500"/>
+                                        <p:tgtEl>
+                                          <p:spTgt spid="25"/>
+                                        </p:tgtEl>
+                                      </p:cBhvr>
+                                    </p:animEffect>
+                                  </p:childTnLst>
+                                </p:cTn>
+                              </p:par>
+                            </p:childTnLst>
+                          </p:cTn>
+                        </p:par>
+                      </p:childTnLst>
+                    </p:cTn>
+                  </p:par>
+                  <p:par>
+                    <p:cTn id="18" fill="hold">
+                      <p:stCondLst>
+                        <p:cond delay="indefinite"/>
+                      </p:stCondLst>
+                      <p:childTnLst>
+                        <p:par>
+                          <p:cTn id="19" fill="hold">
+                            <p:stCondLst>
+                              <p:cond delay="0"/>
+                            </p:stCondLst>
+                            <p:childTnLst>
+                              <p:par>
+                                <p:cTn id="20" presetID="10" presetClass="entr" presetSubtype="0" fill="hold" grpId="0" nodeType="clickEffect">
+                                  <p:stCondLst>
+                                    <p:cond delay="0"/>
+                                  </p:stCondLst>
+                                  <p:childTnLst>
+                                    <p:set>
+                                      <p:cBhvr>
+                                        <p:cTn id="21" dur="1" fill="hold">
+                                          <p:stCondLst>
+                                            <p:cond delay="0"/>
+                                          </p:stCondLst>
+                                        </p:cTn>
+                                        <p:tgtEl>
+                                          <p:spTgt spid="26"/>
+                                        </p:tgtEl>
+                                        <p:attrNameLst>
+                                          <p:attrName>style.visibility</p:attrName>
+                                        </p:attrNameLst>
+                                      </p:cBhvr>
+                                      <p:to>
+                                        <p:strVal val="visible"/>
+                                      </p:to>
+                                    </p:set>
+                                    <p:animEffect transition="in" filter="fade">
+                                      <p:cBhvr>
+                                        <p:cTn id="22" dur="500"/>
+                                        <p:tgtEl>
+                                          <p:spTgt spid="26"/>
+                                        </p:tgtEl>
+                                      </p:cBhvr>
+                                    </p:animEffect>
+                                  </p:childTnLst>
+                                </p:cTn>
+                              </p:par>
+                            </p:childTnLst>
+                          </p:cTn>
+                        </p:par>
+                      </p:childTnLst>
+                    </p:cTn>
+                  </p:par>
+                  <p:par>
+                    <p:cTn id="23" fill="hold">
+                      <p:stCondLst>
+                        <p:cond delay="indefinite"/>
+                      </p:stCondLst>
+                      <p:childTnLst>
+                        <p:par>
+                          <p:cTn id="24" fill="hold">
+                            <p:stCondLst>
+                              <p:cond delay="0"/>
+                            </p:stCondLst>
+                            <p:childTnLst>
+                              <p:par>
+                                <p:cTn id="25" presetID="10" presetClass="entr" presetSubtype="0" fill="hold" grpId="0" nodeType="clickEffect">
+                                  <p:stCondLst>
+                                    <p:cond delay="0"/>
+                                  </p:stCondLst>
+                                  <p:childTnLst>
+                                    <p:set>
+                                      <p:cBhvr>
+                                        <p:cTn id="26" dur="1" fill="hold">
+                                          <p:stCondLst>
+                                            <p:cond delay="0"/>
+                                          </p:stCondLst>
+                                        </p:cTn>
+                                        <p:tgtEl>
+                                          <p:spTgt spid="23"/>
+                                        </p:tgtEl>
+                                        <p:attrNameLst>
+                                          <p:attrName>style.visibility</p:attrName>
+                                        </p:attrNameLst>
+                                      </p:cBhvr>
+                                      <p:to>
+                                        <p:strVal val="visible"/>
+                                      </p:to>
+                                    </p:set>
+                                    <p:animEffect transition="in" filter="fade">
+                                      <p:cBhvr>
+                                        <p:cTn id="27" dur="500"/>
+                                        <p:tgtEl>
+                                          <p:spTgt spid="23"/>
+                                        </p:tgtEl>
+                                      </p:cBhvr>
+                                    </p:animEffect>
+                                  </p:childTnLst>
+                                </p:cTn>
+                              </p:par>
+                            </p:childTnLst>
+                          </p:cTn>
+                        </p:par>
+                      </p:childTnLst>
+                    </p:cTn>
+                  </p:par>
+                </p:childTnLst>
+              </p:cTn>
+              <p:prevCondLst>
+                <p:cond evt="onPrev" delay="0">
+                  <p:tgtEl>
+                    <p:sldTgt/>
+                  </p:tgtEl>
+                </p:cond>
+              </p:prevCondLst>
+              <p:nextCondLst>
+                <p:cond evt="onNext" delay="0">
+                  <p:tgtEl>
+                    <p:sldTgt/>
+                  </p:tgtEl>
+                </p:cond>
+              </p:nextCondLst>
+            </p:seq>
+          </p:childTnLst>
+        </p:cTn>
       </p:par>
     </p:tnLst>
+    <p:bldLst>
+      <p:bldP spid="23" grpId="0"/>
+      <p:bldP spid="24" grpId="0"/>
+      <p:bldP spid="25" grpId="0"/>
+      <p:bldP spid="26" grpId="0"/>
+      <p:bldP spid="28" grpId="0"/>
+    </p:bldLst>
   </p:timing>
 </p:sld>
 </file>
@@ -19571,13 +21331,13 @@
   <p:clrMapOvr>
     <a:masterClrMapping/>
   </p:clrMapOvr>
-  <mc:AlternateContent xmlns:mc="http://schemas.openxmlformats.org/markup-compatibility/2006" xmlns:p14="http://schemas.microsoft.com/office/powerpoint/2010/main">
-    <mc:Choice Requires="p14">
+  <mc:AlternateContent xmlns:mc="http://schemas.openxmlformats.org/markup-compatibility/2006">
+    <mc:Choice xmlns:p14="http://schemas.microsoft.com/office/powerpoint/2010/main" Requires="p14">
       <p:transition spd="med" p14:dur="700">
         <p:fade/>
       </p:transition>
     </mc:Choice>
-    <mc:Fallback xmlns="">
+    <mc:Fallback>
       <p:transition spd="med">
         <p:fade/>
       </p:transition>
@@ -19650,15 +21410,13 @@
           <a:p>
             <a:r>
               <a:rPr lang="en-US" dirty="0" smtClean="0"/>
-              <a:t>Rule: A household moves to a random city for which its ‘Attractiveness’ &gt; ‘Resistance to move’</a:t>
-            </a:r>
-          </a:p>
-          <a:p>
+              <a:t>Rule: A household moves to a random city for which its ‘Attractiveness’ &gt; ‘Resistance to move</a:t>
+            </a:r>
             <a:r>
               <a:rPr lang="en-US" dirty="0" smtClean="0"/>
-              <a:t>Resistance to move &amp; Attractiveness of a city take on values between 0 and 1. </a:t>
-            </a:r>
-            <a:endParaRPr lang="en-US" dirty="0"/>
+              <a:t>’</a:t>
+            </a:r>
+            <a:endParaRPr lang="en-US" dirty="0" smtClean="0"/>
           </a:p>
         </p:txBody>
       </p:sp>
@@ -19684,7 +21442,7 @@
         </p:blipFill>
         <p:spPr>
           <a:xfrm>
-            <a:off x="450079" y="3276600"/>
+            <a:off x="457200" y="2895600"/>
             <a:ext cx="7467600" cy="2970981"/>
           </a:xfrm>
           <a:prstGeom prst="rect">
@@ -19702,13 +21460,13 @@
   <p:clrMapOvr>
     <a:masterClrMapping/>
   </p:clrMapOvr>
-  <mc:AlternateContent xmlns:mc="http://schemas.openxmlformats.org/markup-compatibility/2006" xmlns:p14="http://schemas.microsoft.com/office/powerpoint/2010/main">
-    <mc:Choice Requires="p14">
+  <mc:AlternateContent xmlns:mc="http://schemas.openxmlformats.org/markup-compatibility/2006">
+    <mc:Choice xmlns:p14="http://schemas.microsoft.com/office/powerpoint/2010/main" Requires="p14">
       <p:transition spd="med" p14:dur="700">
         <p:fade/>
       </p:transition>
     </mc:Choice>
-    <mc:Fallback xmlns="">
+    <mc:Fallback>
       <p:transition spd="med">
         <p:fade/>
       </p:transition>
@@ -19979,6 +21737,140 @@
           </a:fontRef>
         </p:style>
       </p:cxnSp>
+      <p:sp>
+        <p:nvSpPr>
+          <p:cNvPr id="12" name="TextBox 11"/>
+          <p:cNvSpPr txBox="1"/>
+          <p:nvPr/>
+        </p:nvSpPr>
+        <p:spPr>
+          <a:xfrm>
+            <a:off x="5105400" y="6138446"/>
+            <a:ext cx="2019300" cy="338554"/>
+          </a:xfrm>
+          <a:prstGeom prst="rect">
+            <a:avLst/>
+          </a:prstGeom>
+          <a:noFill/>
+        </p:spPr>
+        <p:txBody>
+          <a:bodyPr wrap="square" rtlCol="0">
+            <a:spAutoFit/>
+          </a:bodyPr>
+          <a:lstStyle/>
+          <a:p>
+            <a:r>
+              <a:rPr lang="en-US" sz="1600" dirty="0" smtClean="0"/>
+              <a:t> Time since moving</a:t>
+            </a:r>
+            <a:endParaRPr lang="en-US" sz="1600" dirty="0"/>
+          </a:p>
+        </p:txBody>
+      </p:sp>
+      <p:sp>
+        <p:nvSpPr>
+          <p:cNvPr id="13" name="TextBox 12"/>
+          <p:cNvSpPr txBox="1"/>
+          <p:nvPr/>
+        </p:nvSpPr>
+        <p:spPr>
+          <a:xfrm rot="16200000">
+            <a:off x="-645527" y="2686345"/>
+            <a:ext cx="2019300" cy="338554"/>
+          </a:xfrm>
+          <a:prstGeom prst="rect">
+            <a:avLst/>
+          </a:prstGeom>
+          <a:noFill/>
+        </p:spPr>
+        <p:txBody>
+          <a:bodyPr wrap="square" rtlCol="0">
+            <a:spAutoFit/>
+          </a:bodyPr>
+          <a:lstStyle/>
+          <a:p>
+            <a:r>
+              <a:rPr lang="en-US" sz="1600" dirty="0" smtClean="0"/>
+              <a:t>Resistance to move</a:t>
+            </a:r>
+            <a:endParaRPr lang="en-US" sz="1600" dirty="0"/>
+          </a:p>
+        </p:txBody>
+      </p:sp>
+      <p:cxnSp>
+        <p:nvCxnSpPr>
+          <p:cNvPr id="14" name="Straight Arrow Connector 13"/>
+          <p:cNvCxnSpPr/>
+          <p:nvPr/>
+        </p:nvCxnSpPr>
+        <p:spPr>
+          <a:xfrm>
+            <a:off x="4572000" y="6324600"/>
+            <a:ext cx="609600" cy="0"/>
+          </a:xfrm>
+          <a:prstGeom prst="straightConnector1">
+            <a:avLst/>
+          </a:prstGeom>
+          <a:ln w="15875">
+            <a:solidFill>
+              <a:schemeClr val="tx1"/>
+            </a:solidFill>
+            <a:tailEnd type="arrow"/>
+          </a:ln>
+        </p:spPr>
+        <p:style>
+          <a:lnRef idx="1">
+            <a:schemeClr val="accent1"/>
+          </a:lnRef>
+          <a:fillRef idx="0">
+            <a:schemeClr val="accent1"/>
+          </a:fillRef>
+          <a:effectRef idx="0">
+            <a:schemeClr val="accent1"/>
+          </a:effectRef>
+          <a:fontRef idx="minor">
+            <a:schemeClr val="tx1"/>
+          </a:fontRef>
+        </p:style>
+      </p:cxnSp>
+      <p:cxnSp>
+        <p:nvCxnSpPr>
+          <p:cNvPr id="16" name="Straight Arrow Connector 15"/>
+          <p:cNvCxnSpPr>
+            <a:endCxn id="13" idx="1"/>
+          </p:cNvCxnSpPr>
+          <p:nvPr/>
+        </p:nvCxnSpPr>
+        <p:spPr>
+          <a:xfrm flipV="1">
+            <a:off x="364122" y="3865272"/>
+            <a:ext cx="1" cy="554328"/>
+          </a:xfrm>
+          <a:prstGeom prst="straightConnector1">
+            <a:avLst/>
+          </a:prstGeom>
+          <a:ln w="15875">
+            <a:solidFill>
+              <a:schemeClr val="tx1"/>
+            </a:solidFill>
+            <a:tailEnd type="arrow"/>
+          </a:ln>
+        </p:spPr>
+        <p:style>
+          <a:lnRef idx="1">
+            <a:schemeClr val="accent1"/>
+          </a:lnRef>
+          <a:fillRef idx="0">
+            <a:schemeClr val="accent1"/>
+          </a:fillRef>
+          <a:effectRef idx="0">
+            <a:schemeClr val="accent1"/>
+          </a:effectRef>
+          <a:fontRef idx="minor">
+            <a:schemeClr val="tx1"/>
+          </a:fontRef>
+        </p:style>
+      </p:cxnSp>
     </p:spTree>
     <p:extLst>
       <p:ext uri="{BB962C8B-B14F-4D97-AF65-F5344CB8AC3E}">
@@ -19989,13 +21881,13 @@
   <p:clrMapOvr>
     <a:masterClrMapping/>
   </p:clrMapOvr>
-  <mc:AlternateContent xmlns:mc="http://schemas.openxmlformats.org/markup-compatibility/2006" xmlns:p14="http://schemas.microsoft.com/office/powerpoint/2010/main">
-    <mc:Choice Requires="p14">
+  <mc:AlternateContent xmlns:mc="http://schemas.openxmlformats.org/markup-compatibility/2006">
+    <mc:Choice xmlns:p14="http://schemas.microsoft.com/office/powerpoint/2010/main" Requires="p14">
       <p:transition spd="med" p14:dur="700">
         <p:fade/>
       </p:transition>
     </mc:Choice>
-    <mc:Fallback xmlns="">
+    <mc:Fallback>
       <p:transition spd="med">
         <p:fade/>
       </p:transition>
@@ -20060,7 +21952,7 @@
           <p:nvPr>
             <p:extLst>
               <p:ext uri="{D42A27DB-BD31-4B8C-83A1-F6EECF244321}">
-                <p14:modId xmlns:p14="http://schemas.microsoft.com/office/powerpoint/2010/main" val="10371613"/>
+                <p14:modId xmlns:p14="http://schemas.microsoft.com/office/powerpoint/2010/main" val="3071741282"/>
               </p:ext>
             </p:extLst>
           </p:nvPr>
@@ -20096,8 +21988,8 @@
         </p:blipFill>
         <p:spPr>
           <a:xfrm>
-            <a:off x="3886200" y="1948249"/>
-            <a:ext cx="4649230" cy="3075071"/>
+            <a:off x="4267200" y="1948249"/>
+            <a:ext cx="4268230" cy="3075071"/>
           </a:xfrm>
           <a:prstGeom prst="rect">
             <a:avLst/>
@@ -20136,14 +22028,14 @@
       </p:pic>
       <p:sp>
         <p:nvSpPr>
-          <p:cNvPr id="18" name="TextBox 17"/>
+          <p:cNvPr id="6" name="TextBox 5"/>
           <p:cNvSpPr txBox="1"/>
           <p:nvPr/>
         </p:nvSpPr>
         <p:spPr>
           <a:xfrm>
-            <a:off x="5257800" y="5117068"/>
-            <a:ext cx="1981200" cy="369332"/>
+            <a:off x="6629400" y="5029200"/>
+            <a:ext cx="2133600" cy="338554"/>
           </a:xfrm>
           <a:prstGeom prst="rect">
             <a:avLst/>
@@ -20157,13 +22049,115 @@
           <a:lstStyle/>
           <a:p>
             <a:r>
-              <a:rPr lang="en-US" dirty="0" smtClean="0"/>
-              <a:t>City occupancy</a:t>
-            </a:r>
-            <a:endParaRPr lang="en-US" dirty="0"/>
+              <a:rPr lang="en-US" sz="1600" dirty="0" smtClean="0"/>
+              <a:t>City occupancy rate</a:t>
+            </a:r>
+            <a:endParaRPr lang="en-US" sz="1600" dirty="0"/>
           </a:p>
         </p:txBody>
       </p:sp>
+      <p:cxnSp>
+        <p:nvCxnSpPr>
+          <p:cNvPr id="7" name="Straight Arrow Connector 6"/>
+          <p:cNvCxnSpPr/>
+          <p:nvPr/>
+        </p:nvCxnSpPr>
+        <p:spPr>
+          <a:xfrm>
+            <a:off x="6019800" y="5215354"/>
+            <a:ext cx="609600" cy="0"/>
+          </a:xfrm>
+          <a:prstGeom prst="straightConnector1">
+            <a:avLst/>
+          </a:prstGeom>
+          <a:ln w="15875">
+            <a:solidFill>
+              <a:schemeClr val="tx1"/>
+            </a:solidFill>
+            <a:tailEnd type="arrow"/>
+          </a:ln>
+        </p:spPr>
+        <p:style>
+          <a:lnRef idx="1">
+            <a:schemeClr val="accent1"/>
+          </a:lnRef>
+          <a:fillRef idx="0">
+            <a:schemeClr val="accent1"/>
+          </a:fillRef>
+          <a:effectRef idx="0">
+            <a:schemeClr val="accent1"/>
+          </a:effectRef>
+          <a:fontRef idx="minor">
+            <a:schemeClr val="tx1"/>
+          </a:fontRef>
+        </p:style>
+      </p:cxnSp>
+      <p:sp>
+        <p:nvSpPr>
+          <p:cNvPr id="8" name="TextBox 7"/>
+          <p:cNvSpPr txBox="1"/>
+          <p:nvPr/>
+        </p:nvSpPr>
+        <p:spPr>
+          <a:xfrm rot="16200000">
+            <a:off x="3188885" y="2449916"/>
+            <a:ext cx="1580784" cy="338554"/>
+          </a:xfrm>
+          <a:prstGeom prst="rect">
+            <a:avLst/>
+          </a:prstGeom>
+          <a:noFill/>
+        </p:spPr>
+        <p:txBody>
+          <a:bodyPr wrap="square" rtlCol="0">
+            <a:spAutoFit/>
+          </a:bodyPr>
+          <a:lstStyle/>
+          <a:p>
+            <a:r>
+              <a:rPr lang="en-US" sz="1600" dirty="0" smtClean="0"/>
+              <a:t>Attractiveness</a:t>
+            </a:r>
+            <a:endParaRPr lang="en-US" sz="1600" dirty="0"/>
+          </a:p>
+        </p:txBody>
+      </p:sp>
+      <p:cxnSp>
+        <p:nvCxnSpPr>
+          <p:cNvPr id="10" name="Straight Arrow Connector 9"/>
+          <p:cNvCxnSpPr/>
+          <p:nvPr/>
+        </p:nvCxnSpPr>
+        <p:spPr>
+          <a:xfrm rot="16200000">
+            <a:off x="3688720" y="3714385"/>
+            <a:ext cx="609600" cy="0"/>
+          </a:xfrm>
+          <a:prstGeom prst="straightConnector1">
+            <a:avLst/>
+          </a:prstGeom>
+          <a:ln w="15875">
+            <a:solidFill>
+              <a:schemeClr val="tx1"/>
+            </a:solidFill>
+            <a:tailEnd type="arrow"/>
+          </a:ln>
+        </p:spPr>
+        <p:style>
+          <a:lnRef idx="1">
+            <a:schemeClr val="accent1"/>
+          </a:lnRef>
+          <a:fillRef idx="0">
+            <a:schemeClr val="accent1"/>
+          </a:fillRef>
+          <a:effectRef idx="0">
+            <a:schemeClr val="accent1"/>
+          </a:effectRef>
+          <a:fontRef idx="minor">
+            <a:schemeClr val="tx1"/>
+          </a:fontRef>
+        </p:style>
+      </p:cxnSp>
     </p:spTree>
     <p:extLst>
       <p:ext uri="{BB962C8B-B14F-4D97-AF65-F5344CB8AC3E}">
@@ -20174,13 +22168,13 @@
   <p:clrMapOvr>
     <a:masterClrMapping/>
   </p:clrMapOvr>
-  <mc:AlternateContent xmlns:mc="http://schemas.openxmlformats.org/markup-compatibility/2006" xmlns:p14="http://schemas.microsoft.com/office/powerpoint/2010/main">
-    <mc:Choice Requires="p14">
+  <mc:AlternateContent xmlns:mc="http://schemas.openxmlformats.org/markup-compatibility/2006">
+    <mc:Choice xmlns:p14="http://schemas.microsoft.com/office/powerpoint/2010/main" Requires="p14">
       <p:transition spd="med" p14:dur="700">
         <p:fade/>
       </p:transition>
     </mc:Choice>
-    <mc:Fallback xmlns="">
+    <mc:Fallback>
       <p:transition spd="med">
         <p:fade/>
       </p:transition>
